--- a/slides/Tag-1_6-Git-Workflow-im-Team_Light.pptx
+++ b/slides/Tag-1_6-Git-Workflow-im-Team_Light.pptx
@@ -5710,7 +5710,7 @@
           <a:p>
             <a:r>
               <a:rPr lang="de-DE" altLang="de-DE" dirty="0"/>
-              <a:t>Durch die gemeinsame Arbeit auf einem Branch steigt das Konfliktpotenzial</a:t>
+              <a:t>Gemeinsame Arbeit (auf einem Branch) erhöht Konfliktpotenzial</a:t>
             </a:r>
           </a:p>
           <a:p>
@@ -5724,57 +5724,35 @@
             <a:pPr lvl="1"/>
             <a:r>
               <a:rPr lang="de-DE" altLang="de-DE" dirty="0"/>
-              <a:t>Entwickler sollten mit Umgang von Konflikten in </a:t>
+              <a:t>(</a:t>
             </a:r>
             <a:r>
               <a:rPr lang="de-DE" altLang="de-DE" dirty="0" err="1"/>
-              <a:t>Git</a:t>
+              <a:t>Merge</a:t>
             </a:r>
             <a:r>
               <a:rPr lang="de-DE" altLang="de-DE" dirty="0"/>
-              <a:t> vertraut sein und diese sauber auflösen können</a:t>
+              <a:t>-)Konflikte sauber auflösen!</a:t>
             </a:r>
           </a:p>
           <a:p>
             <a:r>
               <a:rPr lang="de-DE" altLang="de-DE" dirty="0"/>
-              <a:t>Ein zentraler </a:t>
-            </a:r>
-            <a:r>
-              <a:rPr lang="de-DE" altLang="de-DE" dirty="0" err="1"/>
-              <a:t>Git</a:t>
-            </a:r>
+              <a:t>Weniger Flexibilität (als andere Workflows)</a:t>
+            </a:r>
+          </a:p>
+          <a:p>
+            <a:pPr lvl="1"/>
             <a:r>
               <a:rPr lang="de-DE" altLang="de-DE" dirty="0"/>
-              <a:t>-Workflow bietet weniger Flexibilität als andere Workflows</a:t>
-            </a:r>
-          </a:p>
-          <a:p>
-            <a:pPr lvl="1"/>
+              <a:t>Komplexere Projekte, andere Workflows?</a:t>
+            </a:r>
+          </a:p>
+          <a:p>
             <a:r>
               <a:rPr lang="de-DE" altLang="de-DE" dirty="0"/>
-              <a:t>Komplexere Projekte mit vielen parallelen und inhaltlich getrennten Features können hier von anderen Workflows profitieren</a:t>
-            </a:r>
-          </a:p>
-          <a:p>
-            <a:r>
-              <a:rPr lang="de-DE" altLang="de-DE" dirty="0"/>
-              <a:t>Zentraler </a:t>
-            </a:r>
-            <a:r>
-              <a:rPr lang="de-DE" altLang="de-DE" dirty="0" err="1"/>
-              <a:t>Git</a:t>
-            </a:r>
-            <a:r>
-              <a:rPr lang="de-DE" altLang="de-DE" dirty="0"/>
-              <a:t>-Workflow entfaltet seine Vorteile meinst in kleineren Teams</a:t>
-            </a:r>
-          </a:p>
-          <a:p>
-            <a:pPr marL="0" indent="0">
-              <a:buNone/>
-            </a:pPr>
-            <a:endParaRPr lang="de-DE" altLang="de-DE" dirty="0"/>
+              <a:t>Vorteilhaft in kleineren Teams</a:t>
+            </a:r>
           </a:p>
           <a:p>
             <a:pPr marL="0" indent="0">
@@ -35354,29 +35332,36 @@
             </a:r>
             <a:r>
               <a:rPr lang="de-DE" altLang="de-DE" dirty="0"/>
-              <a:t> zum Übernehmen der Remote Änderungen eignet sich hier besser als </a:t>
+              <a:t> hier besser als </a:t>
             </a:r>
             <a:r>
               <a:rPr lang="de-DE" altLang="de-DE" dirty="0" err="1"/>
               <a:t>Merging</a:t>
             </a:r>
+            <a:endParaRPr lang="de-DE" altLang="de-DE" dirty="0"/>
+          </a:p>
+          <a:p>
+            <a:pPr lvl="1"/>
+            <a:r>
+              <a:rPr lang="de-DE" altLang="de-DE" dirty="0">
+                <a:sym typeface="Wingdings" panose="05000000000000000000" pitchFamily="2" charset="2"/>
+              </a:rPr>
+              <a:t> </a:t>
+            </a:r>
             <a:r>
               <a:rPr lang="de-DE" altLang="de-DE" dirty="0"/>
-              <a:t>, da zusätzliche </a:t>
+              <a:t>Verhindert zusätzliche </a:t>
             </a:r>
             <a:r>
               <a:rPr lang="de-DE" altLang="de-DE" dirty="0" err="1"/>
               <a:t>Commits</a:t>
             </a:r>
+            <a:endParaRPr lang="de-DE" altLang="de-DE" dirty="0"/>
+          </a:p>
+          <a:p>
             <a:r>
               <a:rPr lang="de-DE" altLang="de-DE" dirty="0"/>
-              <a:t> verhindert werden</a:t>
-            </a:r>
-          </a:p>
-          <a:p>
-            <a:r>
-              <a:rPr lang="de-DE" altLang="de-DE" dirty="0"/>
-              <a:t>Nur die </a:t>
+              <a:t>Lokal existierende </a:t>
             </a:r>
             <a:r>
               <a:rPr lang="de-DE" altLang="de-DE" dirty="0" err="1"/>
@@ -35384,7 +35369,7 @@
             </a:r>
             <a:r>
               <a:rPr lang="de-DE" altLang="de-DE" dirty="0"/>
-              <a:t>, welche lokal aber nicht Remote existieren, werden </a:t>
+              <a:t> </a:t>
             </a:r>
             <a:r>
               <a:rPr lang="de-DE" altLang="de-DE" dirty="0" err="1"/>
@@ -35392,27 +35377,30 @@
             </a:r>
             <a:r>
               <a:rPr lang="de-DE" altLang="de-DE" dirty="0"/>
-              <a:t>. Daher verstößt ein </a:t>
+              <a:t> (Remote </a:t>
             </a:r>
             <a:r>
               <a:rPr lang="de-DE" altLang="de-DE" dirty="0" err="1"/>
-              <a:t>Rebase</a:t>
+              <a:t>Commits</a:t>
             </a:r>
             <a:r>
               <a:rPr lang="de-DE" altLang="de-DE" dirty="0"/>
-              <a:t> hier auch nicht gegen das Prinzip, keine Public </a:t>
-            </a:r>
-            <a:r>
-              <a:rPr lang="de-DE" altLang="de-DE" dirty="0" err="1"/>
-              <a:t>Branches</a:t>
-            </a:r>
-            <a:r>
-              <a:rPr lang="de-DE" altLang="de-DE" dirty="0"/>
-              <a:t> zu </a:t>
-            </a:r>
-            <a:r>
-              <a:rPr lang="de-DE" altLang="de-DE" dirty="0" err="1"/>
-              <a:t>rebasen</a:t>
+              <a:t> nicht)</a:t>
+            </a:r>
+          </a:p>
+          <a:p>
+            <a:pPr lvl="1"/>
+            <a:r>
+              <a:rPr lang="de-DE" altLang="de-DE" dirty="0">
+                <a:sym typeface="Wingdings" panose="05000000000000000000" pitchFamily="2" charset="2"/>
+              </a:rPr>
+              <a:t> Kein Verstoß gegen Public Branch </a:t>
+            </a:r>
+            <a:r>
+              <a:rPr lang="de-DE" altLang="de-DE" dirty="0" err="1">
+                <a:sym typeface="Wingdings" panose="05000000000000000000" pitchFamily="2" charset="2"/>
+              </a:rPr>
+              <a:t>Rebasing</a:t>
             </a:r>
             <a:endParaRPr lang="de-DE" altLang="de-DE" dirty="0"/>
           </a:p>
@@ -35608,7 +35596,7 @@
           <a:p>
             <a:r>
               <a:rPr lang="de-DE" altLang="de-DE" dirty="0"/>
-              <a:t>Die meisten anderen Workflows sind vom </a:t>
+              <a:t>Andere Workflows = </a:t>
             </a:r>
             <a:r>
               <a:rPr lang="de-DE" altLang="de-DE" dirty="0" err="1"/>
@@ -35616,20 +35604,20 @@
             </a:r>
             <a:r>
               <a:rPr lang="de-DE" altLang="de-DE" dirty="0"/>
-              <a:t> Modell her komplexer</a:t>
+              <a:t>-Modell komplexer</a:t>
             </a:r>
           </a:p>
           <a:p>
             <a:r>
               <a:rPr lang="de-DE" altLang="de-DE" dirty="0"/>
-              <a:t>Ein weiterer bekannte Workflow ist der Feature-Branch-Workflow</a:t>
+              <a:t>Feature-Branch-Workflow</a:t>
             </a:r>
           </a:p>
           <a:p>
             <a:pPr lvl="1"/>
             <a:r>
               <a:rPr lang="de-DE" altLang="de-DE" dirty="0"/>
-              <a:t>Features werden in eigenen </a:t>
+              <a:t>Features in eigenen </a:t>
             </a:r>
             <a:r>
               <a:rPr lang="de-DE" altLang="de-DE" dirty="0" err="1"/>
@@ -35637,31 +35625,30 @@
             </a:r>
             <a:r>
               <a:rPr lang="de-DE" altLang="de-DE" dirty="0"/>
-              <a:t> entwickelt und nach Abschluss in den </a:t>
+              <a:t>, nach Abschluss </a:t>
             </a:r>
             <a:r>
               <a:rPr lang="de-DE" altLang="de-DE" dirty="0" err="1"/>
-              <a:t>Hauptbranch</a:t>
-            </a:r>
+              <a:t>mergen</a:t>
+            </a:r>
+            <a:endParaRPr lang="de-DE" altLang="de-DE" dirty="0"/>
+          </a:p>
+          <a:p>
+            <a:pPr lvl="1"/>
             <a:r>
               <a:rPr lang="de-DE" altLang="de-DE" dirty="0"/>
-              <a:t> </a:t>
+              <a:t>Bietet umgekehrte Vor- und Nachteile</a:t>
+            </a:r>
+          </a:p>
+          <a:p>
+            <a:pPr lvl="1"/>
+            <a:r>
+              <a:rPr lang="de-DE" altLang="de-DE" dirty="0"/>
+              <a:t>Vorstellung später mit </a:t>
             </a:r>
             <a:r>
               <a:rPr lang="de-DE" altLang="de-DE" dirty="0" err="1"/>
-              <a:t>gemerged</a:t>
-            </a:r>
-            <a:endParaRPr lang="de-DE" altLang="de-DE" dirty="0"/>
-          </a:p>
-          <a:p>
-            <a:pPr lvl="1"/>
-            <a:r>
-              <a:rPr lang="de-DE" altLang="de-DE" dirty="0"/>
-              <a:t>Bietet genau umgekehrte Vor- und Nachteile gegenüber dem zentralen </a:t>
-            </a:r>
-            <a:r>
-              <a:rPr lang="de-DE" altLang="de-DE" dirty="0" err="1"/>
-              <a:t>Git</a:t>
+              <a:t>Gitflow</a:t>
             </a:r>
             <a:r>
               <a:rPr lang="de-DE" altLang="de-DE" dirty="0"/>
@@ -35669,73 +35656,51 @@
             </a:r>
           </a:p>
           <a:p>
+            <a:r>
+              <a:rPr lang="de-DE" altLang="de-DE" dirty="0"/>
+              <a:t>Völlig unterschiedliche Workflows</a:t>
+            </a:r>
+          </a:p>
+          <a:p>
             <a:pPr lvl="1"/>
-            <a:r>
-              <a:rPr lang="de-DE" altLang="de-DE" dirty="0"/>
-              <a:t>Wird mit dem </a:t>
-            </a:r>
-            <a:r>
-              <a:rPr lang="de-DE" altLang="de-DE" dirty="0" err="1"/>
-              <a:t>Gitflow</a:t>
-            </a:r>
-            <a:r>
-              <a:rPr lang="de-DE" altLang="de-DE" dirty="0"/>
-              <a:t>-Workflow als Variante noch genauer betrachtet</a:t>
-            </a:r>
-          </a:p>
-          <a:p>
-            <a:r>
-              <a:rPr lang="de-DE" altLang="de-DE" dirty="0"/>
-              <a:t>Es existieren auch Workflows, die sich vollkommen Unterscheiden</a:t>
-            </a:r>
-          </a:p>
-          <a:p>
-            <a:pPr lvl="1"/>
-            <a:r>
-              <a:rPr lang="de-DE" altLang="de-DE" dirty="0"/>
-              <a:t>Beispielsweise der </a:t>
-            </a:r>
             <a:r>
               <a:rPr lang="de-DE" altLang="de-DE" dirty="0" err="1"/>
               <a:t>Forking</a:t>
             </a:r>
             <a:r>
               <a:rPr lang="de-DE" altLang="de-DE" dirty="0"/>
-              <a:t>-Workflow sieht auch für jeden Entwickler ein eigenes Remote Repository</a:t>
-            </a:r>
-          </a:p>
-          <a:p>
-            <a:pPr lvl="1"/>
+              <a:t>-Workflow: Jeder Entwickler eigenes Remote-Repository</a:t>
+            </a:r>
+          </a:p>
+          <a:p>
+            <a:pPr lvl="2"/>
             <a:r>
               <a:rPr lang="de-DE" altLang="de-DE" dirty="0"/>
-              <a:t>Dabei </a:t>
+              <a:t>Projekt-Repository </a:t>
             </a:r>
             <a:r>
               <a:rPr lang="de-DE" altLang="de-DE" dirty="0" err="1"/>
-              <a:t>forkt</a:t>
-            </a:r>
+              <a:t>forken</a:t>
+            </a:r>
+            <a:endParaRPr lang="de-DE" altLang="de-DE" dirty="0"/>
+          </a:p>
+          <a:p>
+            <a:pPr lvl="2"/>
             <a:r>
               <a:rPr lang="de-DE" altLang="de-DE" dirty="0"/>
-              <a:t> ein Entwickler ein Projekt-Repository und arbeitet dort alleine</a:t>
-            </a:r>
-          </a:p>
-          <a:p>
-            <a:pPr lvl="1"/>
+              <a:t>Dort alleine arbeiten</a:t>
+            </a:r>
+          </a:p>
+          <a:p>
+            <a:pPr lvl="2"/>
+            <a:r>
+              <a:rPr lang="de-DE" altLang="de-DE" dirty="0" err="1"/>
+              <a:t>Merge-Requests</a:t>
+            </a:r>
             <a:r>
               <a:rPr lang="de-DE" altLang="de-DE" dirty="0"/>
-              <a:t>Später werden mit </a:t>
-            </a:r>
-            <a:r>
-              <a:rPr lang="de-DE" altLang="de-DE" dirty="0" err="1"/>
-              <a:t>Merge</a:t>
-            </a:r>
-            <a:r>
-              <a:rPr lang="de-DE" altLang="de-DE" dirty="0"/>
-              <a:t>-Request Änderungen ins ursprüngliche Repository übernommen </a:t>
-            </a:r>
-          </a:p>
-          <a:p>
-            <a:endParaRPr lang="de-DE" altLang="de-DE" dirty="0"/>
+              <a:t> für Änderungen ins ursprüngliche Repository</a:t>
+            </a:r>
           </a:p>
           <a:p>
             <a:pPr marL="0" indent="0">
@@ -36133,12 +36098,14 @@
           </a:p>
           <a:p>
             <a:r>
-              <a:rPr lang="de-DE" altLang="de-DE"/>
-              <a:t>Workflows </a:t>
-            </a:r>
-            <a:r>
               <a:rPr lang="de-DE" altLang="de-DE" dirty="0"/>
-              <a:t>sind Empfehlungen und Strategien zum Arbeiten mit </a:t>
+              <a:t>Workflows sind Empfehlungen &amp; Strategien im Remote-Kontext</a:t>
+            </a:r>
+          </a:p>
+          <a:p>
+            <a:r>
+              <a:rPr lang="de-DE" altLang="de-DE" dirty="0"/>
+              <a:t>Sorgen im Team für konsistente und effektive Nutzung von </a:t>
             </a:r>
             <a:r>
               <a:rPr lang="de-DE" altLang="de-DE" dirty="0" err="1"/>
@@ -36146,43 +36113,25 @@
             </a:r>
             <a:r>
               <a:rPr lang="de-DE" altLang="de-DE" dirty="0"/>
-              <a:t>, speziell im Remote Kontext</a:t>
-            </a:r>
-          </a:p>
-          <a:p>
-            <a:r>
-              <a:rPr lang="de-DE" altLang="de-DE" dirty="0"/>
-              <a:t>Sollen im Team für eine konsistente und effektive Nutzung von </a:t>
-            </a:r>
-            <a:r>
-              <a:rPr lang="de-DE" altLang="de-DE" dirty="0" err="1"/>
-              <a:t>Git</a:t>
-            </a:r>
-            <a:r>
-              <a:rPr lang="de-DE" altLang="de-DE" dirty="0"/>
-              <a:t> und </a:t>
-            </a:r>
-            <a:r>
-              <a:rPr lang="de-DE" altLang="de-DE" dirty="0" err="1"/>
-              <a:t>Git</a:t>
-            </a:r>
-            <a:r>
-              <a:rPr lang="de-DE" altLang="de-DE" dirty="0"/>
-              <a:t>-Plattformen wie </a:t>
+              <a:t> &amp; </a:t>
             </a:r>
             <a:r>
               <a:rPr lang="de-DE" altLang="de-DE" dirty="0" err="1"/>
               <a:t>GitLab</a:t>
             </a:r>
+            <a:endParaRPr lang="de-DE" altLang="de-DE" dirty="0"/>
+          </a:p>
+          <a:p>
             <a:r>
               <a:rPr lang="de-DE" altLang="de-DE" dirty="0"/>
-              <a:t> sorgen</a:t>
-            </a:r>
-          </a:p>
-          <a:p>
+              <a:t>Workflows = Empfehlungen</a:t>
+            </a:r>
+          </a:p>
+          <a:p>
+            <a:pPr lvl="1"/>
             <a:r>
               <a:rPr lang="de-DE" altLang="de-DE" dirty="0"/>
-              <a:t>Workflows sind eher als Empfehlungen und nicht als absolute Regeln zu verstehen</a:t>
+              <a:t>Keine absoluten Regeln!</a:t>
             </a:r>
           </a:p>
           <a:p>
@@ -36337,13 +36286,26 @@
             </a:r>
             <a:r>
               <a:rPr lang="de-DE" altLang="de-DE" sz="1800" dirty="0"/>
-              <a:t> bieten durch eine Vielzahl an Konzepten und Feature ganz unterschiedliche Möglichkeiten zum Einsatz</a:t>
-            </a:r>
-          </a:p>
-          <a:p>
+              <a:t> vielfältige Einsatzmöglichkeiten</a:t>
+            </a:r>
+          </a:p>
+          <a:p>
+            <a:pPr lvl="1"/>
+            <a:r>
+              <a:rPr lang="de-DE" altLang="de-DE" sz="1400" dirty="0"/>
+              <a:t>Durch verschiedene Konzepte und Features</a:t>
+            </a:r>
+          </a:p>
+          <a:p>
+            <a:r>
+              <a:rPr lang="de-DE" altLang="de-DE" sz="1800" dirty="0">
+                <a:sym typeface="Wingdings" panose="05000000000000000000" pitchFamily="2" charset="2"/>
+              </a:rPr>
+              <a:t> V</a:t>
+            </a:r>
             <a:r>
               <a:rPr lang="de-DE" altLang="de-DE" sz="1800" dirty="0"/>
-              <a:t>Daher existieren auch viele </a:t>
+              <a:t>iele </a:t>
             </a:r>
             <a:r>
               <a:rPr lang="de-DE" altLang="de-DE" sz="1800" dirty="0" err="1"/>
@@ -36357,22 +36319,14 @@
           <a:p>
             <a:r>
               <a:rPr lang="de-DE" altLang="de-DE" sz="1800" dirty="0"/>
-              <a:t>Auswahl des passenden Workflows richtet sich nach bestimmten Kriterien</a:t>
+              <a:t>Auswahl des passenden Workflows nach bestimmten Kriterien</a:t>
             </a:r>
           </a:p>
           <a:p>
             <a:pPr lvl="1"/>
             <a:r>
               <a:rPr lang="de-DE" altLang="de-DE" sz="1400" dirty="0"/>
-              <a:t>Art des Projekts, indem </a:t>
-            </a:r>
-            <a:r>
-              <a:rPr lang="de-DE" altLang="de-DE" sz="1400" dirty="0" err="1"/>
-              <a:t>Git</a:t>
-            </a:r>
-            <a:r>
-              <a:rPr lang="de-DE" altLang="de-DE" sz="1400" dirty="0"/>
-              <a:t> verwendet wird</a:t>
+              <a:t>Projektart</a:t>
             </a:r>
           </a:p>
           <a:p>
@@ -36399,7 +36353,7 @@
           <a:p>
             <a:r>
               <a:rPr lang="de-DE" altLang="de-DE" sz="1800" dirty="0"/>
-              <a:t>Teammitglieder müssen mit dem gewählten Workflow vertraut sein und diesen produktiv in ihre Arbeit integrieren</a:t>
+              <a:t>Teammitglieder müssen den Workflow kennen und produktiv integrieren</a:t>
             </a:r>
           </a:p>
           <a:p>
@@ -36535,7 +36489,7 @@
           <a:p>
             <a:r>
               <a:rPr lang="de-DE" altLang="de-DE" dirty="0"/>
-              <a:t>Ein zentraler </a:t>
+              <a:t>Zentraler </a:t>
             </a:r>
             <a:r>
               <a:rPr lang="de-DE" altLang="de-DE" dirty="0" err="1"/>
@@ -36543,7 +36497,7 @@
             </a:r>
             <a:r>
               <a:rPr lang="de-DE" altLang="de-DE" dirty="0"/>
-              <a:t>-Workflow ist einfacher Workflow</a:t>
+              <a:t>-Workflow = einfacher Workflow</a:t>
             </a:r>
           </a:p>
           <a:p>
@@ -36564,7 +36518,7 @@
             </a:r>
             <a:r>
               <a:rPr lang="de-DE" altLang="de-DE" dirty="0"/>
-              <a:t>, andere Bezeichnungen sind </a:t>
+              <a:t>, (auch </a:t>
             </a:r>
             <a:r>
               <a:rPr lang="de-DE" altLang="de-DE" b="1" dirty="0" err="1"/>
@@ -36580,72 +36534,53 @@
             </a:r>
             <a:r>
               <a:rPr lang="de-DE" altLang="de-DE" dirty="0"/>
-              <a:t> (veraltet)</a:t>
+              <a:t> (veraltet))</a:t>
             </a:r>
           </a:p>
           <a:p>
             <a:pPr lvl="1"/>
             <a:r>
               <a:rPr lang="de-DE" altLang="de-DE" dirty="0"/>
-              <a:t>Sämtliche Änderungen werden hier committet</a:t>
+              <a:t>Änderungen als Commit</a:t>
             </a:r>
           </a:p>
           <a:p>
             <a:pPr lvl="1"/>
             <a:r>
               <a:rPr lang="de-DE" altLang="de-DE" dirty="0"/>
-              <a:t>Vermeidet Overhead durch Verwaltung von </a:t>
-            </a:r>
-            <a:r>
-              <a:rPr lang="de-DE" altLang="de-DE" dirty="0" err="1"/>
-              <a:t>Branches</a:t>
+              <a:t>Keine Branch-Verwaltung </a:t>
+            </a:r>
+            <a:r>
+              <a:rPr lang="de-DE" altLang="de-DE" dirty="0">
+                <a:sym typeface="Wingdings" panose="05000000000000000000" pitchFamily="2" charset="2"/>
+              </a:rPr>
+              <a:t> Weniger Overhead</a:t>
             </a:r>
             <a:endParaRPr lang="de-DE" altLang="de-DE" dirty="0"/>
           </a:p>
           <a:p>
             <a:r>
+              <a:rPr lang="de-DE" altLang="de-DE" dirty="0">
+                <a:sym typeface="Wingdings" panose="05000000000000000000" pitchFamily="2" charset="2"/>
+              </a:rPr>
+              <a:t></a:t>
+            </a:r>
+            <a:r>
               <a:rPr lang="de-DE" altLang="de-DE" dirty="0"/>
-              <a:t>Dadurch einfach und schnell zu verstehen </a:t>
+              <a:t> Einfach und schnell zu verstehen</a:t>
             </a:r>
           </a:p>
           <a:p>
             <a:r>
               <a:rPr lang="de-DE" altLang="de-DE" dirty="0"/>
-              <a:t>Eignet sich gut bei Umstieg von einem CVCS wie bspw. Subversion</a:t>
+              <a:t>Erleichtert Umstieg von CVCS (Subversion)</a:t>
             </a:r>
           </a:p>
           <a:p>
             <a:r>
               <a:rPr lang="de-DE" altLang="de-DE" dirty="0"/>
-              <a:t>Erfreut sich in verschiedenen Varianten durch gute Kompatibilität zu </a:t>
-            </a:r>
-            <a:r>
-              <a:rPr lang="de-DE" altLang="de-DE" dirty="0" err="1"/>
-              <a:t>Continuous</a:t>
-            </a:r>
-            <a:r>
-              <a:rPr lang="de-DE" altLang="de-DE" dirty="0"/>
-              <a:t> Integration und </a:t>
-            </a:r>
-            <a:r>
-              <a:rPr lang="de-DE" altLang="de-DE" dirty="0" err="1"/>
-              <a:t>Continuous</a:t>
-            </a:r>
-            <a:r>
-              <a:rPr lang="de-DE" altLang="de-DE" dirty="0"/>
-              <a:t> </a:t>
-            </a:r>
-            <a:r>
-              <a:rPr lang="de-DE" altLang="de-DE" dirty="0" err="1"/>
-              <a:t>Deployment</a:t>
-            </a:r>
-            <a:r>
-              <a:rPr lang="de-DE" altLang="de-DE" dirty="0"/>
-              <a:t> (CI/CD) großer Beliebtheit </a:t>
-            </a:r>
-          </a:p>
-          <a:p>
-            <a:endParaRPr lang="de-DE" altLang="de-DE" dirty="0"/>
+              <a:t>Beliebt wegen Kompatibilität zu CI/CD</a:t>
+            </a:r>
           </a:p>
           <a:p>
             <a:pPr marL="0" indent="0">
@@ -36773,7 +36708,7 @@
           <a:p>
             <a:r>
               <a:rPr lang="de-DE" altLang="de-DE" dirty="0"/>
-              <a:t>Entwickler committen ihre Änderungen direkt auf </a:t>
+              <a:t>Entwickler committen direkt auf </a:t>
             </a:r>
             <a:r>
               <a:rPr lang="de-DE" altLang="de-DE" dirty="0" err="1"/>
@@ -36782,18 +36717,41 @@
             <a:endParaRPr lang="de-DE" altLang="de-DE" dirty="0"/>
           </a:p>
           <a:p>
-            <a:r>
-              <a:rPr lang="de-DE" altLang="de-DE" dirty="0"/>
-              <a:t>main-Branch erhält dadurch oft neue Änderungen, da diese nicht längerlebigen </a:t>
-            </a:r>
-            <a:r>
-              <a:rPr lang="de-DE" altLang="de-DE" dirty="0" err="1"/>
+            <a:pPr lvl="1"/>
+            <a:r>
+              <a:rPr lang="de-DE" altLang="de-DE" dirty="0">
+                <a:sym typeface="Wingdings" panose="05000000000000000000" pitchFamily="2" charset="2"/>
+              </a:rPr>
+              <a:t> oft neue Änderungen (</a:t>
+            </a:r>
+            <a:r>
+              <a:rPr lang="de-DE" altLang="de-DE" dirty="0" err="1">
+                <a:sym typeface="Wingdings" panose="05000000000000000000" pitchFamily="2" charset="2"/>
+              </a:rPr>
+              <a:t>main</a:t>
+            </a:r>
+            <a:r>
+              <a:rPr lang="de-DE" altLang="de-DE" dirty="0">
+                <a:sym typeface="Wingdings" panose="05000000000000000000" pitchFamily="2" charset="2"/>
+              </a:rPr>
+              <a:t>)</a:t>
+            </a:r>
+          </a:p>
+          <a:p>
+            <a:pPr lvl="1"/>
+            <a:r>
+              <a:rPr lang="de-DE" altLang="de-DE" dirty="0">
+                <a:sym typeface="Wingdings" panose="05000000000000000000" pitchFamily="2" charset="2"/>
+              </a:rPr>
+              <a:t>Keine längerlebigen </a:t>
+            </a:r>
+            <a:r>
+              <a:rPr lang="de-DE" altLang="de-DE" dirty="0" err="1">
+                <a:sym typeface="Wingdings" panose="05000000000000000000" pitchFamily="2" charset="2"/>
+              </a:rPr>
               <a:t>Branches</a:t>
             </a:r>
-            <a:r>
-              <a:rPr lang="de-DE" altLang="de-DE" dirty="0"/>
-              <a:t> erfolgen </a:t>
-            </a:r>
+            <a:endParaRPr lang="de-DE" altLang="de-DE" dirty="0"/>
           </a:p>
           <a:p>
             <a:r>
@@ -36806,7 +36764,7 @@
             </a:r>
             <a:r>
               <a:rPr lang="de-DE" altLang="de-DE" dirty="0"/>
-              <a:t> auf main-Branch helfen bei CI/CD </a:t>
+              <a:t> unterstützen CI/CD </a:t>
             </a:r>
           </a:p>
           <a:p>
@@ -36820,20 +36778,20 @@
             <a:pPr lvl="1"/>
             <a:r>
               <a:rPr lang="de-DE" altLang="de-DE" dirty="0"/>
-              <a:t>Automatisierte Tests geben schnell Feedback</a:t>
+              <a:t>Automatisierte Tests (= schnelles Feedback)</a:t>
             </a:r>
           </a:p>
           <a:p>
             <a:pPr lvl="1"/>
             <a:r>
               <a:rPr lang="de-DE" altLang="de-DE" dirty="0"/>
-              <a:t>Ermöglicht hochfrequente Releases</a:t>
+              <a:t>Hochfrequente Releases möglich</a:t>
             </a:r>
           </a:p>
           <a:p>
             <a:r>
               <a:rPr lang="de-DE" altLang="de-DE" dirty="0"/>
-              <a:t>Beim zentralen </a:t>
+              <a:t>Zentraler </a:t>
             </a:r>
             <a:r>
               <a:rPr lang="de-DE" altLang="de-DE" dirty="0" err="1"/>
@@ -36841,53 +36799,22 @@
             </a:r>
             <a:r>
               <a:rPr lang="de-DE" altLang="de-DE" dirty="0"/>
-              <a:t>-Workflow liegt ein besonderer Fokus auf die Qualität der </a:t>
-            </a:r>
-            <a:r>
-              <a:rPr lang="de-DE" altLang="de-DE" dirty="0" err="1"/>
-              <a:t>Commits</a:t>
-            </a:r>
-            <a:endParaRPr lang="de-DE" altLang="de-DE" dirty="0"/>
+              <a:t>-Workflow legt Fokus auf Commit-Qualität </a:t>
+            </a:r>
           </a:p>
           <a:p>
             <a:pPr lvl="1"/>
             <a:r>
               <a:rPr lang="de-DE" altLang="de-DE" dirty="0"/>
-              <a:t>Generell sollte in </a:t>
-            </a:r>
-            <a:r>
-              <a:rPr lang="de-DE" altLang="de-DE" dirty="0" err="1"/>
-              <a:t>Git</a:t>
-            </a:r>
+              <a:t>= lauffähig und getestet</a:t>
+            </a:r>
+          </a:p>
+          <a:p>
+            <a:pPr lvl="1"/>
             <a:r>
               <a:rPr lang="de-DE" altLang="de-DE" dirty="0"/>
-              <a:t> nur lauffähiger und getesteter Code committet werden</a:t>
-            </a:r>
-          </a:p>
-          <a:p>
-            <a:pPr lvl="1"/>
-            <a:r>
-              <a:rPr lang="de-DE" altLang="de-DE" dirty="0" err="1"/>
-              <a:t>Commits</a:t>
-            </a:r>
-            <a:r>
-              <a:rPr lang="de-DE" altLang="de-DE" dirty="0"/>
-              <a:t> mit schlechtem Code verursachen im zentralen </a:t>
-            </a:r>
-            <a:r>
-              <a:rPr lang="de-DE" altLang="de-DE" dirty="0" err="1"/>
-              <a:t>Git</a:t>
-            </a:r>
-            <a:r>
-              <a:rPr lang="de-DE" altLang="de-DE" dirty="0"/>
-              <a:t>-Workflow großen Schaden</a:t>
-            </a:r>
-          </a:p>
-          <a:p>
-            <a:pPr marL="0" indent="0">
-              <a:buNone/>
-            </a:pPr>
-            <a:endParaRPr lang="de-DE" altLang="de-DE" dirty="0"/>
+              <a:t>Schlechte Code-Qualität = großer Schaden</a:t>
+            </a:r>
           </a:p>
           <a:p>
             <a:pPr marL="0" indent="0">
@@ -37009,29 +36936,21 @@
           <a:p>
             <a:r>
               <a:rPr lang="de-DE" altLang="de-DE" dirty="0"/>
-              <a:t>Entwickler werden gezwungen, oft Änderungen von neuen </a:t>
-            </a:r>
-            <a:r>
-              <a:rPr lang="de-DE" altLang="de-DE" dirty="0" err="1"/>
-              <a:t>Commits</a:t>
-            </a:r>
+              <a:t>Erfordert regelmäßige Updates im lokalen Repository</a:t>
+            </a:r>
+          </a:p>
+          <a:p>
+            <a:pPr lvl="1"/>
             <a:r>
               <a:rPr lang="de-DE" altLang="de-DE" dirty="0"/>
-              <a:t> in ihr lokales Repository einzubauen</a:t>
+              <a:t>Erhöht Konfliktpotenzial, reduziert Integrationskomplexität</a:t>
             </a:r>
           </a:p>
           <a:p>
             <a:pPr lvl="1"/>
             <a:r>
               <a:rPr lang="de-DE" altLang="de-DE" dirty="0"/>
-              <a:t>Erhöht zwar direktes Konfliktpotenzial, reduziert aber Komplexität bei der Integration von Features</a:t>
-            </a:r>
-          </a:p>
-          <a:p>
-            <a:pPr lvl="1"/>
-            <a:r>
-              <a:rPr lang="de-DE" altLang="de-DE" dirty="0"/>
-              <a:t>Gegenbeispiel wäre ein Feature-Branch, der über Wochen nicht zwingend aktualisiert werden muss und nachher wieder in den main-Branch zurückgeführt wird</a:t>
+              <a:t>Gegenbeispiel: Feature-Branch</a:t>
             </a:r>
           </a:p>
           <a:p>

--- a/slides/Tag-1_6-Git-Workflow-im-Team_Light.pptx
+++ b/slides/Tag-1_6-Git-Workflow-im-Team_Light.pptx
@@ -7,37 +7,38 @@
     <p:sldMasterId id="2147483897" r:id="rId3"/>
   </p:sldMasterIdLst>
   <p:notesMasterIdLst>
-    <p:notesMasterId r:id="rId29"/>
+    <p:notesMasterId r:id="rId30"/>
   </p:notesMasterIdLst>
   <p:handoutMasterIdLst>
-    <p:handoutMasterId r:id="rId30"/>
+    <p:handoutMasterId r:id="rId31"/>
   </p:handoutMasterIdLst>
   <p:sldIdLst>
-    <p:sldId id="288" r:id="rId4"/>
-    <p:sldId id="387" r:id="rId5"/>
-    <p:sldId id="596" r:id="rId6"/>
-    <p:sldId id="287" r:id="rId7"/>
-    <p:sldId id="326" r:id="rId8"/>
-    <p:sldId id="420" r:id="rId9"/>
-    <p:sldId id="421" r:id="rId10"/>
-    <p:sldId id="422" r:id="rId11"/>
-    <p:sldId id="423" r:id="rId12"/>
-    <p:sldId id="424" r:id="rId13"/>
-    <p:sldId id="597" r:id="rId14"/>
-    <p:sldId id="426" r:id="rId15"/>
-    <p:sldId id="427" r:id="rId16"/>
-    <p:sldId id="428" r:id="rId17"/>
-    <p:sldId id="429" r:id="rId18"/>
-    <p:sldId id="431" r:id="rId19"/>
-    <p:sldId id="430" r:id="rId20"/>
-    <p:sldId id="432" r:id="rId21"/>
-    <p:sldId id="433" r:id="rId22"/>
-    <p:sldId id="434" r:id="rId23"/>
-    <p:sldId id="435" r:id="rId24"/>
-    <p:sldId id="436" r:id="rId25"/>
-    <p:sldId id="437" r:id="rId26"/>
-    <p:sldId id="598" r:id="rId27"/>
-    <p:sldId id="438" r:id="rId28"/>
+    <p:sldId id="604" r:id="rId4"/>
+    <p:sldId id="606" r:id="rId5"/>
+    <p:sldId id="607" r:id="rId6"/>
+    <p:sldId id="596" r:id="rId7"/>
+    <p:sldId id="287" r:id="rId8"/>
+    <p:sldId id="326" r:id="rId9"/>
+    <p:sldId id="420" r:id="rId10"/>
+    <p:sldId id="421" r:id="rId11"/>
+    <p:sldId id="422" r:id="rId12"/>
+    <p:sldId id="423" r:id="rId13"/>
+    <p:sldId id="424" r:id="rId14"/>
+    <p:sldId id="597" r:id="rId15"/>
+    <p:sldId id="426" r:id="rId16"/>
+    <p:sldId id="427" r:id="rId17"/>
+    <p:sldId id="428" r:id="rId18"/>
+    <p:sldId id="429" r:id="rId19"/>
+    <p:sldId id="431" r:id="rId20"/>
+    <p:sldId id="430" r:id="rId21"/>
+    <p:sldId id="432" r:id="rId22"/>
+    <p:sldId id="433" r:id="rId23"/>
+    <p:sldId id="434" r:id="rId24"/>
+    <p:sldId id="435" r:id="rId25"/>
+    <p:sldId id="436" r:id="rId26"/>
+    <p:sldId id="437" r:id="rId27"/>
+    <p:sldId id="598" r:id="rId28"/>
+    <p:sldId id="438" r:id="rId29"/>
   </p:sldIdLst>
   <p:sldSz cx="9144000" cy="6858000" type="screen4x3"/>
   <p:notesSz cx="6784975" cy="9921875"/>
@@ -1107,7 +1108,7 @@
                 <a:latin typeface="Arial" panose="020B0604020202020204" pitchFamily="34" charset="0"/>
               </a:rPr>
               <a:pPr/>
-              <a:t>4</a:t>
+              <a:t>5</a:t>
             </a:fld>
             <a:endParaRPr lang="de-DE" altLang="de-DE" sz="1000">
               <a:latin typeface="Arial" panose="020B0604020202020204" pitchFamily="34" charset="0"/>
@@ -1954,7 +1955,7 @@
               <a:pPr algn="ctr">
                 <a:defRPr/>
               </a:pPr>
-              <a:t>07.06.2024</a:t>
+              <a:t>10.06.2024</a:t>
             </a:fld>
             <a:endParaRPr lang="de-DE" sz="1000" dirty="0">
               <a:solidFill>
@@ -2317,7 +2318,7 @@
                 </a:solidFill>
                 <a:latin typeface="Arial" charset="0"/>
               </a:rPr>
-              <a:t>&lt;Autor&gt;</a:t>
+              <a:t>Daniel Krämer &amp; Malte Fischer</a:t>
             </a:r>
           </a:p>
         </p:txBody>
@@ -2339,7 +2340,7 @@
         <p:spPr bwMode="auto">
           <a:xfrm>
             <a:off x="4252913" y="6424613"/>
-            <a:ext cx="1163637" cy="246062"/>
+            <a:ext cx="2608406" cy="246221"/>
           </a:xfrm>
           <a:prstGeom prst="rect">
             <a:avLst/>
@@ -2369,16 +2370,7 @@
                 </a:solidFill>
                 <a:latin typeface="Arial" charset="0"/>
               </a:rPr>
-              <a:t>&lt;Dateiname&gt;.</a:t>
-            </a:r>
-            <a:r>
-              <a:rPr lang="de-DE" sz="1000" dirty="0" err="1">
-                <a:solidFill>
-                  <a:schemeClr val="bg1"/>
-                </a:solidFill>
-                <a:latin typeface="Arial" charset="0"/>
-              </a:rPr>
-              <a:t>ppt</a:t>
+              <a:t>Tag-1_6-Git-Workflow-im-Team_Light.pptx</a:t>
             </a:r>
             <a:endParaRPr lang="de-DE" dirty="0">
               <a:solidFill>
@@ -4061,7 +4053,7 @@
               <a:pPr algn="ctr">
                 <a:defRPr/>
               </a:pPr>
-              <a:t>07.06.2024</a:t>
+              <a:t>10.06.2024</a:t>
             </a:fld>
             <a:endParaRPr lang="de-DE" sz="1000">
               <a:solidFill>
@@ -4424,7 +4416,7 @@
                 </a:solidFill>
                 <a:latin typeface="Arial" charset="0"/>
               </a:rPr>
-              <a:t>&lt;Autor&gt;</a:t>
+              <a:t>Daniel Krämer &amp; Malte Fischer</a:t>
             </a:r>
           </a:p>
         </p:txBody>
@@ -4446,7 +4438,7 @@
         <p:spPr bwMode="auto">
           <a:xfrm>
             <a:off x="4252913" y="6424613"/>
-            <a:ext cx="1891865" cy="246221"/>
+            <a:ext cx="2608406" cy="246221"/>
           </a:xfrm>
           <a:prstGeom prst="rect">
             <a:avLst/>
@@ -4476,7 +4468,7 @@
                 </a:solidFill>
                 <a:latin typeface="Arial" charset="0"/>
               </a:rPr>
-              <a:t>Tag-3_2_1-GitLab-Runner.ppt</a:t>
+              <a:t>Tag-1_6-Git-Workflow-im-Team_Light.pptx</a:t>
             </a:r>
             <a:endParaRPr lang="de-DE" dirty="0">
               <a:solidFill>
@@ -5410,11 +5402,31 @@
           <a:p>
             <a:pPr algn="l" eaLnBrk="1" hangingPunct="1"/>
             <a:r>
-              <a:rPr lang="de-DE" altLang="de-DE" dirty="0" err="1"/>
+              <a:rPr lang="de-DE" altLang="de-DE" sz="3200" dirty="0"/>
+              <a:t>Tag 1: Einführung in </a:t>
+            </a:r>
+            <a:r>
+              <a:rPr lang="de-DE" altLang="de-DE" sz="3200" dirty="0" err="1"/>
               <a:t>Git</a:t>
             </a:r>
             <a:r>
-              <a:rPr lang="de-DE" altLang="de-DE" dirty="0"/>
+              <a:rPr lang="de-DE" altLang="de-DE" sz="3200" dirty="0"/>
+              <a:t> und </a:t>
+            </a:r>
+            <a:r>
+              <a:rPr lang="de-DE" altLang="de-DE" sz="3200" dirty="0" err="1"/>
+              <a:t>GitLab</a:t>
+            </a:r>
+            <a:r>
+              <a:rPr lang="de-DE" altLang="de-DE" sz="3200" dirty="0"/>
+              <a:t>, </a:t>
+            </a:r>
+            <a:r>
+              <a:rPr lang="de-DE" altLang="de-DE" sz="3200" dirty="0" err="1"/>
+              <a:t>Git</a:t>
+            </a:r>
+            <a:r>
+              <a:rPr lang="de-DE" altLang="de-DE" sz="3200" dirty="0"/>
               <a:t>-Workflow im Team</a:t>
             </a:r>
           </a:p>
@@ -5438,8 +5450,8 @@
         </p:nvSpPr>
         <p:spPr bwMode="auto">
           <a:xfrm>
-            <a:off x="468313" y="4462463"/>
-            <a:ext cx="2159000" cy="622300"/>
+            <a:off x="468312" y="4462463"/>
+            <a:ext cx="4190603" cy="622300"/>
           </a:xfrm>
           <a:prstGeom prst="rect">
             <a:avLst/>
@@ -5474,8 +5486,8 @@
               <a:buNone/>
             </a:pPr>
             <a:r>
-              <a:rPr lang="de-DE" altLang="de-DE" sz="1600"/>
-              <a:t>&lt;Datum, Autor&gt;</a:t>
+              <a:rPr lang="de-DE" altLang="de-DE" sz="1600" dirty="0"/>
+              <a:t>17.06.2024, Daniel Krämer &amp; Malte Fischer</a:t>
             </a:r>
           </a:p>
         </p:txBody>
@@ -5628,18 +5640,54 @@
           </a:lstStyle>
           <a:p>
             <a:pPr eaLnBrk="1" hangingPunct="1"/>
-            <a:r>
-              <a:rPr lang="de-DE" altLang="de-DE" sz="4400">
-                <a:solidFill>
-                  <a:schemeClr val="tx2"/>
-                </a:solidFill>
-                <a:latin typeface="Arial" panose="020B0604020202020204" pitchFamily="34" charset="0"/>
-              </a:rPr>
-              <a:t>&lt;Kundenlogo&gt;</a:t>
-            </a:r>
+            <a:endParaRPr lang="de-DE" altLang="de-DE" sz="4400" dirty="0">
+              <a:solidFill>
+                <a:schemeClr val="tx2"/>
+              </a:solidFill>
+              <a:latin typeface="Arial" panose="020B0604020202020204" pitchFamily="34" charset="0"/>
+            </a:endParaRPr>
           </a:p>
         </p:txBody>
       </p:sp>
+      <p:pic>
+        <p:nvPicPr>
+          <p:cNvPr id="3" name="Grafik 2">
+            <a:extLst>
+              <a:ext uri="{FF2B5EF4-FFF2-40B4-BE49-F238E27FC236}">
+                <a16:creationId xmlns:a16="http://schemas.microsoft.com/office/drawing/2014/main" id="{F795EC6A-86ED-78D6-3916-EC81E8315965}"/>
+              </a:ext>
+            </a:extLst>
+          </p:cNvPr>
+          <p:cNvPicPr>
+            <a:picLocks noChangeAspect="1"/>
+          </p:cNvPicPr>
+          <p:nvPr/>
+        </p:nvPicPr>
+        <p:blipFill>
+          <a:blip r:embed="rId2">
+            <a:extLst>
+              <a:ext uri="{28A0092B-C50C-407E-A947-70E740481C1C}">
+                <a14:useLocalDpi xmlns:a14="http://schemas.microsoft.com/office/drawing/2010/main" val="0"/>
+              </a:ext>
+              <a:ext uri="{96DAC541-7B7A-43D3-8B79-37D633B846F1}">
+                <asvg:svgBlip xmlns:asvg="http://schemas.microsoft.com/office/drawing/2016/SVG/main" r:embed="rId3"/>
+              </a:ext>
+            </a:extLst>
+          </a:blip>
+          <a:stretch>
+            <a:fillRect/>
+          </a:stretch>
+        </p:blipFill>
+        <p:spPr>
+          <a:xfrm>
+            <a:off x="309959" y="263970"/>
+            <a:ext cx="4348957" cy="1508822"/>
+          </a:xfrm>
+          <a:prstGeom prst="rect">
+            <a:avLst/>
+          </a:prstGeom>
+        </p:spPr>
+      </p:pic>
     </p:spTree>
   </p:cSld>
   <p:clrMapOvr>
@@ -5710,49 +5758,38 @@
           <a:p>
             <a:r>
               <a:rPr lang="de-DE" altLang="de-DE" dirty="0"/>
-              <a:t>Gemeinsame Arbeit (auf einem Branch) erhöht Konfliktpotenzial</a:t>
+              <a:t>Erfordert regelmäßige Updates im lokalen Repository</a:t>
             </a:r>
           </a:p>
           <a:p>
             <a:pPr lvl="1"/>
             <a:r>
               <a:rPr lang="de-DE" altLang="de-DE" dirty="0"/>
-              <a:t>Häufige Kommunikation nötig</a:t>
+              <a:t>Erhöht Konfliktpotenzial, reduziert Integrationskomplexität</a:t>
             </a:r>
           </a:p>
           <a:p>
             <a:pPr lvl="1"/>
             <a:r>
               <a:rPr lang="de-DE" altLang="de-DE" dirty="0"/>
-              <a:t>(</a:t>
-            </a:r>
-            <a:r>
-              <a:rPr lang="de-DE" altLang="de-DE" dirty="0" err="1"/>
-              <a:t>Merge</a:t>
-            </a:r>
+              <a:t>Gegenbeispiel: Feature-Branch</a:t>
+            </a:r>
+          </a:p>
+          <a:p>
+            <a:pPr marL="358775" indent="-176213">
+              <a:buNone/>
+            </a:pPr>
             <a:r>
               <a:rPr lang="de-DE" altLang="de-DE" dirty="0"/>
-              <a:t>-)Konflikte sauber auflösen!</a:t>
-            </a:r>
-          </a:p>
-          <a:p>
-            <a:r>
-              <a:rPr lang="de-DE" altLang="de-DE" dirty="0"/>
-              <a:t>Weniger Flexibilität (als andere Workflows)</a:t>
-            </a:r>
-          </a:p>
-          <a:p>
-            <a:pPr lvl="1"/>
-            <a:r>
-              <a:rPr lang="de-DE" altLang="de-DE" dirty="0"/>
-              <a:t>Komplexere Projekte, andere Workflows?</a:t>
-            </a:r>
-          </a:p>
-          <a:p>
-            <a:r>
-              <a:rPr lang="de-DE" altLang="de-DE" dirty="0"/>
-              <a:t>Vorteilhaft in kleineren Teams</a:t>
-            </a:r>
+              <a:t>	</a:t>
+            </a:r>
+            <a:r>
+              <a:rPr lang="de-DE" altLang="de-DE" dirty="0">
+                <a:sym typeface="Wingdings" panose="05000000000000000000" pitchFamily="2" charset="2"/>
+              </a:rPr>
+              <a:t> Verhindert Divergenz</a:t>
+            </a:r>
+            <a:endParaRPr lang="de-DE" altLang="de-DE" dirty="0"/>
           </a:p>
           <a:p>
             <a:pPr marL="0" indent="0">
@@ -5799,10 +5836,1337 @@
           </a:p>
         </p:txBody>
       </p:sp>
+      <p:sp>
+        <p:nvSpPr>
+          <p:cNvPr id="2" name="Ellipse 1">
+            <a:extLst>
+              <a:ext uri="{FF2B5EF4-FFF2-40B4-BE49-F238E27FC236}">
+                <a16:creationId xmlns:a16="http://schemas.microsoft.com/office/drawing/2014/main" id="{76058A08-9E10-43D2-3E59-C7816D7E71EB}"/>
+              </a:ext>
+            </a:extLst>
+          </p:cNvPr>
+          <p:cNvSpPr/>
+          <p:nvPr/>
+        </p:nvSpPr>
+        <p:spPr bwMode="auto">
+          <a:xfrm>
+            <a:off x="4355976" y="4493954"/>
+            <a:ext cx="288032" cy="288032"/>
+          </a:xfrm>
+          <a:prstGeom prst="ellipse">
+            <a:avLst/>
+          </a:prstGeom>
+          <a:solidFill>
+            <a:schemeClr val="accent5">
+              <a:lumMod val="75000"/>
+            </a:schemeClr>
+          </a:solidFill>
+          <a:ln w="19050" cap="flat" cmpd="sng" algn="ctr">
+            <a:solidFill>
+              <a:schemeClr val="tx1"/>
+            </a:solidFill>
+            <a:prstDash val="solid"/>
+            <a:round/>
+            <a:headEnd type="none" w="sm" len="sm"/>
+            <a:tailEnd type="none" w="sm" len="sm"/>
+          </a:ln>
+          <a:effectLst/>
+        </p:spPr>
+        <p:txBody>
+          <a:bodyPr vert="horz" wrap="square" lIns="91440" tIns="45720" rIns="91440" bIns="45720" numCol="1" rtlCol="0" anchor="t" anchorCtr="0" compatLnSpc="1">
+            <a:prstTxWarp prst="textNoShape">
+              <a:avLst/>
+            </a:prstTxWarp>
+          </a:bodyPr>
+          <a:lstStyle/>
+          <a:p>
+            <a:pPr marL="0" marR="0" indent="0" algn="l" defTabSz="914400" rtl="0" eaLnBrk="0" fontAlgn="base" latinLnBrk="0" hangingPunct="0">
+              <a:lnSpc>
+                <a:spcPct val="100000"/>
+              </a:lnSpc>
+              <a:spcBef>
+                <a:spcPct val="0"/>
+              </a:spcBef>
+              <a:spcAft>
+                <a:spcPct val="0"/>
+              </a:spcAft>
+              <a:buClrTx/>
+              <a:buSzTx/>
+              <a:buFontTx/>
+              <a:buNone/>
+              <a:tabLst/>
+            </a:pPr>
+            <a:endParaRPr kumimoji="0" lang="de-DE" sz="2400" b="0" i="0" u="none" strike="noStrike" cap="none" normalizeH="0" baseline="0">
+              <a:ln>
+                <a:noFill/>
+              </a:ln>
+              <a:solidFill>
+                <a:schemeClr val="tx1"/>
+              </a:solidFill>
+              <a:effectLst/>
+              <a:latin typeface="Times New Roman" pitchFamily="18" charset="0"/>
+            </a:endParaRPr>
+          </a:p>
+        </p:txBody>
+      </p:sp>
+      <p:sp>
+        <p:nvSpPr>
+          <p:cNvPr id="3" name="Ellipse 2">
+            <a:extLst>
+              <a:ext uri="{FF2B5EF4-FFF2-40B4-BE49-F238E27FC236}">
+                <a16:creationId xmlns:a16="http://schemas.microsoft.com/office/drawing/2014/main" id="{E37D6EA4-6BDA-851B-1514-CB8F375614CE}"/>
+              </a:ext>
+            </a:extLst>
+          </p:cNvPr>
+          <p:cNvSpPr/>
+          <p:nvPr/>
+        </p:nvSpPr>
+        <p:spPr bwMode="auto">
+          <a:xfrm>
+            <a:off x="4860032" y="4493954"/>
+            <a:ext cx="288032" cy="288032"/>
+          </a:xfrm>
+          <a:prstGeom prst="ellipse">
+            <a:avLst/>
+          </a:prstGeom>
+          <a:solidFill>
+            <a:schemeClr val="accent5">
+              <a:lumMod val="75000"/>
+            </a:schemeClr>
+          </a:solidFill>
+          <a:ln w="19050" cap="flat" cmpd="sng" algn="ctr">
+            <a:solidFill>
+              <a:schemeClr val="tx1"/>
+            </a:solidFill>
+            <a:prstDash val="solid"/>
+            <a:round/>
+            <a:headEnd type="none" w="sm" len="sm"/>
+            <a:tailEnd type="none" w="sm" len="sm"/>
+          </a:ln>
+          <a:effectLst/>
+        </p:spPr>
+        <p:txBody>
+          <a:bodyPr vert="horz" wrap="square" lIns="91440" tIns="45720" rIns="91440" bIns="45720" numCol="1" rtlCol="0" anchor="t" anchorCtr="0" compatLnSpc="1">
+            <a:prstTxWarp prst="textNoShape">
+              <a:avLst/>
+            </a:prstTxWarp>
+          </a:bodyPr>
+          <a:lstStyle/>
+          <a:p>
+            <a:pPr marL="0" marR="0" indent="0" algn="l" defTabSz="914400" rtl="0" eaLnBrk="0" fontAlgn="base" latinLnBrk="0" hangingPunct="0">
+              <a:lnSpc>
+                <a:spcPct val="100000"/>
+              </a:lnSpc>
+              <a:spcBef>
+                <a:spcPct val="0"/>
+              </a:spcBef>
+              <a:spcAft>
+                <a:spcPct val="0"/>
+              </a:spcAft>
+              <a:buClrTx/>
+              <a:buSzTx/>
+              <a:buFontTx/>
+              <a:buNone/>
+              <a:tabLst/>
+            </a:pPr>
+            <a:endParaRPr kumimoji="0" lang="de-DE" sz="2400" b="0" i="0" u="none" strike="noStrike" cap="none" normalizeH="0" baseline="0">
+              <a:ln>
+                <a:noFill/>
+              </a:ln>
+              <a:solidFill>
+                <a:schemeClr val="tx1"/>
+              </a:solidFill>
+              <a:effectLst/>
+              <a:latin typeface="Times New Roman" pitchFamily="18" charset="0"/>
+            </a:endParaRPr>
+          </a:p>
+        </p:txBody>
+      </p:sp>
+      <p:cxnSp>
+        <p:nvCxnSpPr>
+          <p:cNvPr id="5" name="Gerader Verbinder 4">
+            <a:extLst>
+              <a:ext uri="{FF2B5EF4-FFF2-40B4-BE49-F238E27FC236}">
+                <a16:creationId xmlns:a16="http://schemas.microsoft.com/office/drawing/2014/main" id="{7DF7BF90-34CF-2A8A-BF0A-DA7332C8F32C}"/>
+              </a:ext>
+            </a:extLst>
+          </p:cNvPr>
+          <p:cNvCxnSpPr>
+            <a:stCxn id="2" idx="6"/>
+            <a:endCxn id="3" idx="2"/>
+          </p:cNvCxnSpPr>
+          <p:nvPr/>
+        </p:nvCxnSpPr>
+        <p:spPr bwMode="auto">
+          <a:xfrm>
+            <a:off x="4644008" y="4637970"/>
+            <a:ext cx="216024" cy="0"/>
+          </a:xfrm>
+          <a:prstGeom prst="line">
+            <a:avLst/>
+          </a:prstGeom>
+          <a:solidFill>
+            <a:schemeClr val="accent1"/>
+          </a:solidFill>
+          <a:ln w="19050" cap="flat" cmpd="sng" algn="ctr">
+            <a:solidFill>
+              <a:schemeClr val="tx1"/>
+            </a:solidFill>
+            <a:prstDash val="solid"/>
+            <a:round/>
+            <a:headEnd type="none" w="sm" len="sm"/>
+            <a:tailEnd type="none" w="sm" len="sm"/>
+          </a:ln>
+          <a:effectLst/>
+        </p:spPr>
+      </p:cxnSp>
+      <p:sp>
+        <p:nvSpPr>
+          <p:cNvPr id="6" name="Ellipse 5">
+            <a:extLst>
+              <a:ext uri="{FF2B5EF4-FFF2-40B4-BE49-F238E27FC236}">
+                <a16:creationId xmlns:a16="http://schemas.microsoft.com/office/drawing/2014/main" id="{7CC7556A-24FC-B989-D16D-06F56F69F690}"/>
+              </a:ext>
+            </a:extLst>
+          </p:cNvPr>
+          <p:cNvSpPr/>
+          <p:nvPr/>
+        </p:nvSpPr>
+        <p:spPr bwMode="auto">
+          <a:xfrm>
+            <a:off x="5364088" y="4493954"/>
+            <a:ext cx="288032" cy="288032"/>
+          </a:xfrm>
+          <a:prstGeom prst="ellipse">
+            <a:avLst/>
+          </a:prstGeom>
+          <a:solidFill>
+            <a:schemeClr val="accent5">
+              <a:lumMod val="75000"/>
+            </a:schemeClr>
+          </a:solidFill>
+          <a:ln w="19050" cap="flat" cmpd="sng" algn="ctr">
+            <a:solidFill>
+              <a:schemeClr val="tx1"/>
+            </a:solidFill>
+            <a:prstDash val="solid"/>
+            <a:round/>
+            <a:headEnd type="none" w="sm" len="sm"/>
+            <a:tailEnd type="none" w="sm" len="sm"/>
+          </a:ln>
+          <a:effectLst/>
+        </p:spPr>
+        <p:txBody>
+          <a:bodyPr vert="horz" wrap="square" lIns="91440" tIns="45720" rIns="91440" bIns="45720" numCol="1" rtlCol="0" anchor="t" anchorCtr="0" compatLnSpc="1">
+            <a:prstTxWarp prst="textNoShape">
+              <a:avLst/>
+            </a:prstTxWarp>
+          </a:bodyPr>
+          <a:lstStyle/>
+          <a:p>
+            <a:pPr marL="0" marR="0" indent="0" algn="l" defTabSz="914400" rtl="0" eaLnBrk="0" fontAlgn="base" latinLnBrk="0" hangingPunct="0">
+              <a:lnSpc>
+                <a:spcPct val="100000"/>
+              </a:lnSpc>
+              <a:spcBef>
+                <a:spcPct val="0"/>
+              </a:spcBef>
+              <a:spcAft>
+                <a:spcPct val="0"/>
+              </a:spcAft>
+              <a:buClrTx/>
+              <a:buSzTx/>
+              <a:buFontTx/>
+              <a:buNone/>
+              <a:tabLst/>
+            </a:pPr>
+            <a:endParaRPr kumimoji="0" lang="de-DE" sz="2400" b="0" i="0" u="none" strike="noStrike" cap="none" normalizeH="0" baseline="0">
+              <a:ln>
+                <a:noFill/>
+              </a:ln>
+              <a:solidFill>
+                <a:schemeClr val="tx1"/>
+              </a:solidFill>
+              <a:effectLst/>
+              <a:latin typeface="Times New Roman" pitchFamily="18" charset="0"/>
+            </a:endParaRPr>
+          </a:p>
+        </p:txBody>
+      </p:sp>
+      <p:cxnSp>
+        <p:nvCxnSpPr>
+          <p:cNvPr id="7" name="Gerader Verbinder 6">
+            <a:extLst>
+              <a:ext uri="{FF2B5EF4-FFF2-40B4-BE49-F238E27FC236}">
+                <a16:creationId xmlns:a16="http://schemas.microsoft.com/office/drawing/2014/main" id="{F1368B5E-699F-B893-DF00-04155B3397F5}"/>
+              </a:ext>
+            </a:extLst>
+          </p:cNvPr>
+          <p:cNvCxnSpPr>
+            <a:endCxn id="6" idx="2"/>
+          </p:cNvCxnSpPr>
+          <p:nvPr/>
+        </p:nvCxnSpPr>
+        <p:spPr bwMode="auto">
+          <a:xfrm>
+            <a:off x="5148064" y="4637970"/>
+            <a:ext cx="216024" cy="0"/>
+          </a:xfrm>
+          <a:prstGeom prst="line">
+            <a:avLst/>
+          </a:prstGeom>
+          <a:solidFill>
+            <a:schemeClr val="accent1"/>
+          </a:solidFill>
+          <a:ln w="19050" cap="flat" cmpd="sng" algn="ctr">
+            <a:solidFill>
+              <a:schemeClr val="tx1"/>
+            </a:solidFill>
+            <a:prstDash val="solid"/>
+            <a:round/>
+            <a:headEnd type="none" w="sm" len="sm"/>
+            <a:tailEnd type="none" w="sm" len="sm"/>
+          </a:ln>
+          <a:effectLst/>
+        </p:spPr>
+      </p:cxnSp>
+      <p:sp>
+        <p:nvSpPr>
+          <p:cNvPr id="8" name="Ellipse 7">
+            <a:extLst>
+              <a:ext uri="{FF2B5EF4-FFF2-40B4-BE49-F238E27FC236}">
+                <a16:creationId xmlns:a16="http://schemas.microsoft.com/office/drawing/2014/main" id="{42774172-05BE-833F-9B7B-72CFA740189B}"/>
+              </a:ext>
+            </a:extLst>
+          </p:cNvPr>
+          <p:cNvSpPr/>
+          <p:nvPr/>
+        </p:nvSpPr>
+        <p:spPr bwMode="auto">
+          <a:xfrm>
+            <a:off x="5868144" y="4493954"/>
+            <a:ext cx="288032" cy="288032"/>
+          </a:xfrm>
+          <a:prstGeom prst="ellipse">
+            <a:avLst/>
+          </a:prstGeom>
+          <a:solidFill>
+            <a:schemeClr val="accent5">
+              <a:lumMod val="75000"/>
+            </a:schemeClr>
+          </a:solidFill>
+          <a:ln w="19050" cap="flat" cmpd="sng" algn="ctr">
+            <a:solidFill>
+              <a:schemeClr val="tx1"/>
+            </a:solidFill>
+            <a:prstDash val="solid"/>
+            <a:round/>
+            <a:headEnd type="none" w="sm" len="sm"/>
+            <a:tailEnd type="none" w="sm" len="sm"/>
+          </a:ln>
+          <a:effectLst/>
+        </p:spPr>
+        <p:txBody>
+          <a:bodyPr vert="horz" wrap="square" lIns="91440" tIns="45720" rIns="91440" bIns="45720" numCol="1" rtlCol="0" anchor="t" anchorCtr="0" compatLnSpc="1">
+            <a:prstTxWarp prst="textNoShape">
+              <a:avLst/>
+            </a:prstTxWarp>
+          </a:bodyPr>
+          <a:lstStyle/>
+          <a:p>
+            <a:pPr marL="0" marR="0" indent="0" algn="l" defTabSz="914400" rtl="0" eaLnBrk="0" fontAlgn="base" latinLnBrk="0" hangingPunct="0">
+              <a:lnSpc>
+                <a:spcPct val="100000"/>
+              </a:lnSpc>
+              <a:spcBef>
+                <a:spcPct val="0"/>
+              </a:spcBef>
+              <a:spcAft>
+                <a:spcPct val="0"/>
+              </a:spcAft>
+              <a:buClrTx/>
+              <a:buSzTx/>
+              <a:buFontTx/>
+              <a:buNone/>
+              <a:tabLst/>
+            </a:pPr>
+            <a:endParaRPr kumimoji="0" lang="de-DE" sz="2400" b="0" i="0" u="none" strike="noStrike" cap="none" normalizeH="0" baseline="0">
+              <a:ln>
+                <a:noFill/>
+              </a:ln>
+              <a:solidFill>
+                <a:schemeClr val="tx1"/>
+              </a:solidFill>
+              <a:effectLst/>
+              <a:latin typeface="Times New Roman" pitchFamily="18" charset="0"/>
+            </a:endParaRPr>
+          </a:p>
+        </p:txBody>
+      </p:sp>
+      <p:cxnSp>
+        <p:nvCxnSpPr>
+          <p:cNvPr id="9" name="Gerader Verbinder 8">
+            <a:extLst>
+              <a:ext uri="{FF2B5EF4-FFF2-40B4-BE49-F238E27FC236}">
+                <a16:creationId xmlns:a16="http://schemas.microsoft.com/office/drawing/2014/main" id="{6D7A49AF-D5F1-FC31-E750-C02CCFE81D1F}"/>
+              </a:ext>
+            </a:extLst>
+          </p:cNvPr>
+          <p:cNvCxnSpPr>
+            <a:endCxn id="8" idx="2"/>
+          </p:cNvCxnSpPr>
+          <p:nvPr/>
+        </p:nvCxnSpPr>
+        <p:spPr bwMode="auto">
+          <a:xfrm>
+            <a:off x="5652120" y="4637970"/>
+            <a:ext cx="216024" cy="0"/>
+          </a:xfrm>
+          <a:prstGeom prst="line">
+            <a:avLst/>
+          </a:prstGeom>
+          <a:solidFill>
+            <a:schemeClr val="accent1"/>
+          </a:solidFill>
+          <a:ln w="19050" cap="flat" cmpd="sng" algn="ctr">
+            <a:solidFill>
+              <a:schemeClr val="tx1"/>
+            </a:solidFill>
+            <a:prstDash val="solid"/>
+            <a:round/>
+            <a:headEnd type="none" w="sm" len="sm"/>
+            <a:tailEnd type="none" w="sm" len="sm"/>
+          </a:ln>
+          <a:effectLst/>
+        </p:spPr>
+      </p:cxnSp>
+      <p:sp>
+        <p:nvSpPr>
+          <p:cNvPr id="12" name="Ellipse 11">
+            <a:extLst>
+              <a:ext uri="{FF2B5EF4-FFF2-40B4-BE49-F238E27FC236}">
+                <a16:creationId xmlns:a16="http://schemas.microsoft.com/office/drawing/2014/main" id="{F5298BD6-540F-23E3-0013-2118BE335BC8}"/>
+              </a:ext>
+            </a:extLst>
+          </p:cNvPr>
+          <p:cNvSpPr/>
+          <p:nvPr/>
+        </p:nvSpPr>
+        <p:spPr bwMode="auto">
+          <a:xfrm rot="18900000">
+            <a:off x="4720612" y="4137533"/>
+            <a:ext cx="288032" cy="288032"/>
+          </a:xfrm>
+          <a:prstGeom prst="ellipse">
+            <a:avLst/>
+          </a:prstGeom>
+          <a:solidFill>
+            <a:srgbClr val="008C5A"/>
+          </a:solidFill>
+          <a:ln w="19050" cap="flat" cmpd="sng" algn="ctr">
+            <a:solidFill>
+              <a:schemeClr val="tx1"/>
+            </a:solidFill>
+            <a:prstDash val="solid"/>
+            <a:round/>
+            <a:headEnd type="none" w="sm" len="sm"/>
+            <a:tailEnd type="none" w="sm" len="sm"/>
+          </a:ln>
+          <a:effectLst/>
+        </p:spPr>
+        <p:txBody>
+          <a:bodyPr vert="horz" wrap="square" lIns="91440" tIns="45720" rIns="91440" bIns="45720" numCol="1" rtlCol="0" anchor="t" anchorCtr="0" compatLnSpc="1">
+            <a:prstTxWarp prst="textNoShape">
+              <a:avLst/>
+            </a:prstTxWarp>
+          </a:bodyPr>
+          <a:lstStyle/>
+          <a:p>
+            <a:pPr marL="0" marR="0" indent="0" algn="l" defTabSz="914400" rtl="0" eaLnBrk="0" fontAlgn="base" latinLnBrk="0" hangingPunct="0">
+              <a:lnSpc>
+                <a:spcPct val="100000"/>
+              </a:lnSpc>
+              <a:spcBef>
+                <a:spcPct val="0"/>
+              </a:spcBef>
+              <a:spcAft>
+                <a:spcPct val="0"/>
+              </a:spcAft>
+              <a:buClrTx/>
+              <a:buSzTx/>
+              <a:buFontTx/>
+              <a:buNone/>
+              <a:tabLst/>
+            </a:pPr>
+            <a:endParaRPr kumimoji="0" lang="de-DE" sz="2400" b="0" i="0" u="none" strike="noStrike" cap="none" normalizeH="0" baseline="0" dirty="0">
+              <a:ln>
+                <a:noFill/>
+              </a:ln>
+              <a:solidFill>
+                <a:schemeClr val="tx1"/>
+              </a:solidFill>
+              <a:effectLst/>
+              <a:latin typeface="Times New Roman" pitchFamily="18" charset="0"/>
+            </a:endParaRPr>
+          </a:p>
+        </p:txBody>
+      </p:sp>
+      <p:cxnSp>
+        <p:nvCxnSpPr>
+          <p:cNvPr id="13" name="Gerader Verbinder 12">
+            <a:extLst>
+              <a:ext uri="{FF2B5EF4-FFF2-40B4-BE49-F238E27FC236}">
+                <a16:creationId xmlns:a16="http://schemas.microsoft.com/office/drawing/2014/main" id="{5B3D8803-F685-3CC3-C206-3E87CAB24B24}"/>
+              </a:ext>
+            </a:extLst>
+          </p:cNvPr>
+          <p:cNvCxnSpPr>
+            <a:cxnSpLocks/>
+            <a:endCxn id="12" idx="2"/>
+          </p:cNvCxnSpPr>
+          <p:nvPr/>
+        </p:nvCxnSpPr>
+        <p:spPr bwMode="auto">
+          <a:xfrm rot="18900000">
+            <a:off x="4578405" y="4459760"/>
+            <a:ext cx="216024" cy="0"/>
+          </a:xfrm>
+          <a:prstGeom prst="line">
+            <a:avLst/>
+          </a:prstGeom>
+          <a:solidFill>
+            <a:schemeClr val="accent1"/>
+          </a:solidFill>
+          <a:ln w="19050" cap="flat" cmpd="sng" algn="ctr">
+            <a:solidFill>
+              <a:schemeClr val="tx1"/>
+            </a:solidFill>
+            <a:prstDash val="solid"/>
+            <a:round/>
+            <a:headEnd type="none" w="sm" len="sm"/>
+            <a:tailEnd type="none" w="sm" len="sm"/>
+          </a:ln>
+          <a:effectLst/>
+        </p:spPr>
+      </p:cxnSp>
+      <p:sp>
+        <p:nvSpPr>
+          <p:cNvPr id="21" name="Ellipse 20">
+            <a:extLst>
+              <a:ext uri="{FF2B5EF4-FFF2-40B4-BE49-F238E27FC236}">
+                <a16:creationId xmlns:a16="http://schemas.microsoft.com/office/drawing/2014/main" id="{24B9CDB4-9181-958F-24AD-C1A9D4725175}"/>
+              </a:ext>
+            </a:extLst>
+          </p:cNvPr>
+          <p:cNvSpPr/>
+          <p:nvPr/>
+        </p:nvSpPr>
+        <p:spPr bwMode="auto">
+          <a:xfrm rot="18900000">
+            <a:off x="5072582" y="3776743"/>
+            <a:ext cx="288032" cy="288032"/>
+          </a:xfrm>
+          <a:prstGeom prst="ellipse">
+            <a:avLst/>
+          </a:prstGeom>
+          <a:solidFill>
+            <a:srgbClr val="008C5A"/>
+          </a:solidFill>
+          <a:ln w="19050" cap="flat" cmpd="sng" algn="ctr">
+            <a:solidFill>
+              <a:schemeClr val="tx1"/>
+            </a:solidFill>
+            <a:prstDash val="solid"/>
+            <a:round/>
+            <a:headEnd type="none" w="sm" len="sm"/>
+            <a:tailEnd type="none" w="sm" len="sm"/>
+          </a:ln>
+          <a:effectLst/>
+        </p:spPr>
+        <p:txBody>
+          <a:bodyPr vert="horz" wrap="square" lIns="91440" tIns="45720" rIns="91440" bIns="45720" numCol="1" rtlCol="0" anchor="t" anchorCtr="0" compatLnSpc="1">
+            <a:prstTxWarp prst="textNoShape">
+              <a:avLst/>
+            </a:prstTxWarp>
+          </a:bodyPr>
+          <a:lstStyle/>
+          <a:p>
+            <a:pPr marL="0" marR="0" indent="0" algn="l" defTabSz="914400" rtl="0" eaLnBrk="0" fontAlgn="base" latinLnBrk="0" hangingPunct="0">
+              <a:lnSpc>
+                <a:spcPct val="100000"/>
+              </a:lnSpc>
+              <a:spcBef>
+                <a:spcPct val="0"/>
+              </a:spcBef>
+              <a:spcAft>
+                <a:spcPct val="0"/>
+              </a:spcAft>
+              <a:buClrTx/>
+              <a:buSzTx/>
+              <a:buFontTx/>
+              <a:buNone/>
+              <a:tabLst/>
+            </a:pPr>
+            <a:endParaRPr kumimoji="0" lang="de-DE" sz="2400" b="0" i="0" u="none" strike="noStrike" cap="none" normalizeH="0" baseline="0">
+              <a:ln>
+                <a:noFill/>
+              </a:ln>
+              <a:solidFill>
+                <a:schemeClr val="tx1"/>
+              </a:solidFill>
+              <a:effectLst/>
+              <a:latin typeface="Times New Roman" pitchFamily="18" charset="0"/>
+            </a:endParaRPr>
+          </a:p>
+        </p:txBody>
+      </p:sp>
+      <p:cxnSp>
+        <p:nvCxnSpPr>
+          <p:cNvPr id="22" name="Gerader Verbinder 21">
+            <a:extLst>
+              <a:ext uri="{FF2B5EF4-FFF2-40B4-BE49-F238E27FC236}">
+                <a16:creationId xmlns:a16="http://schemas.microsoft.com/office/drawing/2014/main" id="{AC6C0621-C790-AE19-DBA4-68AD8760B6B8}"/>
+              </a:ext>
+            </a:extLst>
+          </p:cNvPr>
+          <p:cNvCxnSpPr>
+            <a:cxnSpLocks/>
+            <a:endCxn id="21" idx="2"/>
+          </p:cNvCxnSpPr>
+          <p:nvPr/>
+        </p:nvCxnSpPr>
+        <p:spPr bwMode="auto">
+          <a:xfrm rot="18900000">
+            <a:off x="4930375" y="4098970"/>
+            <a:ext cx="216024" cy="0"/>
+          </a:xfrm>
+          <a:prstGeom prst="line">
+            <a:avLst/>
+          </a:prstGeom>
+          <a:solidFill>
+            <a:schemeClr val="accent1"/>
+          </a:solidFill>
+          <a:ln w="19050" cap="flat" cmpd="sng" algn="ctr">
+            <a:solidFill>
+              <a:schemeClr val="tx1"/>
+            </a:solidFill>
+            <a:prstDash val="solid"/>
+            <a:round/>
+            <a:headEnd type="none" w="sm" len="sm"/>
+            <a:tailEnd type="none" w="sm" len="sm"/>
+          </a:ln>
+          <a:effectLst/>
+        </p:spPr>
+      </p:cxnSp>
+      <p:sp>
+        <p:nvSpPr>
+          <p:cNvPr id="24" name="Ellipse 23">
+            <a:extLst>
+              <a:ext uri="{FF2B5EF4-FFF2-40B4-BE49-F238E27FC236}">
+                <a16:creationId xmlns:a16="http://schemas.microsoft.com/office/drawing/2014/main" id="{C1CB366A-80E2-B34A-8CAA-01D231680BB3}"/>
+              </a:ext>
+            </a:extLst>
+          </p:cNvPr>
+          <p:cNvSpPr/>
+          <p:nvPr/>
+        </p:nvSpPr>
+        <p:spPr bwMode="auto">
+          <a:xfrm rot="18900000">
+            <a:off x="5440464" y="3419664"/>
+            <a:ext cx="288032" cy="288032"/>
+          </a:xfrm>
+          <a:prstGeom prst="ellipse">
+            <a:avLst/>
+          </a:prstGeom>
+          <a:solidFill>
+            <a:srgbClr val="008C5A"/>
+          </a:solidFill>
+          <a:ln w="19050" cap="flat" cmpd="sng" algn="ctr">
+            <a:solidFill>
+              <a:schemeClr val="tx1"/>
+            </a:solidFill>
+            <a:prstDash val="solid"/>
+            <a:round/>
+            <a:headEnd type="none" w="sm" len="sm"/>
+            <a:tailEnd type="none" w="sm" len="sm"/>
+          </a:ln>
+          <a:effectLst/>
+        </p:spPr>
+        <p:txBody>
+          <a:bodyPr vert="horz" wrap="square" lIns="91440" tIns="45720" rIns="91440" bIns="45720" numCol="1" rtlCol="0" anchor="t" anchorCtr="0" compatLnSpc="1">
+            <a:prstTxWarp prst="textNoShape">
+              <a:avLst/>
+            </a:prstTxWarp>
+          </a:bodyPr>
+          <a:lstStyle/>
+          <a:p>
+            <a:pPr marL="0" marR="0" indent="0" algn="l" defTabSz="914400" rtl="0" eaLnBrk="0" fontAlgn="base" latinLnBrk="0" hangingPunct="0">
+              <a:lnSpc>
+                <a:spcPct val="100000"/>
+              </a:lnSpc>
+              <a:spcBef>
+                <a:spcPct val="0"/>
+              </a:spcBef>
+              <a:spcAft>
+                <a:spcPct val="0"/>
+              </a:spcAft>
+              <a:buClrTx/>
+              <a:buSzTx/>
+              <a:buFontTx/>
+              <a:buNone/>
+              <a:tabLst/>
+            </a:pPr>
+            <a:endParaRPr kumimoji="0" lang="de-DE" sz="2400" b="0" i="0" u="none" strike="noStrike" cap="none" normalizeH="0" baseline="0">
+              <a:ln>
+                <a:noFill/>
+              </a:ln>
+              <a:solidFill>
+                <a:schemeClr val="tx1"/>
+              </a:solidFill>
+              <a:effectLst/>
+              <a:latin typeface="Times New Roman" pitchFamily="18" charset="0"/>
+            </a:endParaRPr>
+          </a:p>
+        </p:txBody>
+      </p:sp>
+      <p:cxnSp>
+        <p:nvCxnSpPr>
+          <p:cNvPr id="25" name="Gerader Verbinder 24">
+            <a:extLst>
+              <a:ext uri="{FF2B5EF4-FFF2-40B4-BE49-F238E27FC236}">
+                <a16:creationId xmlns:a16="http://schemas.microsoft.com/office/drawing/2014/main" id="{91F4DAAE-20C0-A358-F8E6-159483F59034}"/>
+              </a:ext>
+            </a:extLst>
+          </p:cNvPr>
+          <p:cNvCxnSpPr>
+            <a:cxnSpLocks/>
+            <a:endCxn id="24" idx="2"/>
+          </p:cNvCxnSpPr>
+          <p:nvPr/>
+        </p:nvCxnSpPr>
+        <p:spPr bwMode="auto">
+          <a:xfrm rot="18900000">
+            <a:off x="5298257" y="3741891"/>
+            <a:ext cx="216024" cy="0"/>
+          </a:xfrm>
+          <a:prstGeom prst="line">
+            <a:avLst/>
+          </a:prstGeom>
+          <a:solidFill>
+            <a:schemeClr val="accent1"/>
+          </a:solidFill>
+          <a:ln w="19050" cap="flat" cmpd="sng" algn="ctr">
+            <a:solidFill>
+              <a:schemeClr val="tx1"/>
+            </a:solidFill>
+            <a:prstDash val="solid"/>
+            <a:round/>
+            <a:headEnd type="none" w="sm" len="sm"/>
+            <a:tailEnd type="none" w="sm" len="sm"/>
+          </a:ln>
+          <a:effectLst/>
+        </p:spPr>
+      </p:cxnSp>
+      <p:sp>
+        <p:nvSpPr>
+          <p:cNvPr id="27" name="Ellipse 26">
+            <a:extLst>
+              <a:ext uri="{FF2B5EF4-FFF2-40B4-BE49-F238E27FC236}">
+                <a16:creationId xmlns:a16="http://schemas.microsoft.com/office/drawing/2014/main" id="{0DAA663F-74F9-824B-7814-D68B26ECEC5D}"/>
+              </a:ext>
+            </a:extLst>
+          </p:cNvPr>
+          <p:cNvSpPr/>
+          <p:nvPr/>
+        </p:nvSpPr>
+        <p:spPr bwMode="auto">
+          <a:xfrm rot="2700000">
+            <a:off x="4737334" y="4837147"/>
+            <a:ext cx="288032" cy="288032"/>
+          </a:xfrm>
+          <a:prstGeom prst="ellipse">
+            <a:avLst/>
+          </a:prstGeom>
+          <a:solidFill>
+            <a:srgbClr val="7030A0"/>
+          </a:solidFill>
+          <a:ln w="19050" cap="flat" cmpd="sng" algn="ctr">
+            <a:solidFill>
+              <a:schemeClr val="tx1"/>
+            </a:solidFill>
+            <a:prstDash val="solid"/>
+            <a:round/>
+            <a:headEnd type="none" w="sm" len="sm"/>
+            <a:tailEnd type="none" w="sm" len="sm"/>
+          </a:ln>
+          <a:effectLst/>
+        </p:spPr>
+        <p:txBody>
+          <a:bodyPr vert="horz" wrap="square" lIns="91440" tIns="45720" rIns="91440" bIns="45720" numCol="1" rtlCol="0" anchor="t" anchorCtr="0" compatLnSpc="1">
+            <a:prstTxWarp prst="textNoShape">
+              <a:avLst/>
+            </a:prstTxWarp>
+          </a:bodyPr>
+          <a:lstStyle/>
+          <a:p>
+            <a:pPr marL="0" marR="0" indent="0" algn="l" defTabSz="914400" rtl="0" eaLnBrk="0" fontAlgn="base" latinLnBrk="0" hangingPunct="0">
+              <a:lnSpc>
+                <a:spcPct val="100000"/>
+              </a:lnSpc>
+              <a:spcBef>
+                <a:spcPct val="0"/>
+              </a:spcBef>
+              <a:spcAft>
+                <a:spcPct val="0"/>
+              </a:spcAft>
+              <a:buClrTx/>
+              <a:buSzTx/>
+              <a:buFontTx/>
+              <a:buNone/>
+              <a:tabLst/>
+            </a:pPr>
+            <a:endParaRPr kumimoji="0" lang="de-DE" sz="2400" b="0" i="0" u="none" strike="noStrike" cap="none" normalizeH="0" baseline="0">
+              <a:ln>
+                <a:noFill/>
+              </a:ln>
+              <a:solidFill>
+                <a:schemeClr val="tx1"/>
+              </a:solidFill>
+              <a:effectLst/>
+              <a:latin typeface="Times New Roman" pitchFamily="18" charset="0"/>
+            </a:endParaRPr>
+          </a:p>
+        </p:txBody>
+      </p:sp>
+      <p:cxnSp>
+        <p:nvCxnSpPr>
+          <p:cNvPr id="28" name="Gerader Verbinder 27">
+            <a:extLst>
+              <a:ext uri="{FF2B5EF4-FFF2-40B4-BE49-F238E27FC236}">
+                <a16:creationId xmlns:a16="http://schemas.microsoft.com/office/drawing/2014/main" id="{D8B1459F-326E-9A00-8D75-7BE99926DE8D}"/>
+              </a:ext>
+            </a:extLst>
+          </p:cNvPr>
+          <p:cNvCxnSpPr>
+            <a:cxnSpLocks/>
+            <a:endCxn id="27" idx="2"/>
+          </p:cNvCxnSpPr>
+          <p:nvPr/>
+        </p:nvCxnSpPr>
+        <p:spPr bwMode="auto">
+          <a:xfrm rot="2700000">
+            <a:off x="4595127" y="4802952"/>
+            <a:ext cx="216024" cy="0"/>
+          </a:xfrm>
+          <a:prstGeom prst="line">
+            <a:avLst/>
+          </a:prstGeom>
+          <a:solidFill>
+            <a:schemeClr val="accent1"/>
+          </a:solidFill>
+          <a:ln w="19050" cap="flat" cmpd="sng" algn="ctr">
+            <a:solidFill>
+              <a:schemeClr val="tx1"/>
+            </a:solidFill>
+            <a:prstDash val="solid"/>
+            <a:round/>
+            <a:headEnd type="none" w="sm" len="sm"/>
+            <a:tailEnd type="none" w="sm" len="sm"/>
+          </a:ln>
+          <a:effectLst/>
+        </p:spPr>
+      </p:cxnSp>
+      <p:sp>
+        <p:nvSpPr>
+          <p:cNvPr id="30" name="Ellipse 29">
+            <a:extLst>
+              <a:ext uri="{FF2B5EF4-FFF2-40B4-BE49-F238E27FC236}">
+                <a16:creationId xmlns:a16="http://schemas.microsoft.com/office/drawing/2014/main" id="{10D2FCAE-82E3-17F9-B73C-ACA5C9BDCDFB}"/>
+              </a:ext>
+            </a:extLst>
+          </p:cNvPr>
+          <p:cNvSpPr/>
+          <p:nvPr/>
+        </p:nvSpPr>
+        <p:spPr bwMode="auto">
+          <a:xfrm rot="2700000">
+            <a:off x="5098124" y="5189117"/>
+            <a:ext cx="288032" cy="288032"/>
+          </a:xfrm>
+          <a:prstGeom prst="ellipse">
+            <a:avLst/>
+          </a:prstGeom>
+          <a:solidFill>
+            <a:srgbClr val="7030A0"/>
+          </a:solidFill>
+          <a:ln w="19050" cap="flat" cmpd="sng" algn="ctr">
+            <a:solidFill>
+              <a:schemeClr val="tx1"/>
+            </a:solidFill>
+            <a:prstDash val="solid"/>
+            <a:round/>
+            <a:headEnd type="none" w="sm" len="sm"/>
+            <a:tailEnd type="none" w="sm" len="sm"/>
+          </a:ln>
+          <a:effectLst/>
+        </p:spPr>
+        <p:txBody>
+          <a:bodyPr vert="horz" wrap="square" lIns="91440" tIns="45720" rIns="91440" bIns="45720" numCol="1" rtlCol="0" anchor="t" anchorCtr="0" compatLnSpc="1">
+            <a:prstTxWarp prst="textNoShape">
+              <a:avLst/>
+            </a:prstTxWarp>
+          </a:bodyPr>
+          <a:lstStyle/>
+          <a:p>
+            <a:pPr marL="0" marR="0" indent="0" algn="l" defTabSz="914400" rtl="0" eaLnBrk="0" fontAlgn="base" latinLnBrk="0" hangingPunct="0">
+              <a:lnSpc>
+                <a:spcPct val="100000"/>
+              </a:lnSpc>
+              <a:spcBef>
+                <a:spcPct val="0"/>
+              </a:spcBef>
+              <a:spcAft>
+                <a:spcPct val="0"/>
+              </a:spcAft>
+              <a:buClrTx/>
+              <a:buSzTx/>
+              <a:buFontTx/>
+              <a:buNone/>
+              <a:tabLst/>
+            </a:pPr>
+            <a:endParaRPr kumimoji="0" lang="de-DE" sz="2400" b="0" i="0" u="none" strike="noStrike" cap="none" normalizeH="0" baseline="0">
+              <a:ln>
+                <a:noFill/>
+              </a:ln>
+              <a:solidFill>
+                <a:schemeClr val="tx1"/>
+              </a:solidFill>
+              <a:effectLst/>
+              <a:latin typeface="Times New Roman" pitchFamily="18" charset="0"/>
+            </a:endParaRPr>
+          </a:p>
+        </p:txBody>
+      </p:sp>
+      <p:cxnSp>
+        <p:nvCxnSpPr>
+          <p:cNvPr id="31" name="Gerader Verbinder 30">
+            <a:extLst>
+              <a:ext uri="{FF2B5EF4-FFF2-40B4-BE49-F238E27FC236}">
+                <a16:creationId xmlns:a16="http://schemas.microsoft.com/office/drawing/2014/main" id="{5F2B3448-8BD7-07D5-2A70-D1ED30AC0397}"/>
+              </a:ext>
+            </a:extLst>
+          </p:cNvPr>
+          <p:cNvCxnSpPr>
+            <a:cxnSpLocks/>
+            <a:endCxn id="30" idx="2"/>
+          </p:cNvCxnSpPr>
+          <p:nvPr/>
+        </p:nvCxnSpPr>
+        <p:spPr bwMode="auto">
+          <a:xfrm rot="2700000">
+            <a:off x="4955917" y="5154922"/>
+            <a:ext cx="216024" cy="0"/>
+          </a:xfrm>
+          <a:prstGeom prst="line">
+            <a:avLst/>
+          </a:prstGeom>
+          <a:solidFill>
+            <a:schemeClr val="accent1"/>
+          </a:solidFill>
+          <a:ln w="19050" cap="flat" cmpd="sng" algn="ctr">
+            <a:solidFill>
+              <a:schemeClr val="tx1"/>
+            </a:solidFill>
+            <a:prstDash val="solid"/>
+            <a:round/>
+            <a:headEnd type="none" w="sm" len="sm"/>
+            <a:tailEnd type="none" w="sm" len="sm"/>
+          </a:ln>
+          <a:effectLst/>
+        </p:spPr>
+      </p:cxnSp>
+      <p:sp>
+        <p:nvSpPr>
+          <p:cNvPr id="33" name="Ellipse 32">
+            <a:extLst>
+              <a:ext uri="{FF2B5EF4-FFF2-40B4-BE49-F238E27FC236}">
+                <a16:creationId xmlns:a16="http://schemas.microsoft.com/office/drawing/2014/main" id="{36A18F51-D837-EC37-3076-1998B06ADC81}"/>
+              </a:ext>
+            </a:extLst>
+          </p:cNvPr>
+          <p:cNvSpPr/>
+          <p:nvPr/>
+        </p:nvSpPr>
+        <p:spPr bwMode="auto">
+          <a:xfrm rot="2700000">
+            <a:off x="5455203" y="5556999"/>
+            <a:ext cx="288032" cy="288032"/>
+          </a:xfrm>
+          <a:prstGeom prst="ellipse">
+            <a:avLst/>
+          </a:prstGeom>
+          <a:solidFill>
+            <a:srgbClr val="7030A0"/>
+          </a:solidFill>
+          <a:ln w="19050" cap="flat" cmpd="sng" algn="ctr">
+            <a:solidFill>
+              <a:schemeClr val="tx1"/>
+            </a:solidFill>
+            <a:prstDash val="solid"/>
+            <a:round/>
+            <a:headEnd type="none" w="sm" len="sm"/>
+            <a:tailEnd type="none" w="sm" len="sm"/>
+          </a:ln>
+          <a:effectLst/>
+        </p:spPr>
+        <p:txBody>
+          <a:bodyPr vert="horz" wrap="square" lIns="91440" tIns="45720" rIns="91440" bIns="45720" numCol="1" rtlCol="0" anchor="t" anchorCtr="0" compatLnSpc="1">
+            <a:prstTxWarp prst="textNoShape">
+              <a:avLst/>
+            </a:prstTxWarp>
+          </a:bodyPr>
+          <a:lstStyle/>
+          <a:p>
+            <a:pPr marL="0" marR="0" indent="0" algn="l" defTabSz="914400" rtl="0" eaLnBrk="0" fontAlgn="base" latinLnBrk="0" hangingPunct="0">
+              <a:lnSpc>
+                <a:spcPct val="100000"/>
+              </a:lnSpc>
+              <a:spcBef>
+                <a:spcPct val="0"/>
+              </a:spcBef>
+              <a:spcAft>
+                <a:spcPct val="0"/>
+              </a:spcAft>
+              <a:buClrTx/>
+              <a:buSzTx/>
+              <a:buFontTx/>
+              <a:buNone/>
+              <a:tabLst/>
+            </a:pPr>
+            <a:endParaRPr kumimoji="0" lang="de-DE" sz="2400" b="0" i="0" u="none" strike="noStrike" cap="none" normalizeH="0" baseline="0">
+              <a:ln>
+                <a:noFill/>
+              </a:ln>
+              <a:solidFill>
+                <a:schemeClr val="tx1"/>
+              </a:solidFill>
+              <a:effectLst/>
+              <a:latin typeface="Times New Roman" pitchFamily="18" charset="0"/>
+            </a:endParaRPr>
+          </a:p>
+        </p:txBody>
+      </p:sp>
+      <p:cxnSp>
+        <p:nvCxnSpPr>
+          <p:cNvPr id="34" name="Gerader Verbinder 33">
+            <a:extLst>
+              <a:ext uri="{FF2B5EF4-FFF2-40B4-BE49-F238E27FC236}">
+                <a16:creationId xmlns:a16="http://schemas.microsoft.com/office/drawing/2014/main" id="{6E95AD40-1AE6-E6BB-E783-C40580ED10EA}"/>
+              </a:ext>
+            </a:extLst>
+          </p:cNvPr>
+          <p:cNvCxnSpPr>
+            <a:cxnSpLocks/>
+            <a:endCxn id="33" idx="2"/>
+          </p:cNvCxnSpPr>
+          <p:nvPr/>
+        </p:nvCxnSpPr>
+        <p:spPr bwMode="auto">
+          <a:xfrm rot="2700000">
+            <a:off x="5312996" y="5522804"/>
+            <a:ext cx="216024" cy="0"/>
+          </a:xfrm>
+          <a:prstGeom prst="line">
+            <a:avLst/>
+          </a:prstGeom>
+          <a:solidFill>
+            <a:schemeClr val="accent1"/>
+          </a:solidFill>
+          <a:ln w="19050" cap="flat" cmpd="sng" algn="ctr">
+            <a:solidFill>
+              <a:schemeClr val="tx1"/>
+            </a:solidFill>
+            <a:prstDash val="solid"/>
+            <a:round/>
+            <a:headEnd type="none" w="sm" len="sm"/>
+            <a:tailEnd type="none" w="sm" len="sm"/>
+          </a:ln>
+          <a:effectLst/>
+        </p:spPr>
+      </p:cxnSp>
+      <p:sp>
+        <p:nvSpPr>
+          <p:cNvPr id="36" name="Textfeld 35">
+            <a:extLst>
+              <a:ext uri="{FF2B5EF4-FFF2-40B4-BE49-F238E27FC236}">
+                <a16:creationId xmlns:a16="http://schemas.microsoft.com/office/drawing/2014/main" id="{B3735663-1826-5083-BC04-81EFD72F822C}"/>
+              </a:ext>
+            </a:extLst>
+          </p:cNvPr>
+          <p:cNvSpPr txBox="1"/>
+          <p:nvPr/>
+        </p:nvSpPr>
+        <p:spPr bwMode="auto">
+          <a:xfrm>
+            <a:off x="6120172" y="4482847"/>
+            <a:ext cx="720080" cy="276999"/>
+          </a:xfrm>
+          <a:prstGeom prst="rect">
+            <a:avLst/>
+          </a:prstGeom>
+          <a:noFill/>
+          <a:ln w="9525">
+            <a:noFill/>
+            <a:miter lim="800000"/>
+            <a:headEnd/>
+            <a:tailEnd/>
+          </a:ln>
+        </p:spPr>
+        <p:txBody>
+          <a:bodyPr wrap="square" rtlCol="0" anchor="ctr">
+            <a:spAutoFit/>
+          </a:bodyPr>
+          <a:lstStyle/>
+          <a:p>
+            <a:pPr eaLnBrk="1" hangingPunct="1"/>
+            <a:r>
+              <a:rPr lang="de-DE" sz="1200" dirty="0" err="1">
+                <a:solidFill>
+                  <a:srgbClr val="0249FC"/>
+                </a:solidFill>
+                <a:latin typeface="Arial" charset="0"/>
+              </a:rPr>
+              <a:t>main</a:t>
+            </a:r>
+            <a:endParaRPr lang="de-DE" sz="1200" dirty="0">
+              <a:solidFill>
+                <a:srgbClr val="0249FC"/>
+              </a:solidFill>
+              <a:latin typeface="Arial" charset="0"/>
+            </a:endParaRPr>
+          </a:p>
+        </p:txBody>
+      </p:sp>
+      <p:sp>
+        <p:nvSpPr>
+          <p:cNvPr id="37" name="Textfeld 36">
+            <a:extLst>
+              <a:ext uri="{FF2B5EF4-FFF2-40B4-BE49-F238E27FC236}">
+                <a16:creationId xmlns:a16="http://schemas.microsoft.com/office/drawing/2014/main" id="{AFE0D8DA-85CA-0648-FE1A-68A82C57267E}"/>
+              </a:ext>
+            </a:extLst>
+          </p:cNvPr>
+          <p:cNvSpPr txBox="1"/>
+          <p:nvPr/>
+        </p:nvSpPr>
+        <p:spPr bwMode="auto">
+          <a:xfrm>
+            <a:off x="5724128" y="3404413"/>
+            <a:ext cx="792088" cy="276999"/>
+          </a:xfrm>
+          <a:prstGeom prst="rect">
+            <a:avLst/>
+          </a:prstGeom>
+          <a:noFill/>
+          <a:ln w="9525">
+            <a:noFill/>
+            <a:miter lim="800000"/>
+            <a:headEnd/>
+            <a:tailEnd/>
+          </a:ln>
+        </p:spPr>
+        <p:txBody>
+          <a:bodyPr wrap="square" rtlCol="0" anchor="ctr">
+            <a:spAutoFit/>
+          </a:bodyPr>
+          <a:lstStyle/>
+          <a:p>
+            <a:pPr eaLnBrk="1" hangingPunct="1"/>
+            <a:r>
+              <a:rPr lang="de-DE" sz="1200" dirty="0">
+                <a:solidFill>
+                  <a:srgbClr val="008C5A"/>
+                </a:solidFill>
+                <a:latin typeface="Arial" charset="0"/>
+              </a:rPr>
+              <a:t>feature1</a:t>
+            </a:r>
+          </a:p>
+        </p:txBody>
+      </p:sp>
+      <p:sp>
+        <p:nvSpPr>
+          <p:cNvPr id="38" name="Textfeld 37">
+            <a:extLst>
+              <a:ext uri="{FF2B5EF4-FFF2-40B4-BE49-F238E27FC236}">
+                <a16:creationId xmlns:a16="http://schemas.microsoft.com/office/drawing/2014/main" id="{38806947-E25F-4027-3BD1-F2C151C0C79D}"/>
+              </a:ext>
+            </a:extLst>
+          </p:cNvPr>
+          <p:cNvSpPr txBox="1"/>
+          <p:nvPr/>
+        </p:nvSpPr>
+        <p:spPr bwMode="auto">
+          <a:xfrm>
+            <a:off x="5760132" y="5576906"/>
+            <a:ext cx="792088" cy="276999"/>
+          </a:xfrm>
+          <a:prstGeom prst="rect">
+            <a:avLst/>
+          </a:prstGeom>
+          <a:noFill/>
+          <a:ln w="9525">
+            <a:noFill/>
+            <a:miter lim="800000"/>
+            <a:headEnd/>
+            <a:tailEnd/>
+          </a:ln>
+        </p:spPr>
+        <p:txBody>
+          <a:bodyPr wrap="square" rtlCol="0" anchor="ctr">
+            <a:spAutoFit/>
+          </a:bodyPr>
+          <a:lstStyle/>
+          <a:p>
+            <a:pPr eaLnBrk="1" hangingPunct="1"/>
+            <a:r>
+              <a:rPr lang="de-DE" sz="1200" dirty="0">
+                <a:solidFill>
+                  <a:srgbClr val="7030A0"/>
+                </a:solidFill>
+                <a:latin typeface="Arial" charset="0"/>
+              </a:rPr>
+              <a:t>feature2</a:t>
+            </a:r>
+          </a:p>
+        </p:txBody>
+      </p:sp>
+      <p:cxnSp>
+        <p:nvCxnSpPr>
+          <p:cNvPr id="40" name="Gerade Verbindung mit Pfeil 39">
+            <a:extLst>
+              <a:ext uri="{FF2B5EF4-FFF2-40B4-BE49-F238E27FC236}">
+                <a16:creationId xmlns:a16="http://schemas.microsoft.com/office/drawing/2014/main" id="{13FD3CDA-2657-1084-1AE4-2C5874D8322A}"/>
+              </a:ext>
+            </a:extLst>
+          </p:cNvPr>
+          <p:cNvCxnSpPr>
+            <a:cxnSpLocks/>
+          </p:cNvCxnSpPr>
+          <p:nvPr/>
+        </p:nvCxnSpPr>
+        <p:spPr bwMode="auto">
+          <a:xfrm>
+            <a:off x="5586865" y="3753277"/>
+            <a:ext cx="12354" cy="1738731"/>
+          </a:xfrm>
+          <a:prstGeom prst="straightConnector1">
+            <a:avLst/>
+          </a:prstGeom>
+          <a:solidFill>
+            <a:schemeClr val="accent1"/>
+          </a:solidFill>
+          <a:ln w="76200" cap="flat" cmpd="sng" algn="ctr">
+            <a:solidFill>
+              <a:srgbClr val="FFC000"/>
+            </a:solidFill>
+            <a:prstDash val="solid"/>
+            <a:round/>
+            <a:headEnd type="triangle"/>
+            <a:tailEnd type="triangle"/>
+          </a:ln>
+          <a:effectLst>
+            <a:glow rad="63500">
+              <a:schemeClr val="accent4">
+                <a:satMod val="175000"/>
+                <a:alpha val="40000"/>
+              </a:schemeClr>
+            </a:glow>
+          </a:effectLst>
+        </p:spPr>
+      </p:cxnSp>
+      <p:sp>
+        <p:nvSpPr>
+          <p:cNvPr id="42" name="Gewitterblitz 41">
+            <a:extLst>
+              <a:ext uri="{FF2B5EF4-FFF2-40B4-BE49-F238E27FC236}">
+                <a16:creationId xmlns:a16="http://schemas.microsoft.com/office/drawing/2014/main" id="{F3CC5856-E024-39FD-B0AE-569578796254}"/>
+              </a:ext>
+            </a:extLst>
+          </p:cNvPr>
+          <p:cNvSpPr/>
+          <p:nvPr/>
+        </p:nvSpPr>
+        <p:spPr bwMode="auto">
+          <a:xfrm rot="19809464" flipH="1">
+            <a:off x="5401968" y="4470905"/>
+            <a:ext cx="369792" cy="269575"/>
+          </a:xfrm>
+          <a:prstGeom prst="lightningBolt">
+            <a:avLst/>
+          </a:prstGeom>
+          <a:solidFill>
+            <a:srgbClr val="FFC000"/>
+          </a:solidFill>
+          <a:ln w="12700" cap="flat" cmpd="sng" algn="ctr">
+            <a:solidFill>
+              <a:schemeClr val="tx1"/>
+            </a:solidFill>
+            <a:prstDash val="solid"/>
+            <a:round/>
+            <a:headEnd type="none" w="sm" len="sm"/>
+            <a:tailEnd type="none" w="sm" len="sm"/>
+          </a:ln>
+          <a:effectLst>
+            <a:glow rad="63500">
+              <a:schemeClr val="accent4">
+                <a:satMod val="175000"/>
+                <a:alpha val="40000"/>
+              </a:schemeClr>
+            </a:glow>
+          </a:effectLst>
+        </p:spPr>
+        <p:txBody>
+          <a:bodyPr vert="horz" wrap="square" lIns="91440" tIns="45720" rIns="91440" bIns="45720" numCol="1" rtlCol="0" anchor="t" anchorCtr="0" compatLnSpc="1">
+            <a:prstTxWarp prst="textNoShape">
+              <a:avLst/>
+            </a:prstTxWarp>
+          </a:bodyPr>
+          <a:lstStyle/>
+          <a:p>
+            <a:pPr marL="0" marR="0" indent="0" algn="l" defTabSz="914400" rtl="0" eaLnBrk="0" fontAlgn="base" latinLnBrk="0" hangingPunct="0">
+              <a:lnSpc>
+                <a:spcPct val="100000"/>
+              </a:lnSpc>
+              <a:spcBef>
+                <a:spcPct val="0"/>
+              </a:spcBef>
+              <a:spcAft>
+                <a:spcPct val="0"/>
+              </a:spcAft>
+              <a:buClrTx/>
+              <a:buSzTx/>
+              <a:buFontTx/>
+              <a:buNone/>
+              <a:tabLst/>
+            </a:pPr>
+            <a:endParaRPr kumimoji="0" lang="de-DE" sz="2400" b="0" i="0" u="none" strike="noStrike" cap="none" normalizeH="0" baseline="0">
+              <a:ln>
+                <a:noFill/>
+              </a:ln>
+              <a:solidFill>
+                <a:schemeClr val="tx1"/>
+              </a:solidFill>
+              <a:effectLst/>
+              <a:latin typeface="Times New Roman" pitchFamily="18" charset="0"/>
+            </a:endParaRPr>
+          </a:p>
+        </p:txBody>
+      </p:sp>
     </p:spTree>
     <p:extLst>
       <p:ext uri="{BB962C8B-B14F-4D97-AF65-F5344CB8AC3E}">
-        <p14:creationId xmlns:p14="http://schemas.microsoft.com/office/powerpoint/2010/main" val="1341278311"/>
+        <p14:creationId xmlns:p14="http://schemas.microsoft.com/office/powerpoint/2010/main" val="3955948481"/>
       </p:ext>
     </p:extLst>
   </p:cSld>
@@ -5831,6 +7195,170 @@
       </p:grpSpPr>
       <p:sp>
         <p:nvSpPr>
+          <p:cNvPr id="6146" name="Inhaltsplatzhalter 18">
+            <a:extLst>
+              <a:ext uri="{FF2B5EF4-FFF2-40B4-BE49-F238E27FC236}">
+                <a16:creationId xmlns:a16="http://schemas.microsoft.com/office/drawing/2014/main" id="{BE3C4C95-FD5D-27F0-ED0C-AB8113CAC9F1}"/>
+              </a:ext>
+            </a:extLst>
+          </p:cNvPr>
+          <p:cNvSpPr>
+            <a:spLocks noGrp="1"/>
+          </p:cNvSpPr>
+          <p:nvPr>
+            <p:ph idx="1"/>
+          </p:nvPr>
+        </p:nvSpPr>
+        <p:spPr>
+          <a:xfrm>
+            <a:off x="303214" y="981075"/>
+            <a:ext cx="8517258" cy="5400675"/>
+          </a:xfrm>
+        </p:spPr>
+        <p:txBody>
+          <a:bodyPr/>
+          <a:lstStyle/>
+          <a:p>
+            <a:pPr marL="0" indent="0">
+              <a:buNone/>
+            </a:pPr>
+            <a:r>
+              <a:rPr lang="de-DE" altLang="de-DE" b="1" dirty="0"/>
+              <a:t>Zentraler </a:t>
+            </a:r>
+            <a:r>
+              <a:rPr lang="de-DE" altLang="de-DE" b="1" dirty="0" err="1"/>
+              <a:t>Git</a:t>
+            </a:r>
+            <a:r>
+              <a:rPr lang="de-DE" altLang="de-DE" b="1" dirty="0"/>
+              <a:t>-Workflow</a:t>
+            </a:r>
+          </a:p>
+          <a:p>
+            <a:r>
+              <a:rPr lang="de-DE" altLang="de-DE" dirty="0"/>
+              <a:t>Gemeinsame Arbeit (auf einem Branch) erhöht Konfliktpotenzial</a:t>
+            </a:r>
+          </a:p>
+          <a:p>
+            <a:pPr lvl="1"/>
+            <a:r>
+              <a:rPr lang="de-DE" altLang="de-DE" dirty="0"/>
+              <a:t>Häufige Kommunikation nötig</a:t>
+            </a:r>
+          </a:p>
+          <a:p>
+            <a:pPr lvl="1"/>
+            <a:r>
+              <a:rPr lang="de-DE" altLang="de-DE" dirty="0"/>
+              <a:t>(</a:t>
+            </a:r>
+            <a:r>
+              <a:rPr lang="de-DE" altLang="de-DE" dirty="0" err="1"/>
+              <a:t>Merge</a:t>
+            </a:r>
+            <a:r>
+              <a:rPr lang="de-DE" altLang="de-DE" dirty="0"/>
+              <a:t>-)Konflikte sauber auflösen!</a:t>
+            </a:r>
+          </a:p>
+          <a:p>
+            <a:r>
+              <a:rPr lang="de-DE" altLang="de-DE" dirty="0"/>
+              <a:t>Weniger Flexibilität (als andere Workflows)</a:t>
+            </a:r>
+          </a:p>
+          <a:p>
+            <a:pPr lvl="1"/>
+            <a:r>
+              <a:rPr lang="de-DE" altLang="de-DE" dirty="0"/>
+              <a:t>Komplexere Projekte, andere Workflows?</a:t>
+            </a:r>
+          </a:p>
+          <a:p>
+            <a:r>
+              <a:rPr lang="de-DE" altLang="de-DE" dirty="0"/>
+              <a:t>Vorteilhaft in kleineren Teams</a:t>
+            </a:r>
+          </a:p>
+          <a:p>
+            <a:pPr marL="0" indent="0">
+              <a:buNone/>
+            </a:pPr>
+            <a:endParaRPr lang="de-DE" altLang="de-DE" dirty="0"/>
+          </a:p>
+        </p:txBody>
+      </p:sp>
+      <p:sp>
+        <p:nvSpPr>
+          <p:cNvPr id="6147" name="Rectangle 1062">
+            <a:extLst>
+              <a:ext uri="{FF2B5EF4-FFF2-40B4-BE49-F238E27FC236}">
+                <a16:creationId xmlns:a16="http://schemas.microsoft.com/office/drawing/2014/main" id="{C46E9340-3256-8D55-A265-94F2F41E288E}"/>
+              </a:ext>
+            </a:extLst>
+          </p:cNvPr>
+          <p:cNvSpPr>
+            <a:spLocks noGrp="1" noChangeArrowheads="1"/>
+          </p:cNvSpPr>
+          <p:nvPr>
+            <p:ph type="title"/>
+          </p:nvPr>
+        </p:nvSpPr>
+        <p:spPr>
+          <a:xfrm>
+            <a:off x="285750" y="142875"/>
+            <a:ext cx="5654675" cy="706438"/>
+          </a:xfrm>
+        </p:spPr>
+        <p:txBody>
+          <a:bodyPr/>
+          <a:lstStyle/>
+          <a:p>
+            <a:r>
+              <a:rPr lang="de-DE" altLang="de-DE" sz="3200" dirty="0" err="1"/>
+              <a:t>Git</a:t>
+            </a:r>
+            <a:r>
+              <a:rPr lang="de-DE" altLang="de-DE" sz="3200" dirty="0"/>
+              <a:t>-Workflow</a:t>
+            </a:r>
+          </a:p>
+        </p:txBody>
+      </p:sp>
+    </p:spTree>
+    <p:extLst>
+      <p:ext uri="{BB962C8B-B14F-4D97-AF65-F5344CB8AC3E}">
+        <p14:creationId xmlns:p14="http://schemas.microsoft.com/office/powerpoint/2010/main" val="1341278311"/>
+      </p:ext>
+    </p:extLst>
+  </p:cSld>
+  <p:clrMapOvr>
+    <a:masterClrMapping/>
+  </p:clrMapOvr>
+</p:sld>
+</file>
+
+<file path=ppt/slides/slide12.xml><?xml version="1.0" encoding="utf-8"?>
+<p:sld xmlns:a="http://schemas.openxmlformats.org/drawingml/2006/main" xmlns:r="http://schemas.openxmlformats.org/officeDocument/2006/relationships" xmlns:p="http://schemas.openxmlformats.org/presentationml/2006/main">
+  <p:cSld>
+    <p:spTree>
+      <p:nvGrpSpPr>
+        <p:cNvPr id="1" name=""/>
+        <p:cNvGrpSpPr/>
+        <p:nvPr/>
+      </p:nvGrpSpPr>
+      <p:grpSpPr>
+        <a:xfrm>
+          <a:off x="0" y="0"/>
+          <a:ext cx="0" cy="0"/>
+          <a:chOff x="0" y="0"/>
+          <a:chExt cx="0" cy="0"/>
+        </a:xfrm>
+      </p:grpSpPr>
+      <p:sp>
+        <p:nvSpPr>
           <p:cNvPr id="2" name="Titel 1"/>
           <p:cNvSpPr>
             <a:spLocks noGrp="1"/>
@@ -5892,7 +7420,7 @@
 </p:sld>
 </file>
 
-<file path=ppt/slides/slide12.xml><?xml version="1.0" encoding="utf-8"?>
+<file path=ppt/slides/slide13.xml><?xml version="1.0" encoding="utf-8"?>
 <p:sld xmlns:a="http://schemas.openxmlformats.org/drawingml/2006/main" xmlns:r="http://schemas.openxmlformats.org/officeDocument/2006/relationships" xmlns:p="http://schemas.openxmlformats.org/presentationml/2006/main">
   <p:cSld>
     <p:spTree>
@@ -7091,7 +8619,7 @@
 </p:sld>
 </file>
 
-<file path=ppt/slides/slide13.xml><?xml version="1.0" encoding="utf-8"?>
+<file path=ppt/slides/slide14.xml><?xml version="1.0" encoding="utf-8"?>
 <p:sld xmlns:a="http://schemas.openxmlformats.org/drawingml/2006/main" xmlns:r="http://schemas.openxmlformats.org/officeDocument/2006/relationships" xmlns:p="http://schemas.openxmlformats.org/presentationml/2006/main">
   <p:cSld>
     <p:spTree>
@@ -9159,7 +10687,7 @@
 </p:sld>
 </file>
 
-<file path=ppt/slides/slide14.xml><?xml version="1.0" encoding="utf-8"?>
+<file path=ppt/slides/slide15.xml><?xml version="1.0" encoding="utf-8"?>
 <p:sld xmlns:a="http://schemas.openxmlformats.org/drawingml/2006/main" xmlns:r="http://schemas.openxmlformats.org/officeDocument/2006/relationships" xmlns:p="http://schemas.openxmlformats.org/presentationml/2006/main">
   <p:cSld>
     <p:spTree>
@@ -11431,7 +12959,7 @@
 </p:sld>
 </file>
 
-<file path=ppt/slides/slide15.xml><?xml version="1.0" encoding="utf-8"?>
+<file path=ppt/slides/slide16.xml><?xml version="1.0" encoding="utf-8"?>
 <p:sld xmlns:a="http://schemas.openxmlformats.org/drawingml/2006/main" xmlns:r="http://schemas.openxmlformats.org/officeDocument/2006/relationships" xmlns:p="http://schemas.openxmlformats.org/presentationml/2006/main">
   <p:cSld>
     <p:spTree>
@@ -13919,7 +15447,7 @@
 </p:sld>
 </file>
 
-<file path=ppt/slides/slide16.xml><?xml version="1.0" encoding="utf-8"?>
+<file path=ppt/slides/slide17.xml><?xml version="1.0" encoding="utf-8"?>
 <p:sld xmlns:a="http://schemas.openxmlformats.org/drawingml/2006/main" xmlns:r="http://schemas.openxmlformats.org/officeDocument/2006/relationships" xmlns:p="http://schemas.openxmlformats.org/presentationml/2006/main">
   <p:cSld>
     <p:spTree>
@@ -16706,7 +18234,7 @@
 </p:sld>
 </file>
 
-<file path=ppt/slides/slide17.xml><?xml version="1.0" encoding="utf-8"?>
+<file path=ppt/slides/slide18.xml><?xml version="1.0" encoding="utf-8"?>
 <p:sld xmlns:a="http://schemas.openxmlformats.org/drawingml/2006/main" xmlns:r="http://schemas.openxmlformats.org/officeDocument/2006/relationships" xmlns:p="http://schemas.openxmlformats.org/presentationml/2006/main">
   <p:cSld>
     <p:spTree>
@@ -19481,7 +21009,7 @@
 </p:sld>
 </file>
 
-<file path=ppt/slides/slide18.xml><?xml version="1.0" encoding="utf-8"?>
+<file path=ppt/slides/slide19.xml><?xml version="1.0" encoding="utf-8"?>
 <p:sld xmlns:a="http://schemas.openxmlformats.org/drawingml/2006/main" xmlns:r="http://schemas.openxmlformats.org/officeDocument/2006/relationships" xmlns:p="http://schemas.openxmlformats.org/presentationml/2006/main">
   <p:cSld>
     <p:spTree>
@@ -22541,7 +24069,419 @@
 </p:sld>
 </file>
 
-<file path=ppt/slides/slide19.xml><?xml version="1.0" encoding="utf-8"?>
+<file path=ppt/slides/slide2.xml><?xml version="1.0" encoding="utf-8"?>
+<p:sld xmlns:a="http://schemas.openxmlformats.org/drawingml/2006/main" xmlns:r="http://schemas.openxmlformats.org/officeDocument/2006/relationships" xmlns:p="http://schemas.openxmlformats.org/presentationml/2006/main">
+  <p:cSld>
+    <p:spTree>
+      <p:nvGrpSpPr>
+        <p:cNvPr id="1" name=""/>
+        <p:cNvGrpSpPr/>
+        <p:nvPr/>
+      </p:nvGrpSpPr>
+      <p:grpSpPr>
+        <a:xfrm>
+          <a:off x="0" y="0"/>
+          <a:ext cx="0" cy="0"/>
+          <a:chOff x="0" y="0"/>
+          <a:chExt cx="0" cy="0"/>
+        </a:xfrm>
+      </p:grpSpPr>
+      <p:sp>
+        <p:nvSpPr>
+          <p:cNvPr id="6146" name="Inhaltsplatzhalter 18">
+            <a:extLst>
+              <a:ext uri="{FF2B5EF4-FFF2-40B4-BE49-F238E27FC236}">
+                <a16:creationId xmlns:a16="http://schemas.microsoft.com/office/drawing/2014/main" id="{BE3C4C95-FD5D-27F0-ED0C-AB8113CAC9F1}"/>
+              </a:ext>
+            </a:extLst>
+          </p:cNvPr>
+          <p:cNvSpPr>
+            <a:spLocks noGrp="1"/>
+          </p:cNvSpPr>
+          <p:nvPr>
+            <p:ph idx="1"/>
+          </p:nvPr>
+        </p:nvSpPr>
+        <p:spPr/>
+        <p:txBody>
+          <a:bodyPr/>
+          <a:lstStyle/>
+          <a:p>
+            <a:pPr>
+              <a:buFont typeface="Arial" panose="020B0604020202020204" pitchFamily="34" charset="0"/>
+              <a:buChar char="•"/>
+            </a:pPr>
+            <a:r>
+              <a:rPr lang="de-DE" altLang="de-DE" sz="1800" b="1" dirty="0"/>
+              <a:t>Tag 1 – Einführung in </a:t>
+            </a:r>
+            <a:r>
+              <a:rPr lang="de-DE" altLang="de-DE" sz="1800" b="1" dirty="0" err="1"/>
+              <a:t>Git</a:t>
+            </a:r>
+            <a:r>
+              <a:rPr lang="de-DE" altLang="de-DE" sz="1800" b="1" dirty="0"/>
+              <a:t> und </a:t>
+            </a:r>
+            <a:r>
+              <a:rPr lang="de-DE" altLang="de-DE" sz="1800" b="1" dirty="0" err="1"/>
+              <a:t>GitLab</a:t>
+            </a:r>
+            <a:r>
+              <a:rPr lang="de-DE" altLang="de-DE" sz="1800" b="1" dirty="0"/>
+              <a:t>, </a:t>
+            </a:r>
+            <a:r>
+              <a:rPr lang="de-DE" altLang="de-DE" sz="1800" b="1" dirty="0" err="1"/>
+              <a:t>Git</a:t>
+            </a:r>
+            <a:r>
+              <a:rPr lang="de-DE" altLang="de-DE" sz="1800" b="1" dirty="0"/>
+              <a:t>-Workflow im Team</a:t>
+            </a:r>
+          </a:p>
+          <a:p>
+            <a:pPr lvl="1">
+              <a:buFont typeface="Arial" panose="020B0604020202020204" pitchFamily="34" charset="0"/>
+              <a:buChar char="•"/>
+            </a:pPr>
+            <a:r>
+              <a:rPr lang="de-DE" altLang="de-DE" sz="1400" dirty="0"/>
+              <a:t>Einführung &amp; Kursüberblick</a:t>
+            </a:r>
+          </a:p>
+          <a:p>
+            <a:pPr lvl="1">
+              <a:buFont typeface="Arial" panose="020B0604020202020204" pitchFamily="34" charset="0"/>
+              <a:buChar char="•"/>
+            </a:pPr>
+            <a:r>
+              <a:rPr lang="de-DE" altLang="de-DE" sz="1400" dirty="0"/>
+              <a:t>Grundlagen von </a:t>
+            </a:r>
+            <a:r>
+              <a:rPr lang="de-DE" altLang="de-DE" sz="1400" dirty="0" err="1"/>
+              <a:t>Git</a:t>
+            </a:r>
+            <a:endParaRPr lang="de-DE" altLang="de-DE" sz="1400" dirty="0"/>
+          </a:p>
+          <a:p>
+            <a:pPr lvl="1">
+              <a:buFont typeface="Arial" panose="020B0604020202020204" pitchFamily="34" charset="0"/>
+              <a:buChar char="•"/>
+            </a:pPr>
+            <a:r>
+              <a:rPr lang="de-DE" altLang="de-DE" sz="1400" dirty="0" err="1"/>
+              <a:t>Git</a:t>
+            </a:r>
+            <a:r>
+              <a:rPr lang="de-DE" altLang="de-DE" sz="1400" dirty="0"/>
+              <a:t> </a:t>
+            </a:r>
+            <a:r>
+              <a:rPr lang="de-DE" altLang="de-DE" sz="1400" dirty="0" err="1"/>
+              <a:t>Rebase</a:t>
+            </a:r>
+            <a:r>
+              <a:rPr lang="de-DE" altLang="de-DE" sz="1400" dirty="0"/>
+              <a:t> und </a:t>
+            </a:r>
+            <a:r>
+              <a:rPr lang="de-DE" altLang="de-DE" sz="1400" dirty="0" err="1"/>
+              <a:t>Merge</a:t>
+            </a:r>
+            <a:r>
+              <a:rPr lang="de-DE" altLang="de-DE" sz="1400" dirty="0"/>
+              <a:t>-Strategien</a:t>
+            </a:r>
+          </a:p>
+          <a:p>
+            <a:pPr lvl="1">
+              <a:buFont typeface="Arial" panose="020B0604020202020204" pitchFamily="34" charset="0"/>
+              <a:buChar char="•"/>
+            </a:pPr>
+            <a:r>
+              <a:rPr lang="de-DE" altLang="de-DE" sz="1400" dirty="0" err="1"/>
+              <a:t>Git</a:t>
+            </a:r>
+            <a:r>
+              <a:rPr lang="de-DE" altLang="de-DE" sz="1400" dirty="0"/>
+              <a:t> Remote</a:t>
+            </a:r>
+          </a:p>
+          <a:p>
+            <a:pPr lvl="1">
+              <a:buFont typeface="Arial" panose="020B0604020202020204" pitchFamily="34" charset="0"/>
+              <a:buChar char="•"/>
+            </a:pPr>
+            <a:r>
+              <a:rPr lang="de-DE" altLang="de-DE" sz="1400" dirty="0"/>
+              <a:t>Grundlagen von </a:t>
+            </a:r>
+            <a:r>
+              <a:rPr lang="de-DE" altLang="de-DE" sz="1400" dirty="0" err="1"/>
+              <a:t>GitLab</a:t>
+            </a:r>
+            <a:endParaRPr lang="de-DE" altLang="de-DE" sz="1400" dirty="0"/>
+          </a:p>
+          <a:p>
+            <a:pPr lvl="1">
+              <a:buFont typeface="Arial" panose="020B0604020202020204" pitchFamily="34" charset="0"/>
+              <a:buChar char="•"/>
+            </a:pPr>
+            <a:r>
+              <a:rPr lang="de-DE" altLang="de-DE" sz="1400" dirty="0" err="1"/>
+              <a:t>Git</a:t>
+            </a:r>
+            <a:r>
+              <a:rPr lang="de-DE" altLang="de-DE" sz="1400" dirty="0"/>
+              <a:t>-Workflow im Team</a:t>
+            </a:r>
+          </a:p>
+          <a:p>
+            <a:pPr>
+              <a:buFont typeface="Arial" panose="020B0604020202020204" pitchFamily="34" charset="0"/>
+              <a:buChar char="•"/>
+            </a:pPr>
+            <a:r>
+              <a:rPr lang="de-DE" altLang="de-DE" sz="1800" b="1" dirty="0"/>
+              <a:t>Tag 2 – Vertiefung </a:t>
+            </a:r>
+            <a:r>
+              <a:rPr lang="de-DE" altLang="de-DE" sz="1800" b="1" dirty="0" err="1"/>
+              <a:t>Git</a:t>
+            </a:r>
+            <a:r>
+              <a:rPr lang="de-DE" altLang="de-DE" sz="1800" b="1" dirty="0"/>
+              <a:t>-Workflow, CI/CD &amp; </a:t>
+            </a:r>
+            <a:r>
+              <a:rPr lang="de-DE" altLang="de-DE" sz="1800" b="1" dirty="0" err="1"/>
+              <a:t>GitLab</a:t>
+            </a:r>
+            <a:r>
+              <a:rPr lang="de-DE" altLang="de-DE" sz="1800" b="1" dirty="0"/>
+              <a:t> CI </a:t>
+            </a:r>
+          </a:p>
+          <a:p>
+            <a:pPr lvl="1">
+              <a:buFont typeface="Arial" panose="020B0604020202020204" pitchFamily="34" charset="0"/>
+              <a:buChar char="•"/>
+            </a:pPr>
+            <a:r>
+              <a:rPr lang="de-DE" altLang="de-DE" sz="1400" dirty="0" err="1"/>
+              <a:t>Gitflow</a:t>
+            </a:r>
+            <a:r>
+              <a:rPr lang="de-DE" altLang="de-DE" sz="1400" dirty="0"/>
+              <a:t>-Workflow</a:t>
+            </a:r>
+          </a:p>
+          <a:p>
+            <a:pPr lvl="1">
+              <a:buFont typeface="Arial" panose="020B0604020202020204" pitchFamily="34" charset="0"/>
+              <a:buChar char="•"/>
+            </a:pPr>
+            <a:r>
+              <a:rPr lang="de-DE" altLang="de-DE" sz="1400" dirty="0"/>
+              <a:t>Tags, Releases &amp; deren Verwaltung</a:t>
+            </a:r>
+          </a:p>
+          <a:p>
+            <a:pPr lvl="1">
+              <a:buFont typeface="Arial" panose="020B0604020202020204" pitchFamily="34" charset="0"/>
+              <a:buChar char="•"/>
+            </a:pPr>
+            <a:r>
+              <a:rPr lang="de-DE" altLang="de-DE" sz="1400" dirty="0" err="1"/>
+              <a:t>GitLab</a:t>
+            </a:r>
+            <a:r>
+              <a:rPr lang="de-DE" altLang="de-DE" sz="1400" dirty="0"/>
+              <a:t>-Runner</a:t>
+            </a:r>
+          </a:p>
+          <a:p>
+            <a:pPr lvl="1">
+              <a:buFont typeface="Arial" panose="020B0604020202020204" pitchFamily="34" charset="0"/>
+              <a:buChar char="•"/>
+            </a:pPr>
+            <a:r>
+              <a:rPr lang="de-DE" altLang="de-DE" sz="1400" dirty="0"/>
+              <a:t>Einführung in </a:t>
+            </a:r>
+            <a:r>
+              <a:rPr lang="de-DE" altLang="de-DE" sz="1400" dirty="0" err="1"/>
+              <a:t>GitLab</a:t>
+            </a:r>
+            <a:r>
+              <a:rPr lang="de-DE" altLang="de-DE" sz="1400" dirty="0"/>
+              <a:t> CI/CD &amp; </a:t>
+            </a:r>
+            <a:r>
+              <a:rPr lang="de-DE" altLang="de-DE" sz="1400" dirty="0" err="1"/>
+              <a:t>gitlab.yml</a:t>
+            </a:r>
+            <a:endParaRPr lang="de-DE" altLang="de-DE" sz="1400" dirty="0"/>
+          </a:p>
+          <a:p>
+            <a:pPr>
+              <a:buFont typeface="Arial" panose="020B0604020202020204" pitchFamily="34" charset="0"/>
+              <a:buChar char="•"/>
+            </a:pPr>
+            <a:r>
+              <a:rPr lang="de-DE" altLang="de-DE" sz="1800" b="1" dirty="0"/>
+              <a:t>Tag 3 – </a:t>
+            </a:r>
+            <a:r>
+              <a:rPr lang="de-DE" altLang="de-DE" sz="1800" b="1" dirty="0" err="1"/>
+              <a:t>GitOps</a:t>
+            </a:r>
+            <a:r>
+              <a:rPr lang="de-DE" altLang="de-DE" sz="1800" b="1" dirty="0"/>
+              <a:t>, Docker in der Entwicklung und </a:t>
+            </a:r>
+            <a:r>
+              <a:rPr lang="de-DE" altLang="de-DE" sz="1800" b="1" dirty="0" err="1"/>
+              <a:t>Deployment</a:t>
+            </a:r>
+            <a:r>
+              <a:rPr lang="de-DE" altLang="de-DE" sz="1800" b="1" dirty="0"/>
+              <a:t>-Strategien</a:t>
+            </a:r>
+          </a:p>
+          <a:p>
+            <a:pPr lvl="1">
+              <a:buFont typeface="Arial" panose="020B0604020202020204" pitchFamily="34" charset="0"/>
+              <a:buChar char="•"/>
+            </a:pPr>
+            <a:r>
+              <a:rPr lang="de-DE" altLang="de-DE" sz="1400" dirty="0" err="1"/>
+              <a:t>GitOps</a:t>
+            </a:r>
+            <a:r>
+              <a:rPr lang="de-DE" altLang="de-DE" sz="1400" dirty="0"/>
+              <a:t> Grundlagen</a:t>
+            </a:r>
+          </a:p>
+          <a:p>
+            <a:pPr lvl="1">
+              <a:buFont typeface="Arial" panose="020B0604020202020204" pitchFamily="34" charset="0"/>
+              <a:buChar char="•"/>
+            </a:pPr>
+            <a:r>
+              <a:rPr lang="de-DE" altLang="de-DE" sz="1400" dirty="0"/>
+              <a:t>Lokale Entwicklung mit Docker</a:t>
+            </a:r>
+          </a:p>
+          <a:p>
+            <a:pPr lvl="1">
+              <a:buFont typeface="Arial" panose="020B0604020202020204" pitchFamily="34" charset="0"/>
+              <a:buChar char="•"/>
+            </a:pPr>
+            <a:r>
+              <a:rPr lang="de-DE" altLang="de-DE" sz="1400" dirty="0"/>
+              <a:t>Container/Docker-Registry</a:t>
+            </a:r>
+          </a:p>
+          <a:p>
+            <a:pPr lvl="1">
+              <a:buFont typeface="Arial" panose="020B0604020202020204" pitchFamily="34" charset="0"/>
+              <a:buChar char="•"/>
+            </a:pPr>
+            <a:r>
+              <a:rPr lang="de-DE" altLang="de-DE" sz="1400" dirty="0"/>
+              <a:t>Erstellen von Release- und </a:t>
+            </a:r>
+            <a:r>
+              <a:rPr lang="de-DE" altLang="de-DE" sz="1400" dirty="0" err="1"/>
+              <a:t>Tagged</a:t>
+            </a:r>
+            <a:r>
+              <a:rPr lang="de-DE" altLang="de-DE" sz="1400" dirty="0"/>
+              <a:t>-Images</a:t>
+            </a:r>
+          </a:p>
+          <a:p>
+            <a:pPr lvl="1">
+              <a:buFont typeface="Arial" panose="020B0604020202020204" pitchFamily="34" charset="0"/>
+              <a:buChar char="•"/>
+            </a:pPr>
+            <a:r>
+              <a:rPr lang="de-DE" altLang="de-DE" sz="1400" dirty="0"/>
+              <a:t>Möglichkeiten des </a:t>
+            </a:r>
+            <a:r>
+              <a:rPr lang="de-DE" altLang="de-DE" sz="1400" dirty="0" err="1"/>
+              <a:t>Deployments</a:t>
+            </a:r>
+            <a:r>
+              <a:rPr lang="de-DE" altLang="de-DE" sz="1400" dirty="0"/>
+              <a:t> &amp; Verwaltung von Konfiguration</a:t>
+            </a:r>
+          </a:p>
+          <a:p>
+            <a:pPr lvl="1">
+              <a:buFont typeface="Arial" panose="020B0604020202020204" pitchFamily="34" charset="0"/>
+              <a:buChar char="•"/>
+            </a:pPr>
+            <a:r>
+              <a:rPr lang="de-DE" altLang="de-DE" sz="1400" dirty="0"/>
+              <a:t>Abschlussübung &amp; Diskussion</a:t>
+            </a:r>
+          </a:p>
+          <a:p>
+            <a:pPr lvl="1">
+              <a:buFont typeface="Arial" panose="020B0604020202020204" pitchFamily="34" charset="0"/>
+              <a:buChar char="•"/>
+            </a:pPr>
+            <a:endParaRPr lang="de-DE" altLang="de-DE" sz="1400" dirty="0"/>
+          </a:p>
+        </p:txBody>
+      </p:sp>
+      <p:sp>
+        <p:nvSpPr>
+          <p:cNvPr id="6147" name="Rectangle 1062">
+            <a:extLst>
+              <a:ext uri="{FF2B5EF4-FFF2-40B4-BE49-F238E27FC236}">
+                <a16:creationId xmlns:a16="http://schemas.microsoft.com/office/drawing/2014/main" id="{C46E9340-3256-8D55-A265-94F2F41E288E}"/>
+              </a:ext>
+            </a:extLst>
+          </p:cNvPr>
+          <p:cNvSpPr>
+            <a:spLocks noGrp="1" noChangeArrowheads="1"/>
+          </p:cNvSpPr>
+          <p:nvPr>
+            <p:ph type="title"/>
+          </p:nvPr>
+        </p:nvSpPr>
+        <p:spPr>
+          <a:xfrm>
+            <a:off x="285750" y="142875"/>
+            <a:ext cx="5654675" cy="706438"/>
+          </a:xfrm>
+        </p:spPr>
+        <p:txBody>
+          <a:bodyPr/>
+          <a:lstStyle/>
+          <a:p>
+            <a:r>
+              <a:rPr lang="de-DE" altLang="de-DE" dirty="0"/>
+              <a:t>Agenda</a:t>
+            </a:r>
+          </a:p>
+        </p:txBody>
+      </p:sp>
+    </p:spTree>
+  </p:cSld>
+  <p:clrMapOvr>
+    <a:masterClrMapping/>
+  </p:clrMapOvr>
+</p:sld>
+</file>
+
+<file path=ppt/slides/slide20.xml><?xml version="1.0" encoding="utf-8"?>
 <p:sld xmlns:a="http://schemas.openxmlformats.org/drawingml/2006/main" xmlns:r="http://schemas.openxmlformats.org/officeDocument/2006/relationships" xmlns:p="http://schemas.openxmlformats.org/presentationml/2006/main">
   <p:cSld>
     <p:spTree>
@@ -25542,397 +27482,7 @@
 </p:sld>
 </file>
 
-<file path=ppt/slides/slide2.xml><?xml version="1.0" encoding="utf-8"?>
-<p:sld xmlns:a="http://schemas.openxmlformats.org/drawingml/2006/main" xmlns:r="http://schemas.openxmlformats.org/officeDocument/2006/relationships" xmlns:p="http://schemas.openxmlformats.org/presentationml/2006/main">
-  <p:cSld>
-    <p:spTree>
-      <p:nvGrpSpPr>
-        <p:cNvPr id="1" name=""/>
-        <p:cNvGrpSpPr/>
-        <p:nvPr/>
-      </p:nvGrpSpPr>
-      <p:grpSpPr>
-        <a:xfrm>
-          <a:off x="0" y="0"/>
-          <a:ext cx="0" cy="0"/>
-          <a:chOff x="0" y="0"/>
-          <a:chExt cx="0" cy="0"/>
-        </a:xfrm>
-      </p:grpSpPr>
-      <p:sp>
-        <p:nvSpPr>
-          <p:cNvPr id="6146" name="Inhaltsplatzhalter 18">
-            <a:extLst>
-              <a:ext uri="{FF2B5EF4-FFF2-40B4-BE49-F238E27FC236}">
-                <a16:creationId xmlns:a16="http://schemas.microsoft.com/office/drawing/2014/main" id="{BE3C4C95-FD5D-27F0-ED0C-AB8113CAC9F1}"/>
-              </a:ext>
-            </a:extLst>
-          </p:cNvPr>
-          <p:cNvSpPr>
-            <a:spLocks noGrp="1"/>
-          </p:cNvSpPr>
-          <p:nvPr>
-            <p:ph idx="1"/>
-          </p:nvPr>
-        </p:nvSpPr>
-        <p:spPr/>
-        <p:txBody>
-          <a:bodyPr/>
-          <a:lstStyle/>
-          <a:p>
-            <a:pPr>
-              <a:buFont typeface="Arial" panose="020B0604020202020204" pitchFamily="34" charset="0"/>
-              <a:buChar char="•"/>
-            </a:pPr>
-            <a:endParaRPr lang="de-DE" altLang="de-DE" sz="1800" b="1" dirty="0"/>
-          </a:p>
-          <a:p>
-            <a:pPr>
-              <a:buFont typeface="Arial" panose="020B0604020202020204" pitchFamily="34" charset="0"/>
-              <a:buChar char="•"/>
-            </a:pPr>
-            <a:r>
-              <a:rPr lang="de-DE" altLang="de-DE" sz="1800" b="1" dirty="0"/>
-              <a:t>Tag 1 – Einführung in </a:t>
-            </a:r>
-            <a:r>
-              <a:rPr lang="de-DE" altLang="de-DE" sz="1800" b="1" dirty="0" err="1"/>
-              <a:t>Git</a:t>
-            </a:r>
-            <a:r>
-              <a:rPr lang="de-DE" altLang="de-DE" sz="1800" b="1" dirty="0"/>
-              <a:t> und </a:t>
-            </a:r>
-            <a:r>
-              <a:rPr lang="de-DE" altLang="de-DE" sz="1800" b="1" dirty="0" err="1"/>
-              <a:t>GitLab</a:t>
-            </a:r>
-            <a:r>
-              <a:rPr lang="de-DE" altLang="de-DE" sz="1800" b="1" dirty="0"/>
-              <a:t>, </a:t>
-            </a:r>
-            <a:r>
-              <a:rPr lang="de-DE" altLang="de-DE" sz="1800" b="1" dirty="0" err="1"/>
-              <a:t>Git</a:t>
-            </a:r>
-            <a:r>
-              <a:rPr lang="de-DE" altLang="de-DE" sz="1800" b="1" dirty="0"/>
-              <a:t>-Workflow im Team</a:t>
-            </a:r>
-          </a:p>
-          <a:p>
-            <a:pPr lvl="1">
-              <a:buFont typeface="Arial" panose="020B0604020202020204" pitchFamily="34" charset="0"/>
-              <a:buChar char="•"/>
-            </a:pPr>
-            <a:r>
-              <a:rPr lang="de-DE" altLang="de-DE" sz="1400" dirty="0"/>
-              <a:t>Einführung &amp; Kursüberblick</a:t>
-            </a:r>
-          </a:p>
-          <a:p>
-            <a:pPr lvl="1">
-              <a:buFont typeface="Arial" panose="020B0604020202020204" pitchFamily="34" charset="0"/>
-              <a:buChar char="•"/>
-            </a:pPr>
-            <a:r>
-              <a:rPr lang="de-DE" altLang="de-DE" sz="1400" dirty="0"/>
-              <a:t>Grundlagen von </a:t>
-            </a:r>
-            <a:r>
-              <a:rPr lang="de-DE" altLang="de-DE" sz="1400" dirty="0" err="1"/>
-              <a:t>Git</a:t>
-            </a:r>
-            <a:r>
-              <a:rPr lang="de-DE" altLang="de-DE" sz="1400" dirty="0"/>
-              <a:t> und </a:t>
-            </a:r>
-            <a:r>
-              <a:rPr lang="de-DE" altLang="de-DE" sz="1400" dirty="0" err="1"/>
-              <a:t>GitLab</a:t>
-            </a:r>
-            <a:endParaRPr lang="de-DE" altLang="de-DE" sz="1400" dirty="0"/>
-          </a:p>
-          <a:p>
-            <a:pPr lvl="1">
-              <a:buFont typeface="Arial" panose="020B0604020202020204" pitchFamily="34" charset="0"/>
-              <a:buChar char="•"/>
-            </a:pPr>
-            <a:r>
-              <a:rPr lang="de-DE" altLang="de-DE" sz="1400" dirty="0" err="1"/>
-              <a:t>Git</a:t>
-            </a:r>
-            <a:r>
-              <a:rPr lang="de-DE" altLang="de-DE" sz="1400" dirty="0"/>
-              <a:t> </a:t>
-            </a:r>
-            <a:r>
-              <a:rPr lang="de-DE" altLang="de-DE" sz="1400" dirty="0" err="1"/>
-              <a:t>Rebase</a:t>
-            </a:r>
-            <a:r>
-              <a:rPr lang="de-DE" altLang="de-DE" sz="1400" dirty="0"/>
-              <a:t> &amp; </a:t>
-            </a:r>
-            <a:r>
-              <a:rPr lang="de-DE" altLang="de-DE" sz="1400" dirty="0" err="1"/>
-              <a:t>Merge</a:t>
-            </a:r>
-            <a:r>
-              <a:rPr lang="de-DE" altLang="de-DE" sz="1400" dirty="0"/>
-              <a:t>-Strategien</a:t>
-            </a:r>
-          </a:p>
-          <a:p>
-            <a:pPr lvl="1">
-              <a:buFont typeface="Arial" panose="020B0604020202020204" pitchFamily="34" charset="0"/>
-              <a:buChar char="•"/>
-            </a:pPr>
-            <a:r>
-              <a:rPr lang="de-DE" altLang="de-DE" sz="1400" dirty="0" err="1"/>
-              <a:t>Git</a:t>
-            </a:r>
-            <a:r>
-              <a:rPr lang="de-DE" altLang="de-DE" sz="1400" dirty="0"/>
-              <a:t>-Workflow im Team</a:t>
-            </a:r>
-          </a:p>
-          <a:p>
-            <a:pPr lvl="1">
-              <a:buFont typeface="Arial" panose="020B0604020202020204" pitchFamily="34" charset="0"/>
-              <a:buChar char="•"/>
-            </a:pPr>
-            <a:endParaRPr lang="de-DE" altLang="de-DE" sz="1400" dirty="0"/>
-          </a:p>
-          <a:p>
-            <a:pPr>
-              <a:buFont typeface="Arial" panose="020B0604020202020204" pitchFamily="34" charset="0"/>
-              <a:buChar char="•"/>
-            </a:pPr>
-            <a:r>
-              <a:rPr lang="de-DE" altLang="de-DE" sz="1800" b="1" dirty="0"/>
-              <a:t>Tag 2 – Vertiefung </a:t>
-            </a:r>
-            <a:r>
-              <a:rPr lang="de-DE" altLang="de-DE" sz="1800" b="1" dirty="0" err="1"/>
-              <a:t>Git</a:t>
-            </a:r>
-            <a:r>
-              <a:rPr lang="de-DE" altLang="de-DE" sz="1800" b="1" dirty="0"/>
-              <a:t>-Workflow, CI/CD &amp; </a:t>
-            </a:r>
-            <a:r>
-              <a:rPr lang="de-DE" altLang="de-DE" sz="1800" b="1" dirty="0" err="1"/>
-              <a:t>GitOps</a:t>
-            </a:r>
-            <a:endParaRPr lang="de-DE" altLang="de-DE" sz="1800" b="1" dirty="0"/>
-          </a:p>
-          <a:p>
-            <a:pPr lvl="1">
-              <a:buFont typeface="Arial" panose="020B0604020202020204" pitchFamily="34" charset="0"/>
-              <a:buChar char="•"/>
-            </a:pPr>
-            <a:r>
-              <a:rPr lang="de-DE" altLang="de-DE" sz="1400" dirty="0" err="1"/>
-              <a:t>Gitflow</a:t>
-            </a:r>
-            <a:r>
-              <a:rPr lang="de-DE" altLang="de-DE" sz="1400" dirty="0"/>
-              <a:t>-Workflow</a:t>
-            </a:r>
-          </a:p>
-          <a:p>
-            <a:pPr lvl="1">
-              <a:buFont typeface="Arial" panose="020B0604020202020204" pitchFamily="34" charset="0"/>
-              <a:buChar char="•"/>
-            </a:pPr>
-            <a:r>
-              <a:rPr lang="de-DE" altLang="de-DE" sz="1400" dirty="0"/>
-              <a:t>Tags, Releases &amp; deren Verwaltung</a:t>
-            </a:r>
-          </a:p>
-          <a:p>
-            <a:pPr lvl="1">
-              <a:buFont typeface="Arial" panose="020B0604020202020204" pitchFamily="34" charset="0"/>
-              <a:buChar char="•"/>
-            </a:pPr>
-            <a:r>
-              <a:rPr lang="de-DE" altLang="de-DE" sz="1400" dirty="0"/>
-              <a:t>Einführung in </a:t>
-            </a:r>
-            <a:r>
-              <a:rPr lang="de-DE" altLang="de-DE" sz="1400" dirty="0" err="1"/>
-              <a:t>GitLab</a:t>
-            </a:r>
-            <a:r>
-              <a:rPr lang="de-DE" altLang="de-DE" sz="1400" dirty="0"/>
-              <a:t> CI/CD &amp; </a:t>
-            </a:r>
-            <a:r>
-              <a:rPr lang="de-DE" altLang="de-DE" sz="1400" dirty="0" err="1"/>
-              <a:t>gitlab.yml</a:t>
-            </a:r>
-            <a:endParaRPr lang="de-DE" altLang="de-DE" sz="1400" dirty="0"/>
-          </a:p>
-          <a:p>
-            <a:pPr lvl="1">
-              <a:buFont typeface="Arial" panose="020B0604020202020204" pitchFamily="34" charset="0"/>
-              <a:buChar char="•"/>
-            </a:pPr>
-            <a:r>
-              <a:rPr lang="de-DE" altLang="de-DE" sz="1400" dirty="0"/>
-              <a:t>Grundlagen von </a:t>
-            </a:r>
-            <a:r>
-              <a:rPr lang="de-DE" altLang="de-DE" sz="1400" dirty="0" err="1"/>
-              <a:t>GitOps</a:t>
-            </a:r>
-            <a:endParaRPr lang="de-DE" altLang="de-DE" sz="1400" dirty="0"/>
-          </a:p>
-          <a:p>
-            <a:pPr lvl="1">
-              <a:buFont typeface="Arial" panose="020B0604020202020204" pitchFamily="34" charset="0"/>
-              <a:buChar char="•"/>
-            </a:pPr>
-            <a:endParaRPr lang="de-DE" altLang="de-DE" sz="1400" dirty="0"/>
-          </a:p>
-          <a:p>
-            <a:pPr>
-              <a:buFont typeface="Arial" panose="020B0604020202020204" pitchFamily="34" charset="0"/>
-              <a:buChar char="•"/>
-            </a:pPr>
-            <a:r>
-              <a:rPr lang="de-DE" altLang="de-DE" sz="1800" b="1" dirty="0"/>
-              <a:t>Tag 3 – Docker in der Entwicklung, </a:t>
-            </a:r>
-            <a:r>
-              <a:rPr lang="de-DE" altLang="de-DE" sz="1800" b="1" dirty="0" err="1"/>
-              <a:t>GitLab</a:t>
-            </a:r>
-            <a:r>
-              <a:rPr lang="de-DE" altLang="de-DE" sz="1800" b="1" dirty="0"/>
-              <a:t> CI und </a:t>
-            </a:r>
-            <a:r>
-              <a:rPr lang="de-DE" altLang="de-DE" sz="1800" b="1" dirty="0" err="1"/>
-              <a:t>Deployment</a:t>
-            </a:r>
-            <a:r>
-              <a:rPr lang="de-DE" altLang="de-DE" sz="1800" b="1" dirty="0"/>
-              <a:t>-Strategien</a:t>
-            </a:r>
-          </a:p>
-          <a:p>
-            <a:pPr lvl="1">
-              <a:buFont typeface="Arial" panose="020B0604020202020204" pitchFamily="34" charset="0"/>
-              <a:buChar char="•"/>
-            </a:pPr>
-            <a:r>
-              <a:rPr lang="de-DE" altLang="de-DE" sz="1400" dirty="0"/>
-              <a:t>Lokale Entwicklung mit Docker</a:t>
-            </a:r>
-          </a:p>
-          <a:p>
-            <a:pPr lvl="1">
-              <a:buFont typeface="Arial" panose="020B0604020202020204" pitchFamily="34" charset="0"/>
-              <a:buChar char="•"/>
-            </a:pPr>
-            <a:r>
-              <a:rPr lang="de-DE" altLang="de-DE" sz="1400" dirty="0" err="1"/>
-              <a:t>GitLab</a:t>
-            </a:r>
-            <a:r>
-              <a:rPr lang="de-DE" altLang="de-DE" sz="1400" dirty="0"/>
-              <a:t>-Runner &amp; Docker-Registry</a:t>
-            </a:r>
-          </a:p>
-          <a:p>
-            <a:pPr lvl="1">
-              <a:buFont typeface="Arial" panose="020B0604020202020204" pitchFamily="34" charset="0"/>
-              <a:buChar char="•"/>
-            </a:pPr>
-            <a:r>
-              <a:rPr lang="de-DE" altLang="de-DE" sz="1400" dirty="0"/>
-              <a:t>Erstellen von Release- und </a:t>
-            </a:r>
-            <a:r>
-              <a:rPr lang="de-DE" altLang="de-DE" sz="1400" dirty="0" err="1"/>
-              <a:t>Tagged</a:t>
-            </a:r>
-            <a:r>
-              <a:rPr lang="de-DE" altLang="de-DE" sz="1400" dirty="0"/>
-              <a:t>-Images</a:t>
-            </a:r>
-          </a:p>
-          <a:p>
-            <a:pPr lvl="1">
-              <a:buFont typeface="Arial" panose="020B0604020202020204" pitchFamily="34" charset="0"/>
-              <a:buChar char="•"/>
-            </a:pPr>
-            <a:r>
-              <a:rPr lang="de-DE" altLang="de-DE" sz="1400" dirty="0"/>
-              <a:t>Möglichkeiten des </a:t>
-            </a:r>
-            <a:r>
-              <a:rPr lang="de-DE" altLang="de-DE" sz="1400" dirty="0" err="1"/>
-              <a:t>Deployments</a:t>
-            </a:r>
-            <a:r>
-              <a:rPr lang="de-DE" altLang="de-DE" sz="1400" dirty="0"/>
-              <a:t> &amp; Verwaltung von Konfiguration</a:t>
-            </a:r>
-          </a:p>
-          <a:p>
-            <a:pPr lvl="1">
-              <a:buFont typeface="Arial" panose="020B0604020202020204" pitchFamily="34" charset="0"/>
-              <a:buChar char="•"/>
-            </a:pPr>
-            <a:endParaRPr lang="de-DE" altLang="de-DE" sz="1400" dirty="0"/>
-          </a:p>
-        </p:txBody>
-      </p:sp>
-      <p:sp>
-        <p:nvSpPr>
-          <p:cNvPr id="6147" name="Rectangle 1062">
-            <a:extLst>
-              <a:ext uri="{FF2B5EF4-FFF2-40B4-BE49-F238E27FC236}">
-                <a16:creationId xmlns:a16="http://schemas.microsoft.com/office/drawing/2014/main" id="{C46E9340-3256-8D55-A265-94F2F41E288E}"/>
-              </a:ext>
-            </a:extLst>
-          </p:cNvPr>
-          <p:cNvSpPr>
-            <a:spLocks noGrp="1" noChangeArrowheads="1"/>
-          </p:cNvSpPr>
-          <p:nvPr>
-            <p:ph type="title"/>
-          </p:nvPr>
-        </p:nvSpPr>
-        <p:spPr>
-          <a:xfrm>
-            <a:off x="285750" y="142875"/>
-            <a:ext cx="5654675" cy="706438"/>
-          </a:xfrm>
-        </p:spPr>
-        <p:txBody>
-          <a:bodyPr/>
-          <a:lstStyle/>
-          <a:p>
-            <a:r>
-              <a:rPr lang="de-DE" altLang="de-DE" dirty="0"/>
-              <a:t>Agenda</a:t>
-            </a:r>
-          </a:p>
-        </p:txBody>
-      </p:sp>
-    </p:spTree>
-  </p:cSld>
-  <p:clrMapOvr>
-    <a:masterClrMapping/>
-  </p:clrMapOvr>
-</p:sld>
-</file>
-
-<file path=ppt/slides/slide20.xml><?xml version="1.0" encoding="utf-8"?>
+<file path=ppt/slides/slide21.xml><?xml version="1.0" encoding="utf-8"?>
 <p:sld xmlns:a="http://schemas.openxmlformats.org/drawingml/2006/main" xmlns:r="http://schemas.openxmlformats.org/officeDocument/2006/relationships" xmlns:p="http://schemas.openxmlformats.org/presentationml/2006/main">
   <p:cSld>
     <p:spTree>
@@ -28852,7 +30402,7 @@
 </p:sld>
 </file>
 
-<file path=ppt/slides/slide21.xml><?xml version="1.0" encoding="utf-8"?>
+<file path=ppt/slides/slide22.xml><?xml version="1.0" encoding="utf-8"?>
 <p:sld xmlns:a="http://schemas.openxmlformats.org/drawingml/2006/main" xmlns:r="http://schemas.openxmlformats.org/officeDocument/2006/relationships" xmlns:p="http://schemas.openxmlformats.org/presentationml/2006/main">
   <p:cSld>
     <p:spTree>
@@ -31956,7 +33506,7 @@
 </p:sld>
 </file>
 
-<file path=ppt/slides/slide22.xml><?xml version="1.0" encoding="utf-8"?>
+<file path=ppt/slides/slide23.xml><?xml version="1.0" encoding="utf-8"?>
 <p:sld xmlns:a="http://schemas.openxmlformats.org/drawingml/2006/main" xmlns:r="http://schemas.openxmlformats.org/officeDocument/2006/relationships" xmlns:p="http://schemas.openxmlformats.org/presentationml/2006/main">
   <p:cSld>
     <p:spTree>
@@ -35269,7 +36819,7 @@
 </p:sld>
 </file>
 
-<file path=ppt/slides/slide23.xml><?xml version="1.0" encoding="utf-8"?>
+<file path=ppt/slides/slide24.xml><?xml version="1.0" encoding="utf-8"?>
 <p:sld xmlns:a="http://schemas.openxmlformats.org/drawingml/2006/main" xmlns:r="http://schemas.openxmlformats.org/officeDocument/2006/relationships" xmlns:p="http://schemas.openxmlformats.org/presentationml/2006/main">
   <p:cSld>
     <p:spTree>
@@ -35471,7 +37021,7 @@
 </p:sld>
 </file>
 
-<file path=ppt/slides/slide24.xml><?xml version="1.0" encoding="utf-8"?>
+<file path=ppt/slides/slide25.xml><?xml version="1.0" encoding="utf-8"?>
 <p:sld xmlns:a="http://schemas.openxmlformats.org/drawingml/2006/main" xmlns:r="http://schemas.openxmlformats.org/officeDocument/2006/relationships" xmlns:p="http://schemas.openxmlformats.org/presentationml/2006/main">
   <p:cSld>
     <p:spTree>
@@ -35551,7 +37101,7 @@
 </p:sld>
 </file>
 
-<file path=ppt/slides/slide25.xml><?xml version="1.0" encoding="utf-8"?>
+<file path=ppt/slides/slide26.xml><?xml version="1.0" encoding="utf-8"?>
 <p:sld xmlns:a="http://schemas.openxmlformats.org/drawingml/2006/main" xmlns:r="http://schemas.openxmlformats.org/officeDocument/2006/relationships" xmlns:p="http://schemas.openxmlformats.org/presentationml/2006/main">
   <p:cSld>
     <p:spTree>
@@ -35782,12 +37332,18 @@
       </p:grpSpPr>
       <p:sp>
         <p:nvSpPr>
-          <p:cNvPr id="2" name="Titel 1"/>
+          <p:cNvPr id="6146" name="Inhaltsplatzhalter 18">
+            <a:extLst>
+              <a:ext uri="{FF2B5EF4-FFF2-40B4-BE49-F238E27FC236}">
+                <a16:creationId xmlns:a16="http://schemas.microsoft.com/office/drawing/2014/main" id="{BE3C4C95-FD5D-27F0-ED0C-AB8113CAC9F1}"/>
+              </a:ext>
+            </a:extLst>
+          </p:cNvPr>
           <p:cNvSpPr>
             <a:spLocks noGrp="1"/>
           </p:cNvSpPr>
           <p:nvPr>
-            <p:ph type="title"/>
+            <p:ph idx="1"/>
           </p:nvPr>
         </p:nvSpPr>
         <p:spPr/>
@@ -35795,42 +37351,373 @@
           <a:bodyPr/>
           <a:lstStyle/>
           <a:p>
-            <a:r>
-              <a:rPr lang="de-DE" cap="none" dirty="0"/>
-              <a:t>Workflows</a:t>
-            </a:r>
+            <a:pPr>
+              <a:buFont typeface="Arial" panose="020B0604020202020204" pitchFamily="34" charset="0"/>
+              <a:buChar char="•"/>
+            </a:pPr>
+            <a:r>
+              <a:rPr lang="de-DE" altLang="de-DE" sz="1800" b="1" dirty="0"/>
+              <a:t>Tag 1 – Einführung in </a:t>
+            </a:r>
+            <a:r>
+              <a:rPr lang="de-DE" altLang="de-DE" sz="1800" b="1" dirty="0" err="1"/>
+              <a:t>Git</a:t>
+            </a:r>
+            <a:r>
+              <a:rPr lang="de-DE" altLang="de-DE" sz="1800" b="1" dirty="0"/>
+              <a:t> und </a:t>
+            </a:r>
+            <a:r>
+              <a:rPr lang="de-DE" altLang="de-DE" sz="1800" b="1" dirty="0" err="1"/>
+              <a:t>GitLab</a:t>
+            </a:r>
+            <a:r>
+              <a:rPr lang="de-DE" altLang="de-DE" sz="1800" b="1" dirty="0"/>
+              <a:t>, </a:t>
+            </a:r>
+            <a:r>
+              <a:rPr lang="de-DE" altLang="de-DE" sz="1800" b="1" dirty="0" err="1"/>
+              <a:t>Git</a:t>
+            </a:r>
+            <a:r>
+              <a:rPr lang="de-DE" altLang="de-DE" sz="1800" b="1" dirty="0"/>
+              <a:t>-Workflow im Team</a:t>
+            </a:r>
+          </a:p>
+          <a:p>
+            <a:pPr lvl="1">
+              <a:buFont typeface="Arial" panose="020B0604020202020204" pitchFamily="34" charset="0"/>
+              <a:buChar char="•"/>
+            </a:pPr>
+            <a:r>
+              <a:rPr lang="de-DE" altLang="de-DE" sz="1400" dirty="0"/>
+              <a:t>Einführung &amp; Kursüberblick</a:t>
+            </a:r>
+          </a:p>
+          <a:p>
+            <a:pPr lvl="1">
+              <a:buFont typeface="Arial" panose="020B0604020202020204" pitchFamily="34" charset="0"/>
+              <a:buChar char="•"/>
+            </a:pPr>
+            <a:r>
+              <a:rPr lang="de-DE" altLang="de-DE" sz="1400" dirty="0"/>
+              <a:t>Grundlagen von </a:t>
+            </a:r>
+            <a:r>
+              <a:rPr lang="de-DE" altLang="de-DE" sz="1400" dirty="0" err="1"/>
+              <a:t>Git</a:t>
+            </a:r>
+            <a:endParaRPr lang="de-DE" altLang="de-DE" sz="1400" dirty="0"/>
+          </a:p>
+          <a:p>
+            <a:pPr lvl="1">
+              <a:buFont typeface="Arial" panose="020B0604020202020204" pitchFamily="34" charset="0"/>
+              <a:buChar char="•"/>
+            </a:pPr>
+            <a:r>
+              <a:rPr lang="de-DE" altLang="de-DE" sz="1400" dirty="0" err="1"/>
+              <a:t>Git</a:t>
+            </a:r>
+            <a:r>
+              <a:rPr lang="de-DE" altLang="de-DE" sz="1400" dirty="0"/>
+              <a:t> </a:t>
+            </a:r>
+            <a:r>
+              <a:rPr lang="de-DE" altLang="de-DE" sz="1400" dirty="0" err="1"/>
+              <a:t>Rebase</a:t>
+            </a:r>
+            <a:r>
+              <a:rPr lang="de-DE" altLang="de-DE" sz="1400" dirty="0"/>
+              <a:t> und </a:t>
+            </a:r>
+            <a:r>
+              <a:rPr lang="de-DE" altLang="de-DE" sz="1400" dirty="0" err="1"/>
+              <a:t>Merge</a:t>
+            </a:r>
+            <a:r>
+              <a:rPr lang="de-DE" altLang="de-DE" sz="1400" dirty="0"/>
+              <a:t>-Strategien</a:t>
+            </a:r>
+          </a:p>
+          <a:p>
+            <a:pPr lvl="1">
+              <a:buFont typeface="Arial" panose="020B0604020202020204" pitchFamily="34" charset="0"/>
+              <a:buChar char="•"/>
+            </a:pPr>
+            <a:r>
+              <a:rPr lang="de-DE" altLang="de-DE" sz="1400" dirty="0" err="1"/>
+              <a:t>Git</a:t>
+            </a:r>
+            <a:r>
+              <a:rPr lang="de-DE" altLang="de-DE" sz="1400" dirty="0"/>
+              <a:t> Remote</a:t>
+            </a:r>
+          </a:p>
+          <a:p>
+            <a:pPr lvl="1">
+              <a:buFont typeface="Arial" panose="020B0604020202020204" pitchFamily="34" charset="0"/>
+              <a:buChar char="•"/>
+            </a:pPr>
+            <a:r>
+              <a:rPr lang="de-DE" altLang="de-DE" sz="1400" dirty="0"/>
+              <a:t>Grundlagen von </a:t>
+            </a:r>
+            <a:r>
+              <a:rPr lang="de-DE" altLang="de-DE" sz="1400" dirty="0" err="1"/>
+              <a:t>GitLab</a:t>
+            </a:r>
+            <a:endParaRPr lang="de-DE" altLang="de-DE" sz="1400" dirty="0"/>
+          </a:p>
+          <a:p>
+            <a:pPr lvl="1">
+              <a:buFont typeface="Arial" panose="020B0604020202020204" pitchFamily="34" charset="0"/>
+              <a:buChar char="•"/>
+            </a:pPr>
+            <a:r>
+              <a:rPr lang="de-DE" altLang="de-DE" sz="1400" u="sng" dirty="0" err="1"/>
+              <a:t>Git</a:t>
+            </a:r>
+            <a:r>
+              <a:rPr lang="de-DE" altLang="de-DE" sz="1400" u="sng" dirty="0"/>
+              <a:t>-Workflow im Team</a:t>
+            </a:r>
+          </a:p>
+          <a:p>
+            <a:pPr>
+              <a:buFont typeface="Arial" panose="020B0604020202020204" pitchFamily="34" charset="0"/>
+              <a:buChar char="•"/>
+            </a:pPr>
+            <a:r>
+              <a:rPr lang="de-DE" altLang="de-DE" sz="1800" b="1" dirty="0"/>
+              <a:t>Tag 2 – Vertiefung </a:t>
+            </a:r>
+            <a:r>
+              <a:rPr lang="de-DE" altLang="de-DE" sz="1800" b="1" dirty="0" err="1"/>
+              <a:t>Git</a:t>
+            </a:r>
+            <a:r>
+              <a:rPr lang="de-DE" altLang="de-DE" sz="1800" b="1" dirty="0"/>
+              <a:t>-Workflow, CI/CD &amp; </a:t>
+            </a:r>
+            <a:r>
+              <a:rPr lang="de-DE" altLang="de-DE" sz="1800" b="1" dirty="0" err="1"/>
+              <a:t>GitLab</a:t>
+            </a:r>
+            <a:r>
+              <a:rPr lang="de-DE" altLang="de-DE" sz="1800" b="1" dirty="0"/>
+              <a:t> CI </a:t>
+            </a:r>
+          </a:p>
+          <a:p>
+            <a:pPr lvl="1">
+              <a:buFont typeface="Arial" panose="020B0604020202020204" pitchFamily="34" charset="0"/>
+              <a:buChar char="•"/>
+            </a:pPr>
+            <a:r>
+              <a:rPr lang="de-DE" altLang="de-DE" sz="1400" dirty="0" err="1"/>
+              <a:t>Gitflow</a:t>
+            </a:r>
+            <a:r>
+              <a:rPr lang="de-DE" altLang="de-DE" sz="1400" dirty="0"/>
+              <a:t>-Workflow</a:t>
+            </a:r>
+          </a:p>
+          <a:p>
+            <a:pPr lvl="1">
+              <a:buFont typeface="Arial" panose="020B0604020202020204" pitchFamily="34" charset="0"/>
+              <a:buChar char="•"/>
+            </a:pPr>
+            <a:r>
+              <a:rPr lang="de-DE" altLang="de-DE" sz="1400" dirty="0"/>
+              <a:t>Tags, Releases &amp; deren Verwaltung</a:t>
+            </a:r>
+          </a:p>
+          <a:p>
+            <a:pPr lvl="1">
+              <a:buFont typeface="Arial" panose="020B0604020202020204" pitchFamily="34" charset="0"/>
+              <a:buChar char="•"/>
+            </a:pPr>
+            <a:r>
+              <a:rPr lang="de-DE" altLang="de-DE" sz="1400" dirty="0" err="1"/>
+              <a:t>GitLab</a:t>
+            </a:r>
+            <a:r>
+              <a:rPr lang="de-DE" altLang="de-DE" sz="1400" dirty="0"/>
+              <a:t>-Runner</a:t>
+            </a:r>
+          </a:p>
+          <a:p>
+            <a:pPr lvl="1">
+              <a:buFont typeface="Arial" panose="020B0604020202020204" pitchFamily="34" charset="0"/>
+              <a:buChar char="•"/>
+            </a:pPr>
+            <a:r>
+              <a:rPr lang="de-DE" altLang="de-DE" sz="1400" dirty="0"/>
+              <a:t>Einführung in </a:t>
+            </a:r>
+            <a:r>
+              <a:rPr lang="de-DE" altLang="de-DE" sz="1400" dirty="0" err="1"/>
+              <a:t>GitLab</a:t>
+            </a:r>
+            <a:r>
+              <a:rPr lang="de-DE" altLang="de-DE" sz="1400" dirty="0"/>
+              <a:t> CI/CD &amp; </a:t>
+            </a:r>
+            <a:r>
+              <a:rPr lang="de-DE" altLang="de-DE" sz="1400" dirty="0" err="1"/>
+              <a:t>gitlab.yml</a:t>
+            </a:r>
+            <a:endParaRPr lang="de-DE" altLang="de-DE" sz="1400" dirty="0"/>
+          </a:p>
+          <a:p>
+            <a:pPr>
+              <a:buFont typeface="Arial" panose="020B0604020202020204" pitchFamily="34" charset="0"/>
+              <a:buChar char="•"/>
+            </a:pPr>
+            <a:r>
+              <a:rPr lang="de-DE" altLang="de-DE" sz="1800" b="1" dirty="0"/>
+              <a:t>Tag 3 – </a:t>
+            </a:r>
+            <a:r>
+              <a:rPr lang="de-DE" altLang="de-DE" sz="1800" b="1" dirty="0" err="1"/>
+              <a:t>GitOps</a:t>
+            </a:r>
+            <a:r>
+              <a:rPr lang="de-DE" altLang="de-DE" sz="1800" b="1" dirty="0"/>
+              <a:t>, Docker in der Entwicklung und </a:t>
+            </a:r>
+            <a:r>
+              <a:rPr lang="de-DE" altLang="de-DE" sz="1800" b="1" dirty="0" err="1"/>
+              <a:t>Deployment</a:t>
+            </a:r>
+            <a:r>
+              <a:rPr lang="de-DE" altLang="de-DE" sz="1800" b="1" dirty="0"/>
+              <a:t>-Strategien</a:t>
+            </a:r>
+          </a:p>
+          <a:p>
+            <a:pPr lvl="1">
+              <a:buFont typeface="Arial" panose="020B0604020202020204" pitchFamily="34" charset="0"/>
+              <a:buChar char="•"/>
+            </a:pPr>
+            <a:r>
+              <a:rPr lang="de-DE" altLang="de-DE" sz="1400" dirty="0" err="1"/>
+              <a:t>GitOps</a:t>
+            </a:r>
+            <a:r>
+              <a:rPr lang="de-DE" altLang="de-DE" sz="1400" dirty="0"/>
+              <a:t> Grundlagen</a:t>
+            </a:r>
+          </a:p>
+          <a:p>
+            <a:pPr lvl="1">
+              <a:buFont typeface="Arial" panose="020B0604020202020204" pitchFamily="34" charset="0"/>
+              <a:buChar char="•"/>
+            </a:pPr>
+            <a:r>
+              <a:rPr lang="de-DE" altLang="de-DE" sz="1400" dirty="0"/>
+              <a:t>Lokale Entwicklung mit Docker</a:t>
+            </a:r>
+          </a:p>
+          <a:p>
+            <a:pPr lvl="1">
+              <a:buFont typeface="Arial" panose="020B0604020202020204" pitchFamily="34" charset="0"/>
+              <a:buChar char="•"/>
+            </a:pPr>
+            <a:r>
+              <a:rPr lang="de-DE" altLang="de-DE" sz="1400" dirty="0"/>
+              <a:t>Container/Docker-Registry</a:t>
+            </a:r>
+          </a:p>
+          <a:p>
+            <a:pPr lvl="1">
+              <a:buFont typeface="Arial" panose="020B0604020202020204" pitchFamily="34" charset="0"/>
+              <a:buChar char="•"/>
+            </a:pPr>
+            <a:r>
+              <a:rPr lang="de-DE" altLang="de-DE" sz="1400" dirty="0"/>
+              <a:t>Erstellen von Release- und </a:t>
+            </a:r>
+            <a:r>
+              <a:rPr lang="de-DE" altLang="de-DE" sz="1400" dirty="0" err="1"/>
+              <a:t>Tagged</a:t>
+            </a:r>
+            <a:r>
+              <a:rPr lang="de-DE" altLang="de-DE" sz="1400" dirty="0"/>
+              <a:t>-Images</a:t>
+            </a:r>
+          </a:p>
+          <a:p>
+            <a:pPr lvl="1">
+              <a:buFont typeface="Arial" panose="020B0604020202020204" pitchFamily="34" charset="0"/>
+              <a:buChar char="•"/>
+            </a:pPr>
+            <a:r>
+              <a:rPr lang="de-DE" altLang="de-DE" sz="1400" dirty="0"/>
+              <a:t>Möglichkeiten des </a:t>
+            </a:r>
+            <a:r>
+              <a:rPr lang="de-DE" altLang="de-DE" sz="1400" dirty="0" err="1"/>
+              <a:t>Deployments</a:t>
+            </a:r>
+            <a:r>
+              <a:rPr lang="de-DE" altLang="de-DE" sz="1400" dirty="0"/>
+              <a:t> &amp; Verwaltung von Konfiguration</a:t>
+            </a:r>
+          </a:p>
+          <a:p>
+            <a:pPr lvl="1">
+              <a:buFont typeface="Arial" panose="020B0604020202020204" pitchFamily="34" charset="0"/>
+              <a:buChar char="•"/>
+            </a:pPr>
+            <a:r>
+              <a:rPr lang="de-DE" altLang="de-DE" sz="1400" dirty="0"/>
+              <a:t>Abschlussübung &amp; Diskussion</a:t>
+            </a:r>
+          </a:p>
+          <a:p>
+            <a:pPr lvl="1">
+              <a:buFont typeface="Arial" panose="020B0604020202020204" pitchFamily="34" charset="0"/>
+              <a:buChar char="•"/>
+            </a:pPr>
+            <a:endParaRPr lang="de-DE" altLang="de-DE" sz="1400" dirty="0"/>
           </a:p>
         </p:txBody>
       </p:sp>
       <p:sp>
         <p:nvSpPr>
-          <p:cNvPr id="3" name="Untertitel 2"/>
+          <p:cNvPr id="6147" name="Rectangle 1062">
+            <a:extLst>
+              <a:ext uri="{FF2B5EF4-FFF2-40B4-BE49-F238E27FC236}">
+                <a16:creationId xmlns:a16="http://schemas.microsoft.com/office/drawing/2014/main" id="{C46E9340-3256-8D55-A265-94F2F41E288E}"/>
+              </a:ext>
+            </a:extLst>
+          </p:cNvPr>
           <p:cNvSpPr>
-            <a:spLocks noGrp="1"/>
+            <a:spLocks noGrp="1" noChangeArrowheads="1"/>
           </p:cNvSpPr>
           <p:nvPr>
-            <p:ph type="body" idx="1"/>
+            <p:ph type="title"/>
           </p:nvPr>
         </p:nvSpPr>
-        <p:spPr/>
+        <p:spPr>
+          <a:xfrm>
+            <a:off x="285750" y="142875"/>
+            <a:ext cx="5654675" cy="706438"/>
+          </a:xfrm>
+        </p:spPr>
         <p:txBody>
           <a:bodyPr/>
           <a:lstStyle/>
           <a:p>
             <a:r>
-              <a:rPr lang="de-DE" dirty="0" err="1"/>
-              <a:t>Git</a:t>
-            </a:r>
-            <a:endParaRPr lang="de-DE" dirty="0"/>
+              <a:rPr lang="de-DE" altLang="de-DE" dirty="0"/>
+              <a:t>Agenda</a:t>
+            </a:r>
           </a:p>
         </p:txBody>
       </p:sp>
     </p:spTree>
-    <p:extLst>
-      <p:ext uri="{BB962C8B-B14F-4D97-AF65-F5344CB8AC3E}">
-        <p14:creationId xmlns:p14="http://schemas.microsoft.com/office/powerpoint/2010/main" val="3092047359"/>
-      </p:ext>
-    </p:extLst>
   </p:cSld>
   <p:clrMapOvr>
     <a:masterClrMapping/>
@@ -35857,179 +37744,55 @@
       </p:grpSpPr>
       <p:sp>
         <p:nvSpPr>
-          <p:cNvPr id="5123" name="Rectangle 6">
-            <a:extLst>
-              <a:ext uri="{FF2B5EF4-FFF2-40B4-BE49-F238E27FC236}">
-                <a16:creationId xmlns:a16="http://schemas.microsoft.com/office/drawing/2014/main" id="{BC4BC2CC-AA18-345B-63ED-7D24CA6BD3B5}"/>
-              </a:ext>
-            </a:extLst>
-          </p:cNvPr>
+          <p:cNvPr id="2" name="Titel 1"/>
           <p:cNvSpPr>
-            <a:spLocks noGrp="1" noChangeArrowheads="1"/>
+            <a:spLocks noGrp="1"/>
           </p:cNvSpPr>
           <p:nvPr>
             <p:ph type="title"/>
           </p:nvPr>
         </p:nvSpPr>
-        <p:spPr>
-          <a:xfrm>
-            <a:off x="303214" y="188640"/>
-            <a:ext cx="5194920" cy="706437"/>
-          </a:xfrm>
-        </p:spPr>
+        <p:spPr/>
         <p:txBody>
           <a:bodyPr/>
           <a:lstStyle/>
           <a:p>
             <a:r>
-              <a:rPr lang="de-DE" altLang="de-DE" sz="3200" dirty="0" err="1"/>
-              <a:t>Git</a:t>
-            </a:r>
-            <a:r>
-              <a:rPr lang="de-DE" altLang="de-DE" sz="3200" dirty="0"/>
-              <a:t>-Workflow</a:t>
-            </a:r>
-            <a:endParaRPr lang="de-DE" altLang="de-DE" dirty="0"/>
+              <a:rPr lang="de-DE" cap="none" dirty="0"/>
+              <a:t>Workflows</a:t>
+            </a:r>
           </a:p>
         </p:txBody>
       </p:sp>
       <p:sp>
         <p:nvSpPr>
-          <p:cNvPr id="3" name="Inhaltsplatzhalter 18">
-            <a:extLst>
-              <a:ext uri="{FF2B5EF4-FFF2-40B4-BE49-F238E27FC236}">
-                <a16:creationId xmlns:a16="http://schemas.microsoft.com/office/drawing/2014/main" id="{722A59E8-4DC4-18C6-04BE-E59EF5F3246C}"/>
-              </a:ext>
-            </a:extLst>
-          </p:cNvPr>
+          <p:cNvPr id="3" name="Untertitel 2"/>
           <p:cNvSpPr>
             <a:spLocks noGrp="1"/>
           </p:cNvSpPr>
           <p:nvPr>
-            <p:ph idx="1"/>
+            <p:ph type="body" idx="1"/>
           </p:nvPr>
         </p:nvSpPr>
-        <p:spPr>
-          <a:xfrm>
-            <a:off x="303214" y="981075"/>
-            <a:ext cx="8517258" cy="5400675"/>
-          </a:xfrm>
-        </p:spPr>
+        <p:spPr/>
         <p:txBody>
           <a:bodyPr/>
           <a:lstStyle/>
           <a:p>
-            <a:pPr marL="0" indent="0">
-              <a:spcBef>
-                <a:spcPts val="300"/>
-              </a:spcBef>
-              <a:buNone/>
-            </a:pPr>
-            <a:r>
-              <a:rPr lang="de-DE" altLang="de-DE" b="1" dirty="0"/>
-              <a:t>Agenda</a:t>
-            </a:r>
-          </a:p>
-          <a:p>
-            <a:pPr>
-              <a:spcBef>
-                <a:spcPts val="300"/>
-              </a:spcBef>
-            </a:pPr>
-            <a:r>
-              <a:rPr lang="de-DE" altLang="de-DE" dirty="0"/>
-              <a:t>Was sind </a:t>
-            </a:r>
-            <a:r>
-              <a:rPr lang="de-DE" altLang="de-DE" dirty="0" err="1"/>
+            <a:r>
+              <a:rPr lang="de-DE" dirty="0" err="1"/>
               <a:t>Git</a:t>
             </a:r>
-            <a:r>
-              <a:rPr lang="de-DE" altLang="de-DE" dirty="0"/>
-              <a:t>-Workflows? </a:t>
-            </a:r>
-          </a:p>
-          <a:p>
-            <a:pPr>
-              <a:spcBef>
-                <a:spcPts val="300"/>
-              </a:spcBef>
-            </a:pPr>
-            <a:r>
-              <a:rPr lang="de-DE" altLang="de-DE" dirty="0"/>
-              <a:t>Zentraler </a:t>
-            </a:r>
-            <a:r>
-              <a:rPr lang="de-DE" altLang="de-DE" dirty="0" err="1"/>
-              <a:t>Git</a:t>
-            </a:r>
-            <a:r>
-              <a:rPr lang="de-DE" altLang="de-DE" dirty="0"/>
-              <a:t>-Workflow</a:t>
-            </a:r>
-          </a:p>
-          <a:p>
-            <a:pPr lvl="1">
-              <a:spcBef>
-                <a:spcPts val="300"/>
-              </a:spcBef>
-            </a:pPr>
-            <a:r>
-              <a:rPr lang="de-DE" altLang="de-DE" dirty="0"/>
-              <a:t>Konzept</a:t>
-            </a:r>
-          </a:p>
-          <a:p>
-            <a:pPr lvl="1">
-              <a:spcBef>
-                <a:spcPts val="300"/>
-              </a:spcBef>
-            </a:pPr>
-            <a:r>
-              <a:rPr lang="de-DE" altLang="de-DE" dirty="0"/>
-              <a:t>Ablauf</a:t>
-            </a:r>
-          </a:p>
-          <a:p>
-            <a:pPr>
-              <a:spcBef>
-                <a:spcPts val="300"/>
-              </a:spcBef>
-            </a:pPr>
-            <a:r>
-              <a:rPr lang="de-DE" altLang="de-DE" dirty="0"/>
-              <a:t>Andere </a:t>
-            </a:r>
-            <a:r>
-              <a:rPr lang="de-DE" altLang="de-DE" dirty="0" err="1"/>
-              <a:t>Git</a:t>
-            </a:r>
-            <a:r>
-              <a:rPr lang="de-DE" altLang="de-DE" dirty="0"/>
-              <a:t>-Workflows</a:t>
-            </a:r>
-          </a:p>
-          <a:p>
-            <a:pPr>
-              <a:spcBef>
-                <a:spcPts val="300"/>
-              </a:spcBef>
-            </a:pPr>
-            <a:endParaRPr lang="de-DE" altLang="de-DE" dirty="0"/>
-          </a:p>
-          <a:p>
-            <a:pPr lvl="1"/>
-            <a:endParaRPr lang="de-DE" altLang="de-DE" dirty="0"/>
-          </a:p>
-          <a:p>
-            <a:pPr marL="0" indent="0">
-              <a:buNone/>
-            </a:pPr>
-            <a:endParaRPr lang="de-DE" altLang="de-DE" dirty="0"/>
+            <a:endParaRPr lang="de-DE" dirty="0"/>
           </a:p>
         </p:txBody>
       </p:sp>
     </p:spTree>
+    <p:extLst>
+      <p:ext uri="{BB962C8B-B14F-4D97-AF65-F5344CB8AC3E}">
+        <p14:creationId xmlns:p14="http://schemas.microsoft.com/office/powerpoint/2010/main" val="3092047359"/>
+      </p:ext>
+    </p:extLst>
   </p:cSld>
   <p:clrMapOvr>
     <a:masterClrMapping/>
@@ -36056,10 +37819,48 @@
       </p:grpSpPr>
       <p:sp>
         <p:nvSpPr>
-          <p:cNvPr id="6146" name="Inhaltsplatzhalter 18">
-            <a:extLst>
-              <a:ext uri="{FF2B5EF4-FFF2-40B4-BE49-F238E27FC236}">
-                <a16:creationId xmlns:a16="http://schemas.microsoft.com/office/drawing/2014/main" id="{BE3C4C95-FD5D-27F0-ED0C-AB8113CAC9F1}"/>
+          <p:cNvPr id="5123" name="Rectangle 6">
+            <a:extLst>
+              <a:ext uri="{FF2B5EF4-FFF2-40B4-BE49-F238E27FC236}">
+                <a16:creationId xmlns:a16="http://schemas.microsoft.com/office/drawing/2014/main" id="{BC4BC2CC-AA18-345B-63ED-7D24CA6BD3B5}"/>
+              </a:ext>
+            </a:extLst>
+          </p:cNvPr>
+          <p:cNvSpPr>
+            <a:spLocks noGrp="1" noChangeArrowheads="1"/>
+          </p:cNvSpPr>
+          <p:nvPr>
+            <p:ph type="title"/>
+          </p:nvPr>
+        </p:nvSpPr>
+        <p:spPr>
+          <a:xfrm>
+            <a:off x="303214" y="188640"/>
+            <a:ext cx="5194920" cy="706437"/>
+          </a:xfrm>
+        </p:spPr>
+        <p:txBody>
+          <a:bodyPr/>
+          <a:lstStyle/>
+          <a:p>
+            <a:r>
+              <a:rPr lang="de-DE" altLang="de-DE" sz="3200" dirty="0" err="1"/>
+              <a:t>Git</a:t>
+            </a:r>
+            <a:r>
+              <a:rPr lang="de-DE" altLang="de-DE" sz="3200" dirty="0"/>
+              <a:t>-Workflow</a:t>
+            </a:r>
+            <a:endParaRPr lang="de-DE" altLang="de-DE" dirty="0"/>
+          </a:p>
+        </p:txBody>
+      </p:sp>
+      <p:sp>
+        <p:nvSpPr>
+          <p:cNvPr id="3" name="Inhaltsplatzhalter 18">
+            <a:extLst>
+              <a:ext uri="{FF2B5EF4-FFF2-40B4-BE49-F238E27FC236}">
+                <a16:creationId xmlns:a16="http://schemas.microsoft.com/office/drawing/2014/main" id="{722A59E8-4DC4-18C6-04BE-E59EF5F3246C}"/>
               </a:ext>
             </a:extLst>
           </p:cNvPr>
@@ -36081,31 +37882,25 @@
           <a:lstStyle/>
           <a:p>
             <a:pPr marL="0" indent="0">
+              <a:spcBef>
+                <a:spcPts val="300"/>
+              </a:spcBef>
               <a:buNone/>
             </a:pPr>
             <a:r>
               <a:rPr lang="de-DE" altLang="de-DE" b="1" dirty="0"/>
+              <a:t>Inhalt</a:t>
+            </a:r>
+          </a:p>
+          <a:p>
+            <a:pPr>
+              <a:spcBef>
+                <a:spcPts val="300"/>
+              </a:spcBef>
+            </a:pPr>
+            <a:r>
+              <a:rPr lang="de-DE" altLang="de-DE" dirty="0"/>
               <a:t>Was sind </a:t>
-            </a:r>
-            <a:r>
-              <a:rPr lang="de-DE" altLang="de-DE" b="1" dirty="0" err="1"/>
-              <a:t>Git</a:t>
-            </a:r>
-            <a:r>
-              <a:rPr lang="de-DE" altLang="de-DE" b="1" dirty="0"/>
-              <a:t>-Workflows?</a:t>
-            </a:r>
-          </a:p>
-          <a:p>
-            <a:r>
-              <a:rPr lang="de-DE" altLang="de-DE" dirty="0"/>
-              <a:t>Workflows sind Empfehlungen &amp; Strategien im Remote-Kontext</a:t>
-            </a:r>
-          </a:p>
-          <a:p>
-            <a:r>
-              <a:rPr lang="de-DE" altLang="de-DE" dirty="0"/>
-              <a:t>Sorgen im Team für konsistente und effektive Nutzung von </a:t>
             </a:r>
             <a:r>
               <a:rPr lang="de-DE" altLang="de-DE" dirty="0" err="1"/>
@@ -36113,26 +37908,80 @@
             </a:r>
             <a:r>
               <a:rPr lang="de-DE" altLang="de-DE" dirty="0"/>
-              <a:t> &amp; </a:t>
+              <a:t>-Workflows? </a:t>
+            </a:r>
+          </a:p>
+          <a:p>
+            <a:pPr>
+              <a:spcBef>
+                <a:spcPts val="300"/>
+              </a:spcBef>
+            </a:pPr>
+            <a:r>
+              <a:rPr lang="de-DE" altLang="de-DE" dirty="0"/>
+              <a:t>Zentraler </a:t>
             </a:r>
             <a:r>
               <a:rPr lang="de-DE" altLang="de-DE" dirty="0" err="1"/>
-              <a:t>GitLab</a:t>
-            </a:r>
+              <a:t>Git</a:t>
+            </a:r>
+            <a:r>
+              <a:rPr lang="de-DE" altLang="de-DE" dirty="0"/>
+              <a:t>-Workflow</a:t>
+            </a:r>
+          </a:p>
+          <a:p>
+            <a:pPr lvl="1">
+              <a:spcBef>
+                <a:spcPts val="300"/>
+              </a:spcBef>
+            </a:pPr>
+            <a:r>
+              <a:rPr lang="de-DE" altLang="de-DE" dirty="0"/>
+              <a:t>Konzept</a:t>
+            </a:r>
+          </a:p>
+          <a:p>
+            <a:pPr lvl="1">
+              <a:spcBef>
+                <a:spcPts val="300"/>
+              </a:spcBef>
+            </a:pPr>
+            <a:r>
+              <a:rPr lang="de-DE" altLang="de-DE" dirty="0"/>
+              <a:t>Ablauf</a:t>
+            </a:r>
+          </a:p>
+          <a:p>
+            <a:pPr>
+              <a:spcBef>
+                <a:spcPts val="300"/>
+              </a:spcBef>
+            </a:pPr>
+            <a:r>
+              <a:rPr lang="de-DE" altLang="de-DE" dirty="0"/>
+              <a:t>Andere </a:t>
+            </a:r>
+            <a:r>
+              <a:rPr lang="de-DE" altLang="de-DE" dirty="0" err="1"/>
+              <a:t>Git</a:t>
+            </a:r>
+            <a:r>
+              <a:rPr lang="de-DE" altLang="de-DE" dirty="0"/>
+              <a:t>-Workflows</a:t>
+            </a:r>
+          </a:p>
+          <a:p>
+            <a:pPr>
+              <a:spcBef>
+                <a:spcPts val="300"/>
+              </a:spcBef>
+            </a:pPr>
             <a:endParaRPr lang="de-DE" altLang="de-DE" dirty="0"/>
           </a:p>
           <a:p>
-            <a:r>
-              <a:rPr lang="de-DE" altLang="de-DE" dirty="0"/>
-              <a:t>Workflows = Empfehlungen</a:t>
-            </a:r>
-          </a:p>
-          <a:p>
             <a:pPr lvl="1"/>
-            <a:r>
-              <a:rPr lang="de-DE" altLang="de-DE" dirty="0"/>
-              <a:t>Keine absoluten Regeln!</a:t>
-            </a:r>
+            <a:endParaRPr lang="de-DE" altLang="de-DE" dirty="0"/>
           </a:p>
           <a:p>
             <a:pPr marL="0" indent="0">
@@ -36140,57 +37989,9 @@
             </a:pPr>
             <a:endParaRPr lang="de-DE" altLang="de-DE" dirty="0"/>
           </a:p>
-          <a:p>
-            <a:pPr marL="0" indent="0">
-              <a:buNone/>
-            </a:pPr>
-            <a:endParaRPr lang="de-DE" altLang="de-DE" dirty="0"/>
-          </a:p>
-        </p:txBody>
-      </p:sp>
-      <p:sp>
-        <p:nvSpPr>
-          <p:cNvPr id="6147" name="Rectangle 1062">
-            <a:extLst>
-              <a:ext uri="{FF2B5EF4-FFF2-40B4-BE49-F238E27FC236}">
-                <a16:creationId xmlns:a16="http://schemas.microsoft.com/office/drawing/2014/main" id="{C46E9340-3256-8D55-A265-94F2F41E288E}"/>
-              </a:ext>
-            </a:extLst>
-          </p:cNvPr>
-          <p:cNvSpPr>
-            <a:spLocks noGrp="1" noChangeArrowheads="1"/>
-          </p:cNvSpPr>
-          <p:nvPr>
-            <p:ph type="title"/>
-          </p:nvPr>
-        </p:nvSpPr>
-        <p:spPr>
-          <a:xfrm>
-            <a:off x="303214" y="188640"/>
-            <a:ext cx="5654675" cy="706438"/>
-          </a:xfrm>
-        </p:spPr>
-        <p:txBody>
-          <a:bodyPr/>
-          <a:lstStyle/>
-          <a:p>
-            <a:r>
-              <a:rPr lang="de-DE" altLang="de-DE" sz="3200" dirty="0" err="1"/>
-              <a:t>Git</a:t>
-            </a:r>
-            <a:r>
-              <a:rPr lang="de-DE" altLang="de-DE" sz="3200" dirty="0"/>
-              <a:t>-Workflow</a:t>
-            </a:r>
-          </a:p>
         </p:txBody>
       </p:sp>
     </p:spTree>
-    <p:extLst>
-      <p:ext uri="{BB962C8B-B14F-4D97-AF65-F5344CB8AC3E}">
-        <p14:creationId xmlns:p14="http://schemas.microsoft.com/office/powerpoint/2010/main" val="1842692015"/>
-      </p:ext>
-    </p:extLst>
   </p:cSld>
   <p:clrMapOvr>
     <a:masterClrMapping/>
@@ -36259,107 +38060,40 @@
           </a:p>
           <a:p>
             <a:r>
-              <a:rPr lang="de-DE" altLang="de-DE" sz="1800" dirty="0"/>
-              <a:t>Es gibt nicht den einen </a:t>
-            </a:r>
-            <a:r>
-              <a:rPr lang="de-DE" altLang="de-DE" sz="1800" dirty="0" err="1"/>
+              <a:rPr lang="de-DE" altLang="de-DE" dirty="0"/>
+              <a:t>Workflows sind Empfehlungen &amp; Strategien im Remote-Kontext</a:t>
+            </a:r>
+          </a:p>
+          <a:p>
+            <a:r>
+              <a:rPr lang="de-DE" altLang="de-DE" dirty="0"/>
+              <a:t>Sorgen im Team für konsistente und effektive Nutzung von </a:t>
+            </a:r>
+            <a:r>
+              <a:rPr lang="de-DE" altLang="de-DE" dirty="0" err="1"/>
               <a:t>Git</a:t>
             </a:r>
             <a:r>
-              <a:rPr lang="de-DE" altLang="de-DE" sz="1800" dirty="0"/>
-              <a:t>-Workflow</a:t>
-            </a:r>
-          </a:p>
-          <a:p>
-            <a:r>
-              <a:rPr lang="de-DE" altLang="de-DE" sz="1800" dirty="0" err="1"/>
-              <a:t>Git</a:t>
-            </a:r>
-            <a:r>
-              <a:rPr lang="de-DE" altLang="de-DE" sz="1800" dirty="0"/>
-              <a:t> und </a:t>
-            </a:r>
-            <a:r>
-              <a:rPr lang="de-DE" altLang="de-DE" sz="1800" dirty="0" err="1"/>
+              <a:rPr lang="de-DE" altLang="de-DE" dirty="0"/>
+              <a:t> &amp; </a:t>
+            </a:r>
+            <a:r>
+              <a:rPr lang="de-DE" altLang="de-DE" dirty="0" err="1"/>
               <a:t>GitLab</a:t>
             </a:r>
-            <a:r>
-              <a:rPr lang="de-DE" altLang="de-DE" sz="1800" dirty="0"/>
-              <a:t> vielfältige Einsatzmöglichkeiten</a:t>
+            <a:endParaRPr lang="de-DE" altLang="de-DE" dirty="0"/>
+          </a:p>
+          <a:p>
+            <a:r>
+              <a:rPr lang="de-DE" altLang="de-DE" dirty="0"/>
+              <a:t>Workflows = Empfehlungen</a:t>
             </a:r>
           </a:p>
           <a:p>
             <a:pPr lvl="1"/>
             <a:r>
-              <a:rPr lang="de-DE" altLang="de-DE" sz="1400" dirty="0"/>
-              <a:t>Durch verschiedene Konzepte und Features</a:t>
-            </a:r>
-          </a:p>
-          <a:p>
-            <a:r>
-              <a:rPr lang="de-DE" altLang="de-DE" sz="1800" dirty="0">
-                <a:sym typeface="Wingdings" panose="05000000000000000000" pitchFamily="2" charset="2"/>
-              </a:rPr>
-              <a:t> V</a:t>
-            </a:r>
-            <a:r>
-              <a:rPr lang="de-DE" altLang="de-DE" sz="1800" dirty="0"/>
-              <a:t>iele </a:t>
-            </a:r>
-            <a:r>
-              <a:rPr lang="de-DE" altLang="de-DE" sz="1800" dirty="0" err="1"/>
-              <a:t>Git</a:t>
-            </a:r>
-            <a:r>
-              <a:rPr lang="de-DE" altLang="de-DE" sz="1800" dirty="0"/>
-              <a:t>-Workflows mit unterschiedlichen Konzepten</a:t>
-            </a:r>
-          </a:p>
-          <a:p>
-            <a:r>
-              <a:rPr lang="de-DE" altLang="de-DE" sz="1800" dirty="0"/>
-              <a:t>Auswahl des passenden Workflows nach bestimmten Kriterien</a:t>
-            </a:r>
-          </a:p>
-          <a:p>
-            <a:pPr lvl="1"/>
-            <a:r>
-              <a:rPr lang="de-DE" altLang="de-DE" sz="1400" dirty="0"/>
-              <a:t>Projektart</a:t>
-            </a:r>
-          </a:p>
-          <a:p>
-            <a:pPr lvl="1"/>
-            <a:r>
-              <a:rPr lang="de-DE" altLang="de-DE" sz="1400" dirty="0"/>
-              <a:t>Projektgröße und Umfang</a:t>
-            </a:r>
-          </a:p>
-          <a:p>
-            <a:pPr lvl="1"/>
-            <a:r>
-              <a:rPr lang="de-DE" altLang="de-DE" sz="1400" dirty="0"/>
-              <a:t>Teamgröße</a:t>
-            </a:r>
-          </a:p>
-          <a:p>
-            <a:pPr lvl="1"/>
-            <a:r>
-              <a:rPr lang="de-DE" altLang="de-DE" sz="1400" dirty="0"/>
-              <a:t>Teamkultur</a:t>
-            </a:r>
-          </a:p>
-          <a:p>
-            <a:r>
-              <a:rPr lang="de-DE" altLang="de-DE" sz="1800" dirty="0"/>
-              <a:t>Teammitglieder müssen den Workflow kennen und produktiv integrieren</a:t>
-            </a:r>
-          </a:p>
-          <a:p>
-            <a:r>
-              <a:rPr lang="de-DE" altLang="de-DE" sz="1800" dirty="0"/>
-              <a:t>Workflow darf keinen unnötigen Overhead erzeugen</a:t>
+              <a:rPr lang="de-DE" altLang="de-DE" dirty="0"/>
+              <a:t>Keine absoluten Regeln!</a:t>
             </a:r>
           </a:p>
           <a:p>
@@ -36394,7 +38128,7 @@
         </p:nvSpPr>
         <p:spPr>
           <a:xfrm>
-            <a:off x="285750" y="142875"/>
+            <a:off x="303214" y="188640"/>
             <a:ext cx="5654675" cy="706438"/>
           </a:xfrm>
         </p:spPr>
@@ -36410,14 +38144,13 @@
               <a:rPr lang="de-DE" altLang="de-DE" sz="3200" dirty="0"/>
               <a:t>-Workflow</a:t>
             </a:r>
-            <a:endParaRPr lang="de-DE" altLang="de-DE" dirty="0"/>
           </a:p>
         </p:txBody>
       </p:sp>
     </p:spTree>
     <p:extLst>
       <p:ext uri="{BB962C8B-B14F-4D97-AF65-F5344CB8AC3E}">
-        <p14:creationId xmlns:p14="http://schemas.microsoft.com/office/powerpoint/2010/main" val="3770332963"/>
+        <p14:creationId xmlns:p14="http://schemas.microsoft.com/office/powerpoint/2010/main" val="1842692015"/>
       </p:ext>
     </p:extLst>
   </p:cSld>
@@ -36475,7 +38208,7 @@
             </a:pPr>
             <a:r>
               <a:rPr lang="de-DE" altLang="de-DE" b="1" dirty="0"/>
-              <a:t>Zentraler </a:t>
+              <a:t>Was sind </a:t>
             </a:r>
             <a:r>
               <a:rPr lang="de-DE" altLang="de-DE" b="1" dirty="0" err="1"/>
@@ -36483,103 +38216,112 @@
             </a:r>
             <a:r>
               <a:rPr lang="de-DE" altLang="de-DE" b="1" dirty="0"/>
+              <a:t>-Workflows?</a:t>
+            </a:r>
+          </a:p>
+          <a:p>
+            <a:r>
+              <a:rPr lang="de-DE" altLang="de-DE" sz="1800" dirty="0"/>
+              <a:t>Es gibt nicht den einen </a:t>
+            </a:r>
+            <a:r>
+              <a:rPr lang="de-DE" altLang="de-DE" sz="1800" dirty="0" err="1"/>
+              <a:t>Git</a:t>
+            </a:r>
+            <a:r>
+              <a:rPr lang="de-DE" altLang="de-DE" sz="1800" dirty="0"/>
               <a:t>-Workflow</a:t>
             </a:r>
           </a:p>
           <a:p>
             <a:r>
-              <a:rPr lang="de-DE" altLang="de-DE" dirty="0"/>
-              <a:t>Zentraler </a:t>
-            </a:r>
-            <a:r>
-              <a:rPr lang="de-DE" altLang="de-DE" dirty="0" err="1"/>
+              <a:rPr lang="de-DE" altLang="de-DE" sz="1800" dirty="0" err="1"/>
               <a:t>Git</a:t>
             </a:r>
             <a:r>
-              <a:rPr lang="de-DE" altLang="de-DE" dirty="0"/>
-              <a:t>-Workflow = einfacher Workflow</a:t>
-            </a:r>
-          </a:p>
-          <a:p>
-            <a:r>
-              <a:rPr lang="de-DE" altLang="de-DE" dirty="0"/>
-              <a:t>Im zentralen Ansatz wird nur ein Branch benötigt</a:t>
+              <a:rPr lang="de-DE" altLang="de-DE" sz="1800" dirty="0"/>
+              <a:t> und </a:t>
+            </a:r>
+            <a:r>
+              <a:rPr lang="de-DE" altLang="de-DE" sz="1800" dirty="0" err="1"/>
+              <a:t>GitLab</a:t>
+            </a:r>
+            <a:r>
+              <a:rPr lang="de-DE" altLang="de-DE" sz="1800" dirty="0"/>
+              <a:t> vielfältige Einsatzmöglichkeiten</a:t>
             </a:r>
           </a:p>
           <a:p>
             <a:pPr lvl="1"/>
             <a:r>
-              <a:rPr lang="de-DE" altLang="de-DE" dirty="0"/>
-              <a:t>Häufig </a:t>
-            </a:r>
-            <a:r>
-              <a:rPr lang="de-DE" altLang="de-DE" b="1" dirty="0" err="1"/>
-              <a:t>main</a:t>
-            </a:r>
-            <a:r>
-              <a:rPr lang="de-DE" altLang="de-DE" dirty="0"/>
-              <a:t>, (auch </a:t>
-            </a:r>
-            <a:r>
-              <a:rPr lang="de-DE" altLang="de-DE" b="1" dirty="0" err="1"/>
-              <a:t>trunk</a:t>
-            </a:r>
-            <a:r>
-              <a:rPr lang="de-DE" altLang="de-DE" dirty="0"/>
-              <a:t> oder </a:t>
-            </a:r>
-            <a:r>
-              <a:rPr lang="de-DE" altLang="de-DE" b="1" dirty="0" err="1"/>
-              <a:t>master</a:t>
-            </a:r>
-            <a:r>
-              <a:rPr lang="de-DE" altLang="de-DE" dirty="0"/>
-              <a:t> (veraltet))</a:t>
-            </a:r>
-          </a:p>
-          <a:p>
-            <a:pPr lvl="1"/>
-            <a:r>
-              <a:rPr lang="de-DE" altLang="de-DE" dirty="0"/>
-              <a:t>Änderungen als Commit</a:t>
-            </a:r>
-          </a:p>
-          <a:p>
-            <a:pPr lvl="1"/>
-            <a:r>
-              <a:rPr lang="de-DE" altLang="de-DE" dirty="0"/>
-              <a:t>Keine Branch-Verwaltung </a:t>
-            </a:r>
-            <a:r>
-              <a:rPr lang="de-DE" altLang="de-DE" dirty="0">
+              <a:rPr lang="de-DE" altLang="de-DE" sz="1400" dirty="0"/>
+              <a:t>Durch verschiedene Konzepte und Features</a:t>
+            </a:r>
+          </a:p>
+          <a:p>
+            <a:r>
+              <a:rPr lang="de-DE" altLang="de-DE" sz="1800" dirty="0">
                 <a:sym typeface="Wingdings" panose="05000000000000000000" pitchFamily="2" charset="2"/>
               </a:rPr>
-              <a:t> Weniger Overhead</a:t>
-            </a:r>
-            <a:endParaRPr lang="de-DE" altLang="de-DE" dirty="0"/>
-          </a:p>
-          <a:p>
-            <a:r>
-              <a:rPr lang="de-DE" altLang="de-DE" dirty="0">
-                <a:sym typeface="Wingdings" panose="05000000000000000000" pitchFamily="2" charset="2"/>
-              </a:rPr>
-              <a:t></a:t>
-            </a:r>
-            <a:r>
-              <a:rPr lang="de-DE" altLang="de-DE" dirty="0"/>
-              <a:t> Einfach und schnell zu verstehen</a:t>
-            </a:r>
-          </a:p>
-          <a:p>
-            <a:r>
-              <a:rPr lang="de-DE" altLang="de-DE" dirty="0"/>
-              <a:t>Erleichtert Umstieg von CVCS (Subversion)</a:t>
-            </a:r>
-          </a:p>
-          <a:p>
-            <a:r>
-              <a:rPr lang="de-DE" altLang="de-DE" dirty="0"/>
-              <a:t>Beliebt wegen Kompatibilität zu CI/CD</a:t>
+              <a:t> V</a:t>
+            </a:r>
+            <a:r>
+              <a:rPr lang="de-DE" altLang="de-DE" sz="1800" dirty="0"/>
+              <a:t>iele </a:t>
+            </a:r>
+            <a:r>
+              <a:rPr lang="de-DE" altLang="de-DE" sz="1800" dirty="0" err="1"/>
+              <a:t>Git</a:t>
+            </a:r>
+            <a:r>
+              <a:rPr lang="de-DE" altLang="de-DE" sz="1800" dirty="0"/>
+              <a:t>-Workflows mit unterschiedlichen Konzepten</a:t>
+            </a:r>
+          </a:p>
+          <a:p>
+            <a:r>
+              <a:rPr lang="de-DE" altLang="de-DE" sz="1800" dirty="0"/>
+              <a:t>Auswahl des passenden Workflows nach bestimmten Kriterien</a:t>
+            </a:r>
+          </a:p>
+          <a:p>
+            <a:pPr lvl="1"/>
+            <a:r>
+              <a:rPr lang="de-DE" altLang="de-DE" sz="1400" dirty="0"/>
+              <a:t>Projektart</a:t>
+            </a:r>
+          </a:p>
+          <a:p>
+            <a:pPr lvl="1"/>
+            <a:r>
+              <a:rPr lang="de-DE" altLang="de-DE" sz="1400" dirty="0"/>
+              <a:t>Projektgröße und Umfang</a:t>
+            </a:r>
+          </a:p>
+          <a:p>
+            <a:pPr lvl="1"/>
+            <a:r>
+              <a:rPr lang="de-DE" altLang="de-DE" sz="1400" dirty="0"/>
+              <a:t>Teamgröße</a:t>
+            </a:r>
+          </a:p>
+          <a:p>
+            <a:pPr lvl="1"/>
+            <a:r>
+              <a:rPr lang="de-DE" altLang="de-DE" sz="1400" dirty="0"/>
+              <a:t>Teamkultur</a:t>
+            </a:r>
+          </a:p>
+          <a:p>
+            <a:r>
+              <a:rPr lang="de-DE" altLang="de-DE" sz="1800" dirty="0"/>
+              <a:t>Teammitglieder müssen den Workflow kennen und produktiv integrieren</a:t>
+            </a:r>
+          </a:p>
+          <a:p>
+            <a:r>
+              <a:rPr lang="de-DE" altLang="de-DE" sz="1800" dirty="0"/>
+              <a:t>Workflow darf keinen unnötigen Overhead erzeugen</a:t>
             </a:r>
           </a:p>
           <a:p>
@@ -36630,13 +38372,14 @@
               <a:rPr lang="de-DE" altLang="de-DE" sz="3200" dirty="0"/>
               <a:t>-Workflow</a:t>
             </a:r>
+            <a:endParaRPr lang="de-DE" altLang="de-DE" dirty="0"/>
           </a:p>
         </p:txBody>
       </p:sp>
     </p:spTree>
     <p:extLst>
       <p:ext uri="{BB962C8B-B14F-4D97-AF65-F5344CB8AC3E}">
-        <p14:creationId xmlns:p14="http://schemas.microsoft.com/office/powerpoint/2010/main" val="1242079246"/>
+        <p14:creationId xmlns:p14="http://schemas.microsoft.com/office/powerpoint/2010/main" val="3770332963"/>
       </p:ext>
     </p:extLst>
   </p:cSld>
@@ -36708,113 +38451,104 @@
           <a:p>
             <a:r>
               <a:rPr lang="de-DE" altLang="de-DE" dirty="0"/>
-              <a:t>Entwickler committen direkt auf </a:t>
+              <a:t>Zentraler </a:t>
             </a:r>
             <a:r>
               <a:rPr lang="de-DE" altLang="de-DE" dirty="0" err="1"/>
+              <a:t>Git</a:t>
+            </a:r>
+            <a:r>
+              <a:rPr lang="de-DE" altLang="de-DE" dirty="0"/>
+              <a:t>-Workflow = einfacher Workflow</a:t>
+            </a:r>
+          </a:p>
+          <a:p>
+            <a:r>
+              <a:rPr lang="de-DE" altLang="de-DE" dirty="0"/>
+              <a:t>Im zentralen Ansatz wird nur ein Branch benötigt</a:t>
+            </a:r>
+          </a:p>
+          <a:p>
+            <a:pPr lvl="1"/>
+            <a:r>
+              <a:rPr lang="de-DE" altLang="de-DE" dirty="0"/>
+              <a:t>Häufig </a:t>
+            </a:r>
+            <a:r>
+              <a:rPr lang="de-DE" altLang="de-DE" b="1" dirty="0" err="1"/>
               <a:t>main</a:t>
             </a:r>
-            <a:endParaRPr lang="de-DE" altLang="de-DE" dirty="0"/>
+            <a:r>
+              <a:rPr lang="de-DE" altLang="de-DE" dirty="0"/>
+              <a:t>, (auch </a:t>
+            </a:r>
+            <a:r>
+              <a:rPr lang="de-DE" altLang="de-DE" b="1" dirty="0" err="1"/>
+              <a:t>trunk</a:t>
+            </a:r>
+            <a:r>
+              <a:rPr lang="de-DE" altLang="de-DE" dirty="0"/>
+              <a:t> oder </a:t>
+            </a:r>
+            <a:r>
+              <a:rPr lang="de-DE" altLang="de-DE" b="1" dirty="0" err="1"/>
+              <a:t>master</a:t>
+            </a:r>
+            <a:r>
+              <a:rPr lang="de-DE" altLang="de-DE" dirty="0"/>
+              <a:t> (veraltet))</a:t>
+            </a:r>
           </a:p>
           <a:p>
             <a:pPr lvl="1"/>
+            <a:r>
+              <a:rPr lang="de-DE" altLang="de-DE" dirty="0"/>
+              <a:t>Änderungen als Commit</a:t>
+            </a:r>
+          </a:p>
+          <a:p>
+            <a:pPr lvl="1"/>
+            <a:r>
+              <a:rPr lang="de-DE" altLang="de-DE" dirty="0"/>
+              <a:t>Keine Branch-Verwaltung </a:t>
+            </a:r>
             <a:r>
               <a:rPr lang="de-DE" altLang="de-DE" dirty="0">
                 <a:sym typeface="Wingdings" panose="05000000000000000000" pitchFamily="2" charset="2"/>
               </a:rPr>
-              <a:t> oft neue Änderungen (</a:t>
-            </a:r>
-            <a:r>
-              <a:rPr lang="de-DE" altLang="de-DE" dirty="0" err="1">
-                <a:sym typeface="Wingdings" panose="05000000000000000000" pitchFamily="2" charset="2"/>
-              </a:rPr>
-              <a:t>main</a:t>
-            </a:r>
+              <a:t> Weniger Overhead</a:t>
+            </a:r>
+            <a:endParaRPr lang="de-DE" altLang="de-DE" dirty="0"/>
+          </a:p>
+          <a:p>
             <a:r>
               <a:rPr lang="de-DE" altLang="de-DE" dirty="0">
                 <a:sym typeface="Wingdings" panose="05000000000000000000" pitchFamily="2" charset="2"/>
               </a:rPr>
-              <a:t>)</a:t>
-            </a:r>
-          </a:p>
-          <a:p>
-            <a:pPr lvl="1"/>
-            <a:r>
-              <a:rPr lang="de-DE" altLang="de-DE" dirty="0">
-                <a:sym typeface="Wingdings" panose="05000000000000000000" pitchFamily="2" charset="2"/>
-              </a:rPr>
-              <a:t>Keine längerlebigen </a:t>
-            </a:r>
-            <a:r>
-              <a:rPr lang="de-DE" altLang="de-DE" dirty="0" err="1">
-                <a:sym typeface="Wingdings" panose="05000000000000000000" pitchFamily="2" charset="2"/>
-              </a:rPr>
-              <a:t>Branches</a:t>
-            </a:r>
+              <a:t></a:t>
+            </a:r>
+            <a:r>
+              <a:rPr lang="de-DE" altLang="de-DE" dirty="0"/>
+              <a:t> Einfach und schnell zu verstehen</a:t>
+            </a:r>
+          </a:p>
+          <a:p>
+            <a:r>
+              <a:rPr lang="de-DE" altLang="de-DE" dirty="0"/>
+              <a:t>Erleichtert Umstieg von CVCS (Subversion)</a:t>
+            </a:r>
+          </a:p>
+          <a:p>
+            <a:r>
+              <a:rPr lang="de-DE" altLang="de-DE" dirty="0"/>
+              <a:t>Beliebt wegen Kompatibilität zu CI/CD</a:t>
+            </a:r>
+          </a:p>
+          <a:p>
+            <a:pPr marL="0" indent="0">
+              <a:buNone/>
+            </a:pPr>
             <a:endParaRPr lang="de-DE" altLang="de-DE" dirty="0"/>
-          </a:p>
-          <a:p>
-            <a:r>
-              <a:rPr lang="de-DE" altLang="de-DE" dirty="0"/>
-              <a:t>Häufige </a:t>
-            </a:r>
-            <a:r>
-              <a:rPr lang="de-DE" altLang="de-DE" dirty="0" err="1"/>
-              <a:t>Commits</a:t>
-            </a:r>
-            <a:r>
-              <a:rPr lang="de-DE" altLang="de-DE" dirty="0"/>
-              <a:t> unterstützen CI/CD </a:t>
-            </a:r>
-          </a:p>
-          <a:p>
-            <a:pPr lvl="1"/>
-            <a:r>
-              <a:rPr lang="de-DE" altLang="de-DE" dirty="0"/>
-              <a:t>CI-Pipeline kann häufig durchlaufen</a:t>
-            </a:r>
-          </a:p>
-          <a:p>
-            <a:pPr lvl="1"/>
-            <a:r>
-              <a:rPr lang="de-DE" altLang="de-DE" dirty="0"/>
-              <a:t>Automatisierte Tests (= schnelles Feedback)</a:t>
-            </a:r>
-          </a:p>
-          <a:p>
-            <a:pPr lvl="1"/>
-            <a:r>
-              <a:rPr lang="de-DE" altLang="de-DE" dirty="0"/>
-              <a:t>Hochfrequente Releases möglich</a:t>
-            </a:r>
-          </a:p>
-          <a:p>
-            <a:r>
-              <a:rPr lang="de-DE" altLang="de-DE" dirty="0"/>
-              <a:t>Zentraler </a:t>
-            </a:r>
-            <a:r>
-              <a:rPr lang="de-DE" altLang="de-DE" dirty="0" err="1"/>
-              <a:t>Git</a:t>
-            </a:r>
-            <a:r>
-              <a:rPr lang="de-DE" altLang="de-DE" dirty="0"/>
-              <a:t>-Workflow legt Fokus auf Commit-Qualität </a:t>
-            </a:r>
-          </a:p>
-          <a:p>
-            <a:pPr lvl="1"/>
-            <a:r>
-              <a:rPr lang="de-DE" altLang="de-DE" dirty="0"/>
-              <a:t>= lauffähig und getestet</a:t>
-            </a:r>
-          </a:p>
-          <a:p>
-            <a:pPr lvl="1"/>
-            <a:r>
-              <a:rPr lang="de-DE" altLang="de-DE" dirty="0"/>
-              <a:t>Schlechte Code-Qualität = großer Schaden</a:t>
-            </a:r>
           </a:p>
           <a:p>
             <a:pPr marL="0" indent="0">
@@ -36864,7 +38598,7 @@
     </p:spTree>
     <p:extLst>
       <p:ext uri="{BB962C8B-B14F-4D97-AF65-F5344CB8AC3E}">
-        <p14:creationId xmlns:p14="http://schemas.microsoft.com/office/powerpoint/2010/main" val="1574715531"/>
+        <p14:creationId xmlns:p14="http://schemas.microsoft.com/office/powerpoint/2010/main" val="1242079246"/>
       </p:ext>
     </p:extLst>
   </p:cSld>
@@ -36936,38 +38670,113 @@
           <a:p>
             <a:r>
               <a:rPr lang="de-DE" altLang="de-DE" dirty="0"/>
-              <a:t>Erfordert regelmäßige Updates im lokalen Repository</a:t>
-            </a:r>
+              <a:t>Entwickler committen direkt auf </a:t>
+            </a:r>
+            <a:r>
+              <a:rPr lang="de-DE" altLang="de-DE" dirty="0" err="1"/>
+              <a:t>main</a:t>
+            </a:r>
+            <a:endParaRPr lang="de-DE" altLang="de-DE" dirty="0"/>
           </a:p>
           <a:p>
             <a:pPr lvl="1"/>
-            <a:r>
-              <a:rPr lang="de-DE" altLang="de-DE" dirty="0"/>
-              <a:t>Erhöht Konfliktpotenzial, reduziert Integrationskomplexität</a:t>
-            </a:r>
-          </a:p>
-          <a:p>
-            <a:pPr lvl="1"/>
-            <a:r>
-              <a:rPr lang="de-DE" altLang="de-DE" dirty="0"/>
-              <a:t>Gegenbeispiel: Feature-Branch</a:t>
-            </a:r>
-          </a:p>
-          <a:p>
-            <a:pPr marL="358775" indent="-176213">
-              <a:buNone/>
-            </a:pPr>
-            <a:r>
-              <a:rPr lang="de-DE" altLang="de-DE" dirty="0"/>
-              <a:t>	</a:t>
-            </a:r>
             <a:r>
               <a:rPr lang="de-DE" altLang="de-DE" dirty="0">
                 <a:sym typeface="Wingdings" panose="05000000000000000000" pitchFamily="2" charset="2"/>
               </a:rPr>
-              <a:t> Verhindert Divergenz</a:t>
+              <a:t> oft neue Änderungen (</a:t>
+            </a:r>
+            <a:r>
+              <a:rPr lang="de-DE" altLang="de-DE" dirty="0" err="1">
+                <a:sym typeface="Wingdings" panose="05000000000000000000" pitchFamily="2" charset="2"/>
+              </a:rPr>
+              <a:t>main</a:t>
+            </a:r>
+            <a:r>
+              <a:rPr lang="de-DE" altLang="de-DE" dirty="0">
+                <a:sym typeface="Wingdings" panose="05000000000000000000" pitchFamily="2" charset="2"/>
+              </a:rPr>
+              <a:t>)</a:t>
+            </a:r>
+          </a:p>
+          <a:p>
+            <a:pPr lvl="1"/>
+            <a:r>
+              <a:rPr lang="de-DE" altLang="de-DE" dirty="0">
+                <a:sym typeface="Wingdings" panose="05000000000000000000" pitchFamily="2" charset="2"/>
+              </a:rPr>
+              <a:t>Keine längerlebigen </a:t>
+            </a:r>
+            <a:r>
+              <a:rPr lang="de-DE" altLang="de-DE" dirty="0" err="1">
+                <a:sym typeface="Wingdings" panose="05000000000000000000" pitchFamily="2" charset="2"/>
+              </a:rPr>
+              <a:t>Branches</a:t>
             </a:r>
             <a:endParaRPr lang="de-DE" altLang="de-DE" dirty="0"/>
+          </a:p>
+          <a:p>
+            <a:r>
+              <a:rPr lang="de-DE" altLang="de-DE" dirty="0"/>
+              <a:t>Häufige </a:t>
+            </a:r>
+            <a:r>
+              <a:rPr lang="de-DE" altLang="de-DE" dirty="0" err="1"/>
+              <a:t>Commits</a:t>
+            </a:r>
+            <a:r>
+              <a:rPr lang="de-DE" altLang="de-DE" dirty="0"/>
+              <a:t> unterstützen CI/CD </a:t>
+            </a:r>
+          </a:p>
+          <a:p>
+            <a:pPr lvl="1"/>
+            <a:r>
+              <a:rPr lang="de-DE" altLang="de-DE" dirty="0"/>
+              <a:t>CI-Pipeline kann häufig durchlaufen</a:t>
+            </a:r>
+          </a:p>
+          <a:p>
+            <a:pPr lvl="1"/>
+            <a:r>
+              <a:rPr lang="de-DE" altLang="de-DE" dirty="0"/>
+              <a:t>Automatisierte Tests (= schnelles Feedback)</a:t>
+            </a:r>
+          </a:p>
+          <a:p>
+            <a:pPr lvl="1"/>
+            <a:r>
+              <a:rPr lang="de-DE" altLang="de-DE" dirty="0"/>
+              <a:t>Hochfrequente Releases möglich</a:t>
+            </a:r>
+          </a:p>
+          <a:p>
+            <a:r>
+              <a:rPr lang="de-DE" altLang="de-DE" dirty="0"/>
+              <a:t>Zentraler </a:t>
+            </a:r>
+            <a:r>
+              <a:rPr lang="de-DE" altLang="de-DE" dirty="0" err="1"/>
+              <a:t>Git</a:t>
+            </a:r>
+            <a:r>
+              <a:rPr lang="de-DE" altLang="de-DE" dirty="0"/>
+              <a:t>-Workflow legt Fokus auf Commit-Qualität </a:t>
+            </a:r>
+          </a:p>
+          <a:p>
+            <a:pPr lvl="1"/>
+            <a:r>
+              <a:rPr lang="de-DE" altLang="de-DE" dirty="0"/>
+              <a:t>= lauffähig und getestet</a:t>
+            </a:r>
+          </a:p>
+          <a:p>
+            <a:pPr lvl="1"/>
+            <a:r>
+              <a:rPr lang="de-DE" altLang="de-DE" dirty="0"/>
+              <a:t>Schlechte Code-Qualität = großer Schaden</a:t>
+            </a:r>
           </a:p>
           <a:p>
             <a:pPr marL="0" indent="0">
@@ -37014,1337 +38823,10 @@
           </a:p>
         </p:txBody>
       </p:sp>
-      <p:sp>
-        <p:nvSpPr>
-          <p:cNvPr id="2" name="Ellipse 1">
-            <a:extLst>
-              <a:ext uri="{FF2B5EF4-FFF2-40B4-BE49-F238E27FC236}">
-                <a16:creationId xmlns:a16="http://schemas.microsoft.com/office/drawing/2014/main" id="{76058A08-9E10-43D2-3E59-C7816D7E71EB}"/>
-              </a:ext>
-            </a:extLst>
-          </p:cNvPr>
-          <p:cNvSpPr/>
-          <p:nvPr/>
-        </p:nvSpPr>
-        <p:spPr bwMode="auto">
-          <a:xfrm>
-            <a:off x="4355976" y="4493954"/>
-            <a:ext cx="288032" cy="288032"/>
-          </a:xfrm>
-          <a:prstGeom prst="ellipse">
-            <a:avLst/>
-          </a:prstGeom>
-          <a:solidFill>
-            <a:schemeClr val="accent5">
-              <a:lumMod val="75000"/>
-            </a:schemeClr>
-          </a:solidFill>
-          <a:ln w="19050" cap="flat" cmpd="sng" algn="ctr">
-            <a:solidFill>
-              <a:schemeClr val="tx1"/>
-            </a:solidFill>
-            <a:prstDash val="solid"/>
-            <a:round/>
-            <a:headEnd type="none" w="sm" len="sm"/>
-            <a:tailEnd type="none" w="sm" len="sm"/>
-          </a:ln>
-          <a:effectLst/>
-        </p:spPr>
-        <p:txBody>
-          <a:bodyPr vert="horz" wrap="square" lIns="91440" tIns="45720" rIns="91440" bIns="45720" numCol="1" rtlCol="0" anchor="t" anchorCtr="0" compatLnSpc="1">
-            <a:prstTxWarp prst="textNoShape">
-              <a:avLst/>
-            </a:prstTxWarp>
-          </a:bodyPr>
-          <a:lstStyle/>
-          <a:p>
-            <a:pPr marL="0" marR="0" indent="0" algn="l" defTabSz="914400" rtl="0" eaLnBrk="0" fontAlgn="base" latinLnBrk="0" hangingPunct="0">
-              <a:lnSpc>
-                <a:spcPct val="100000"/>
-              </a:lnSpc>
-              <a:spcBef>
-                <a:spcPct val="0"/>
-              </a:spcBef>
-              <a:spcAft>
-                <a:spcPct val="0"/>
-              </a:spcAft>
-              <a:buClrTx/>
-              <a:buSzTx/>
-              <a:buFontTx/>
-              <a:buNone/>
-              <a:tabLst/>
-            </a:pPr>
-            <a:endParaRPr kumimoji="0" lang="de-DE" sz="2400" b="0" i="0" u="none" strike="noStrike" cap="none" normalizeH="0" baseline="0">
-              <a:ln>
-                <a:noFill/>
-              </a:ln>
-              <a:solidFill>
-                <a:schemeClr val="tx1"/>
-              </a:solidFill>
-              <a:effectLst/>
-              <a:latin typeface="Times New Roman" pitchFamily="18" charset="0"/>
-            </a:endParaRPr>
-          </a:p>
-        </p:txBody>
-      </p:sp>
-      <p:sp>
-        <p:nvSpPr>
-          <p:cNvPr id="3" name="Ellipse 2">
-            <a:extLst>
-              <a:ext uri="{FF2B5EF4-FFF2-40B4-BE49-F238E27FC236}">
-                <a16:creationId xmlns:a16="http://schemas.microsoft.com/office/drawing/2014/main" id="{E37D6EA4-6BDA-851B-1514-CB8F375614CE}"/>
-              </a:ext>
-            </a:extLst>
-          </p:cNvPr>
-          <p:cNvSpPr/>
-          <p:nvPr/>
-        </p:nvSpPr>
-        <p:spPr bwMode="auto">
-          <a:xfrm>
-            <a:off x="4860032" y="4493954"/>
-            <a:ext cx="288032" cy="288032"/>
-          </a:xfrm>
-          <a:prstGeom prst="ellipse">
-            <a:avLst/>
-          </a:prstGeom>
-          <a:solidFill>
-            <a:schemeClr val="accent5">
-              <a:lumMod val="75000"/>
-            </a:schemeClr>
-          </a:solidFill>
-          <a:ln w="19050" cap="flat" cmpd="sng" algn="ctr">
-            <a:solidFill>
-              <a:schemeClr val="tx1"/>
-            </a:solidFill>
-            <a:prstDash val="solid"/>
-            <a:round/>
-            <a:headEnd type="none" w="sm" len="sm"/>
-            <a:tailEnd type="none" w="sm" len="sm"/>
-          </a:ln>
-          <a:effectLst/>
-        </p:spPr>
-        <p:txBody>
-          <a:bodyPr vert="horz" wrap="square" lIns="91440" tIns="45720" rIns="91440" bIns="45720" numCol="1" rtlCol="0" anchor="t" anchorCtr="0" compatLnSpc="1">
-            <a:prstTxWarp prst="textNoShape">
-              <a:avLst/>
-            </a:prstTxWarp>
-          </a:bodyPr>
-          <a:lstStyle/>
-          <a:p>
-            <a:pPr marL="0" marR="0" indent="0" algn="l" defTabSz="914400" rtl="0" eaLnBrk="0" fontAlgn="base" latinLnBrk="0" hangingPunct="0">
-              <a:lnSpc>
-                <a:spcPct val="100000"/>
-              </a:lnSpc>
-              <a:spcBef>
-                <a:spcPct val="0"/>
-              </a:spcBef>
-              <a:spcAft>
-                <a:spcPct val="0"/>
-              </a:spcAft>
-              <a:buClrTx/>
-              <a:buSzTx/>
-              <a:buFontTx/>
-              <a:buNone/>
-              <a:tabLst/>
-            </a:pPr>
-            <a:endParaRPr kumimoji="0" lang="de-DE" sz="2400" b="0" i="0" u="none" strike="noStrike" cap="none" normalizeH="0" baseline="0">
-              <a:ln>
-                <a:noFill/>
-              </a:ln>
-              <a:solidFill>
-                <a:schemeClr val="tx1"/>
-              </a:solidFill>
-              <a:effectLst/>
-              <a:latin typeface="Times New Roman" pitchFamily="18" charset="0"/>
-            </a:endParaRPr>
-          </a:p>
-        </p:txBody>
-      </p:sp>
-      <p:cxnSp>
-        <p:nvCxnSpPr>
-          <p:cNvPr id="5" name="Gerader Verbinder 4">
-            <a:extLst>
-              <a:ext uri="{FF2B5EF4-FFF2-40B4-BE49-F238E27FC236}">
-                <a16:creationId xmlns:a16="http://schemas.microsoft.com/office/drawing/2014/main" id="{7DF7BF90-34CF-2A8A-BF0A-DA7332C8F32C}"/>
-              </a:ext>
-            </a:extLst>
-          </p:cNvPr>
-          <p:cNvCxnSpPr>
-            <a:stCxn id="2" idx="6"/>
-            <a:endCxn id="3" idx="2"/>
-          </p:cNvCxnSpPr>
-          <p:nvPr/>
-        </p:nvCxnSpPr>
-        <p:spPr bwMode="auto">
-          <a:xfrm>
-            <a:off x="4644008" y="4637970"/>
-            <a:ext cx="216024" cy="0"/>
-          </a:xfrm>
-          <a:prstGeom prst="line">
-            <a:avLst/>
-          </a:prstGeom>
-          <a:solidFill>
-            <a:schemeClr val="accent1"/>
-          </a:solidFill>
-          <a:ln w="19050" cap="flat" cmpd="sng" algn="ctr">
-            <a:solidFill>
-              <a:schemeClr val="tx1"/>
-            </a:solidFill>
-            <a:prstDash val="solid"/>
-            <a:round/>
-            <a:headEnd type="none" w="sm" len="sm"/>
-            <a:tailEnd type="none" w="sm" len="sm"/>
-          </a:ln>
-          <a:effectLst/>
-        </p:spPr>
-      </p:cxnSp>
-      <p:sp>
-        <p:nvSpPr>
-          <p:cNvPr id="6" name="Ellipse 5">
-            <a:extLst>
-              <a:ext uri="{FF2B5EF4-FFF2-40B4-BE49-F238E27FC236}">
-                <a16:creationId xmlns:a16="http://schemas.microsoft.com/office/drawing/2014/main" id="{7CC7556A-24FC-B989-D16D-06F56F69F690}"/>
-              </a:ext>
-            </a:extLst>
-          </p:cNvPr>
-          <p:cNvSpPr/>
-          <p:nvPr/>
-        </p:nvSpPr>
-        <p:spPr bwMode="auto">
-          <a:xfrm>
-            <a:off x="5364088" y="4493954"/>
-            <a:ext cx="288032" cy="288032"/>
-          </a:xfrm>
-          <a:prstGeom prst="ellipse">
-            <a:avLst/>
-          </a:prstGeom>
-          <a:solidFill>
-            <a:schemeClr val="accent5">
-              <a:lumMod val="75000"/>
-            </a:schemeClr>
-          </a:solidFill>
-          <a:ln w="19050" cap="flat" cmpd="sng" algn="ctr">
-            <a:solidFill>
-              <a:schemeClr val="tx1"/>
-            </a:solidFill>
-            <a:prstDash val="solid"/>
-            <a:round/>
-            <a:headEnd type="none" w="sm" len="sm"/>
-            <a:tailEnd type="none" w="sm" len="sm"/>
-          </a:ln>
-          <a:effectLst/>
-        </p:spPr>
-        <p:txBody>
-          <a:bodyPr vert="horz" wrap="square" lIns="91440" tIns="45720" rIns="91440" bIns="45720" numCol="1" rtlCol="0" anchor="t" anchorCtr="0" compatLnSpc="1">
-            <a:prstTxWarp prst="textNoShape">
-              <a:avLst/>
-            </a:prstTxWarp>
-          </a:bodyPr>
-          <a:lstStyle/>
-          <a:p>
-            <a:pPr marL="0" marR="0" indent="0" algn="l" defTabSz="914400" rtl="0" eaLnBrk="0" fontAlgn="base" latinLnBrk="0" hangingPunct="0">
-              <a:lnSpc>
-                <a:spcPct val="100000"/>
-              </a:lnSpc>
-              <a:spcBef>
-                <a:spcPct val="0"/>
-              </a:spcBef>
-              <a:spcAft>
-                <a:spcPct val="0"/>
-              </a:spcAft>
-              <a:buClrTx/>
-              <a:buSzTx/>
-              <a:buFontTx/>
-              <a:buNone/>
-              <a:tabLst/>
-            </a:pPr>
-            <a:endParaRPr kumimoji="0" lang="de-DE" sz="2400" b="0" i="0" u="none" strike="noStrike" cap="none" normalizeH="0" baseline="0">
-              <a:ln>
-                <a:noFill/>
-              </a:ln>
-              <a:solidFill>
-                <a:schemeClr val="tx1"/>
-              </a:solidFill>
-              <a:effectLst/>
-              <a:latin typeface="Times New Roman" pitchFamily="18" charset="0"/>
-            </a:endParaRPr>
-          </a:p>
-        </p:txBody>
-      </p:sp>
-      <p:cxnSp>
-        <p:nvCxnSpPr>
-          <p:cNvPr id="7" name="Gerader Verbinder 6">
-            <a:extLst>
-              <a:ext uri="{FF2B5EF4-FFF2-40B4-BE49-F238E27FC236}">
-                <a16:creationId xmlns:a16="http://schemas.microsoft.com/office/drawing/2014/main" id="{F1368B5E-699F-B893-DF00-04155B3397F5}"/>
-              </a:ext>
-            </a:extLst>
-          </p:cNvPr>
-          <p:cNvCxnSpPr>
-            <a:endCxn id="6" idx="2"/>
-          </p:cNvCxnSpPr>
-          <p:nvPr/>
-        </p:nvCxnSpPr>
-        <p:spPr bwMode="auto">
-          <a:xfrm>
-            <a:off x="5148064" y="4637970"/>
-            <a:ext cx="216024" cy="0"/>
-          </a:xfrm>
-          <a:prstGeom prst="line">
-            <a:avLst/>
-          </a:prstGeom>
-          <a:solidFill>
-            <a:schemeClr val="accent1"/>
-          </a:solidFill>
-          <a:ln w="19050" cap="flat" cmpd="sng" algn="ctr">
-            <a:solidFill>
-              <a:schemeClr val="tx1"/>
-            </a:solidFill>
-            <a:prstDash val="solid"/>
-            <a:round/>
-            <a:headEnd type="none" w="sm" len="sm"/>
-            <a:tailEnd type="none" w="sm" len="sm"/>
-          </a:ln>
-          <a:effectLst/>
-        </p:spPr>
-      </p:cxnSp>
-      <p:sp>
-        <p:nvSpPr>
-          <p:cNvPr id="8" name="Ellipse 7">
-            <a:extLst>
-              <a:ext uri="{FF2B5EF4-FFF2-40B4-BE49-F238E27FC236}">
-                <a16:creationId xmlns:a16="http://schemas.microsoft.com/office/drawing/2014/main" id="{42774172-05BE-833F-9B7B-72CFA740189B}"/>
-              </a:ext>
-            </a:extLst>
-          </p:cNvPr>
-          <p:cNvSpPr/>
-          <p:nvPr/>
-        </p:nvSpPr>
-        <p:spPr bwMode="auto">
-          <a:xfrm>
-            <a:off x="5868144" y="4493954"/>
-            <a:ext cx="288032" cy="288032"/>
-          </a:xfrm>
-          <a:prstGeom prst="ellipse">
-            <a:avLst/>
-          </a:prstGeom>
-          <a:solidFill>
-            <a:schemeClr val="accent5">
-              <a:lumMod val="75000"/>
-            </a:schemeClr>
-          </a:solidFill>
-          <a:ln w="19050" cap="flat" cmpd="sng" algn="ctr">
-            <a:solidFill>
-              <a:schemeClr val="tx1"/>
-            </a:solidFill>
-            <a:prstDash val="solid"/>
-            <a:round/>
-            <a:headEnd type="none" w="sm" len="sm"/>
-            <a:tailEnd type="none" w="sm" len="sm"/>
-          </a:ln>
-          <a:effectLst/>
-        </p:spPr>
-        <p:txBody>
-          <a:bodyPr vert="horz" wrap="square" lIns="91440" tIns="45720" rIns="91440" bIns="45720" numCol="1" rtlCol="0" anchor="t" anchorCtr="0" compatLnSpc="1">
-            <a:prstTxWarp prst="textNoShape">
-              <a:avLst/>
-            </a:prstTxWarp>
-          </a:bodyPr>
-          <a:lstStyle/>
-          <a:p>
-            <a:pPr marL="0" marR="0" indent="0" algn="l" defTabSz="914400" rtl="0" eaLnBrk="0" fontAlgn="base" latinLnBrk="0" hangingPunct="0">
-              <a:lnSpc>
-                <a:spcPct val="100000"/>
-              </a:lnSpc>
-              <a:spcBef>
-                <a:spcPct val="0"/>
-              </a:spcBef>
-              <a:spcAft>
-                <a:spcPct val="0"/>
-              </a:spcAft>
-              <a:buClrTx/>
-              <a:buSzTx/>
-              <a:buFontTx/>
-              <a:buNone/>
-              <a:tabLst/>
-            </a:pPr>
-            <a:endParaRPr kumimoji="0" lang="de-DE" sz="2400" b="0" i="0" u="none" strike="noStrike" cap="none" normalizeH="0" baseline="0">
-              <a:ln>
-                <a:noFill/>
-              </a:ln>
-              <a:solidFill>
-                <a:schemeClr val="tx1"/>
-              </a:solidFill>
-              <a:effectLst/>
-              <a:latin typeface="Times New Roman" pitchFamily="18" charset="0"/>
-            </a:endParaRPr>
-          </a:p>
-        </p:txBody>
-      </p:sp>
-      <p:cxnSp>
-        <p:nvCxnSpPr>
-          <p:cNvPr id="9" name="Gerader Verbinder 8">
-            <a:extLst>
-              <a:ext uri="{FF2B5EF4-FFF2-40B4-BE49-F238E27FC236}">
-                <a16:creationId xmlns:a16="http://schemas.microsoft.com/office/drawing/2014/main" id="{6D7A49AF-D5F1-FC31-E750-C02CCFE81D1F}"/>
-              </a:ext>
-            </a:extLst>
-          </p:cNvPr>
-          <p:cNvCxnSpPr>
-            <a:endCxn id="8" idx="2"/>
-          </p:cNvCxnSpPr>
-          <p:nvPr/>
-        </p:nvCxnSpPr>
-        <p:spPr bwMode="auto">
-          <a:xfrm>
-            <a:off x="5652120" y="4637970"/>
-            <a:ext cx="216024" cy="0"/>
-          </a:xfrm>
-          <a:prstGeom prst="line">
-            <a:avLst/>
-          </a:prstGeom>
-          <a:solidFill>
-            <a:schemeClr val="accent1"/>
-          </a:solidFill>
-          <a:ln w="19050" cap="flat" cmpd="sng" algn="ctr">
-            <a:solidFill>
-              <a:schemeClr val="tx1"/>
-            </a:solidFill>
-            <a:prstDash val="solid"/>
-            <a:round/>
-            <a:headEnd type="none" w="sm" len="sm"/>
-            <a:tailEnd type="none" w="sm" len="sm"/>
-          </a:ln>
-          <a:effectLst/>
-        </p:spPr>
-      </p:cxnSp>
-      <p:sp>
-        <p:nvSpPr>
-          <p:cNvPr id="12" name="Ellipse 11">
-            <a:extLst>
-              <a:ext uri="{FF2B5EF4-FFF2-40B4-BE49-F238E27FC236}">
-                <a16:creationId xmlns:a16="http://schemas.microsoft.com/office/drawing/2014/main" id="{F5298BD6-540F-23E3-0013-2118BE335BC8}"/>
-              </a:ext>
-            </a:extLst>
-          </p:cNvPr>
-          <p:cNvSpPr/>
-          <p:nvPr/>
-        </p:nvSpPr>
-        <p:spPr bwMode="auto">
-          <a:xfrm rot="18900000">
-            <a:off x="4720612" y="4137533"/>
-            <a:ext cx="288032" cy="288032"/>
-          </a:xfrm>
-          <a:prstGeom prst="ellipse">
-            <a:avLst/>
-          </a:prstGeom>
-          <a:solidFill>
-            <a:srgbClr val="008C5A"/>
-          </a:solidFill>
-          <a:ln w="19050" cap="flat" cmpd="sng" algn="ctr">
-            <a:solidFill>
-              <a:schemeClr val="tx1"/>
-            </a:solidFill>
-            <a:prstDash val="solid"/>
-            <a:round/>
-            <a:headEnd type="none" w="sm" len="sm"/>
-            <a:tailEnd type="none" w="sm" len="sm"/>
-          </a:ln>
-          <a:effectLst/>
-        </p:spPr>
-        <p:txBody>
-          <a:bodyPr vert="horz" wrap="square" lIns="91440" tIns="45720" rIns="91440" bIns="45720" numCol="1" rtlCol="0" anchor="t" anchorCtr="0" compatLnSpc="1">
-            <a:prstTxWarp prst="textNoShape">
-              <a:avLst/>
-            </a:prstTxWarp>
-          </a:bodyPr>
-          <a:lstStyle/>
-          <a:p>
-            <a:pPr marL="0" marR="0" indent="0" algn="l" defTabSz="914400" rtl="0" eaLnBrk="0" fontAlgn="base" latinLnBrk="0" hangingPunct="0">
-              <a:lnSpc>
-                <a:spcPct val="100000"/>
-              </a:lnSpc>
-              <a:spcBef>
-                <a:spcPct val="0"/>
-              </a:spcBef>
-              <a:spcAft>
-                <a:spcPct val="0"/>
-              </a:spcAft>
-              <a:buClrTx/>
-              <a:buSzTx/>
-              <a:buFontTx/>
-              <a:buNone/>
-              <a:tabLst/>
-            </a:pPr>
-            <a:endParaRPr kumimoji="0" lang="de-DE" sz="2400" b="0" i="0" u="none" strike="noStrike" cap="none" normalizeH="0" baseline="0" dirty="0">
-              <a:ln>
-                <a:noFill/>
-              </a:ln>
-              <a:solidFill>
-                <a:schemeClr val="tx1"/>
-              </a:solidFill>
-              <a:effectLst/>
-              <a:latin typeface="Times New Roman" pitchFamily="18" charset="0"/>
-            </a:endParaRPr>
-          </a:p>
-        </p:txBody>
-      </p:sp>
-      <p:cxnSp>
-        <p:nvCxnSpPr>
-          <p:cNvPr id="13" name="Gerader Verbinder 12">
-            <a:extLst>
-              <a:ext uri="{FF2B5EF4-FFF2-40B4-BE49-F238E27FC236}">
-                <a16:creationId xmlns:a16="http://schemas.microsoft.com/office/drawing/2014/main" id="{5B3D8803-F685-3CC3-C206-3E87CAB24B24}"/>
-              </a:ext>
-            </a:extLst>
-          </p:cNvPr>
-          <p:cNvCxnSpPr>
-            <a:cxnSpLocks/>
-            <a:endCxn id="12" idx="2"/>
-          </p:cNvCxnSpPr>
-          <p:nvPr/>
-        </p:nvCxnSpPr>
-        <p:spPr bwMode="auto">
-          <a:xfrm rot="18900000">
-            <a:off x="4578405" y="4459760"/>
-            <a:ext cx="216024" cy="0"/>
-          </a:xfrm>
-          <a:prstGeom prst="line">
-            <a:avLst/>
-          </a:prstGeom>
-          <a:solidFill>
-            <a:schemeClr val="accent1"/>
-          </a:solidFill>
-          <a:ln w="19050" cap="flat" cmpd="sng" algn="ctr">
-            <a:solidFill>
-              <a:schemeClr val="tx1"/>
-            </a:solidFill>
-            <a:prstDash val="solid"/>
-            <a:round/>
-            <a:headEnd type="none" w="sm" len="sm"/>
-            <a:tailEnd type="none" w="sm" len="sm"/>
-          </a:ln>
-          <a:effectLst/>
-        </p:spPr>
-      </p:cxnSp>
-      <p:sp>
-        <p:nvSpPr>
-          <p:cNvPr id="21" name="Ellipse 20">
-            <a:extLst>
-              <a:ext uri="{FF2B5EF4-FFF2-40B4-BE49-F238E27FC236}">
-                <a16:creationId xmlns:a16="http://schemas.microsoft.com/office/drawing/2014/main" id="{24B9CDB4-9181-958F-24AD-C1A9D4725175}"/>
-              </a:ext>
-            </a:extLst>
-          </p:cNvPr>
-          <p:cNvSpPr/>
-          <p:nvPr/>
-        </p:nvSpPr>
-        <p:spPr bwMode="auto">
-          <a:xfrm rot="18900000">
-            <a:off x="5072582" y="3776743"/>
-            <a:ext cx="288032" cy="288032"/>
-          </a:xfrm>
-          <a:prstGeom prst="ellipse">
-            <a:avLst/>
-          </a:prstGeom>
-          <a:solidFill>
-            <a:srgbClr val="008C5A"/>
-          </a:solidFill>
-          <a:ln w="19050" cap="flat" cmpd="sng" algn="ctr">
-            <a:solidFill>
-              <a:schemeClr val="tx1"/>
-            </a:solidFill>
-            <a:prstDash val="solid"/>
-            <a:round/>
-            <a:headEnd type="none" w="sm" len="sm"/>
-            <a:tailEnd type="none" w="sm" len="sm"/>
-          </a:ln>
-          <a:effectLst/>
-        </p:spPr>
-        <p:txBody>
-          <a:bodyPr vert="horz" wrap="square" lIns="91440" tIns="45720" rIns="91440" bIns="45720" numCol="1" rtlCol="0" anchor="t" anchorCtr="0" compatLnSpc="1">
-            <a:prstTxWarp prst="textNoShape">
-              <a:avLst/>
-            </a:prstTxWarp>
-          </a:bodyPr>
-          <a:lstStyle/>
-          <a:p>
-            <a:pPr marL="0" marR="0" indent="0" algn="l" defTabSz="914400" rtl="0" eaLnBrk="0" fontAlgn="base" latinLnBrk="0" hangingPunct="0">
-              <a:lnSpc>
-                <a:spcPct val="100000"/>
-              </a:lnSpc>
-              <a:spcBef>
-                <a:spcPct val="0"/>
-              </a:spcBef>
-              <a:spcAft>
-                <a:spcPct val="0"/>
-              </a:spcAft>
-              <a:buClrTx/>
-              <a:buSzTx/>
-              <a:buFontTx/>
-              <a:buNone/>
-              <a:tabLst/>
-            </a:pPr>
-            <a:endParaRPr kumimoji="0" lang="de-DE" sz="2400" b="0" i="0" u="none" strike="noStrike" cap="none" normalizeH="0" baseline="0">
-              <a:ln>
-                <a:noFill/>
-              </a:ln>
-              <a:solidFill>
-                <a:schemeClr val="tx1"/>
-              </a:solidFill>
-              <a:effectLst/>
-              <a:latin typeface="Times New Roman" pitchFamily="18" charset="0"/>
-            </a:endParaRPr>
-          </a:p>
-        </p:txBody>
-      </p:sp>
-      <p:cxnSp>
-        <p:nvCxnSpPr>
-          <p:cNvPr id="22" name="Gerader Verbinder 21">
-            <a:extLst>
-              <a:ext uri="{FF2B5EF4-FFF2-40B4-BE49-F238E27FC236}">
-                <a16:creationId xmlns:a16="http://schemas.microsoft.com/office/drawing/2014/main" id="{AC6C0621-C790-AE19-DBA4-68AD8760B6B8}"/>
-              </a:ext>
-            </a:extLst>
-          </p:cNvPr>
-          <p:cNvCxnSpPr>
-            <a:cxnSpLocks/>
-            <a:endCxn id="21" idx="2"/>
-          </p:cNvCxnSpPr>
-          <p:nvPr/>
-        </p:nvCxnSpPr>
-        <p:spPr bwMode="auto">
-          <a:xfrm rot="18900000">
-            <a:off x="4930375" y="4098970"/>
-            <a:ext cx="216024" cy="0"/>
-          </a:xfrm>
-          <a:prstGeom prst="line">
-            <a:avLst/>
-          </a:prstGeom>
-          <a:solidFill>
-            <a:schemeClr val="accent1"/>
-          </a:solidFill>
-          <a:ln w="19050" cap="flat" cmpd="sng" algn="ctr">
-            <a:solidFill>
-              <a:schemeClr val="tx1"/>
-            </a:solidFill>
-            <a:prstDash val="solid"/>
-            <a:round/>
-            <a:headEnd type="none" w="sm" len="sm"/>
-            <a:tailEnd type="none" w="sm" len="sm"/>
-          </a:ln>
-          <a:effectLst/>
-        </p:spPr>
-      </p:cxnSp>
-      <p:sp>
-        <p:nvSpPr>
-          <p:cNvPr id="24" name="Ellipse 23">
-            <a:extLst>
-              <a:ext uri="{FF2B5EF4-FFF2-40B4-BE49-F238E27FC236}">
-                <a16:creationId xmlns:a16="http://schemas.microsoft.com/office/drawing/2014/main" id="{C1CB366A-80E2-B34A-8CAA-01D231680BB3}"/>
-              </a:ext>
-            </a:extLst>
-          </p:cNvPr>
-          <p:cNvSpPr/>
-          <p:nvPr/>
-        </p:nvSpPr>
-        <p:spPr bwMode="auto">
-          <a:xfrm rot="18900000">
-            <a:off x="5440464" y="3419664"/>
-            <a:ext cx="288032" cy="288032"/>
-          </a:xfrm>
-          <a:prstGeom prst="ellipse">
-            <a:avLst/>
-          </a:prstGeom>
-          <a:solidFill>
-            <a:srgbClr val="008C5A"/>
-          </a:solidFill>
-          <a:ln w="19050" cap="flat" cmpd="sng" algn="ctr">
-            <a:solidFill>
-              <a:schemeClr val="tx1"/>
-            </a:solidFill>
-            <a:prstDash val="solid"/>
-            <a:round/>
-            <a:headEnd type="none" w="sm" len="sm"/>
-            <a:tailEnd type="none" w="sm" len="sm"/>
-          </a:ln>
-          <a:effectLst/>
-        </p:spPr>
-        <p:txBody>
-          <a:bodyPr vert="horz" wrap="square" lIns="91440" tIns="45720" rIns="91440" bIns="45720" numCol="1" rtlCol="0" anchor="t" anchorCtr="0" compatLnSpc="1">
-            <a:prstTxWarp prst="textNoShape">
-              <a:avLst/>
-            </a:prstTxWarp>
-          </a:bodyPr>
-          <a:lstStyle/>
-          <a:p>
-            <a:pPr marL="0" marR="0" indent="0" algn="l" defTabSz="914400" rtl="0" eaLnBrk="0" fontAlgn="base" latinLnBrk="0" hangingPunct="0">
-              <a:lnSpc>
-                <a:spcPct val="100000"/>
-              </a:lnSpc>
-              <a:spcBef>
-                <a:spcPct val="0"/>
-              </a:spcBef>
-              <a:spcAft>
-                <a:spcPct val="0"/>
-              </a:spcAft>
-              <a:buClrTx/>
-              <a:buSzTx/>
-              <a:buFontTx/>
-              <a:buNone/>
-              <a:tabLst/>
-            </a:pPr>
-            <a:endParaRPr kumimoji="0" lang="de-DE" sz="2400" b="0" i="0" u="none" strike="noStrike" cap="none" normalizeH="0" baseline="0">
-              <a:ln>
-                <a:noFill/>
-              </a:ln>
-              <a:solidFill>
-                <a:schemeClr val="tx1"/>
-              </a:solidFill>
-              <a:effectLst/>
-              <a:latin typeface="Times New Roman" pitchFamily="18" charset="0"/>
-            </a:endParaRPr>
-          </a:p>
-        </p:txBody>
-      </p:sp>
-      <p:cxnSp>
-        <p:nvCxnSpPr>
-          <p:cNvPr id="25" name="Gerader Verbinder 24">
-            <a:extLst>
-              <a:ext uri="{FF2B5EF4-FFF2-40B4-BE49-F238E27FC236}">
-                <a16:creationId xmlns:a16="http://schemas.microsoft.com/office/drawing/2014/main" id="{91F4DAAE-20C0-A358-F8E6-159483F59034}"/>
-              </a:ext>
-            </a:extLst>
-          </p:cNvPr>
-          <p:cNvCxnSpPr>
-            <a:cxnSpLocks/>
-            <a:endCxn id="24" idx="2"/>
-          </p:cNvCxnSpPr>
-          <p:nvPr/>
-        </p:nvCxnSpPr>
-        <p:spPr bwMode="auto">
-          <a:xfrm rot="18900000">
-            <a:off x="5298257" y="3741891"/>
-            <a:ext cx="216024" cy="0"/>
-          </a:xfrm>
-          <a:prstGeom prst="line">
-            <a:avLst/>
-          </a:prstGeom>
-          <a:solidFill>
-            <a:schemeClr val="accent1"/>
-          </a:solidFill>
-          <a:ln w="19050" cap="flat" cmpd="sng" algn="ctr">
-            <a:solidFill>
-              <a:schemeClr val="tx1"/>
-            </a:solidFill>
-            <a:prstDash val="solid"/>
-            <a:round/>
-            <a:headEnd type="none" w="sm" len="sm"/>
-            <a:tailEnd type="none" w="sm" len="sm"/>
-          </a:ln>
-          <a:effectLst/>
-        </p:spPr>
-      </p:cxnSp>
-      <p:sp>
-        <p:nvSpPr>
-          <p:cNvPr id="27" name="Ellipse 26">
-            <a:extLst>
-              <a:ext uri="{FF2B5EF4-FFF2-40B4-BE49-F238E27FC236}">
-                <a16:creationId xmlns:a16="http://schemas.microsoft.com/office/drawing/2014/main" id="{0DAA663F-74F9-824B-7814-D68B26ECEC5D}"/>
-              </a:ext>
-            </a:extLst>
-          </p:cNvPr>
-          <p:cNvSpPr/>
-          <p:nvPr/>
-        </p:nvSpPr>
-        <p:spPr bwMode="auto">
-          <a:xfrm rot="2700000">
-            <a:off x="4737334" y="4837147"/>
-            <a:ext cx="288032" cy="288032"/>
-          </a:xfrm>
-          <a:prstGeom prst="ellipse">
-            <a:avLst/>
-          </a:prstGeom>
-          <a:solidFill>
-            <a:srgbClr val="7030A0"/>
-          </a:solidFill>
-          <a:ln w="19050" cap="flat" cmpd="sng" algn="ctr">
-            <a:solidFill>
-              <a:schemeClr val="tx1"/>
-            </a:solidFill>
-            <a:prstDash val="solid"/>
-            <a:round/>
-            <a:headEnd type="none" w="sm" len="sm"/>
-            <a:tailEnd type="none" w="sm" len="sm"/>
-          </a:ln>
-          <a:effectLst/>
-        </p:spPr>
-        <p:txBody>
-          <a:bodyPr vert="horz" wrap="square" lIns="91440" tIns="45720" rIns="91440" bIns="45720" numCol="1" rtlCol="0" anchor="t" anchorCtr="0" compatLnSpc="1">
-            <a:prstTxWarp prst="textNoShape">
-              <a:avLst/>
-            </a:prstTxWarp>
-          </a:bodyPr>
-          <a:lstStyle/>
-          <a:p>
-            <a:pPr marL="0" marR="0" indent="0" algn="l" defTabSz="914400" rtl="0" eaLnBrk="0" fontAlgn="base" latinLnBrk="0" hangingPunct="0">
-              <a:lnSpc>
-                <a:spcPct val="100000"/>
-              </a:lnSpc>
-              <a:spcBef>
-                <a:spcPct val="0"/>
-              </a:spcBef>
-              <a:spcAft>
-                <a:spcPct val="0"/>
-              </a:spcAft>
-              <a:buClrTx/>
-              <a:buSzTx/>
-              <a:buFontTx/>
-              <a:buNone/>
-              <a:tabLst/>
-            </a:pPr>
-            <a:endParaRPr kumimoji="0" lang="de-DE" sz="2400" b="0" i="0" u="none" strike="noStrike" cap="none" normalizeH="0" baseline="0">
-              <a:ln>
-                <a:noFill/>
-              </a:ln>
-              <a:solidFill>
-                <a:schemeClr val="tx1"/>
-              </a:solidFill>
-              <a:effectLst/>
-              <a:latin typeface="Times New Roman" pitchFamily="18" charset="0"/>
-            </a:endParaRPr>
-          </a:p>
-        </p:txBody>
-      </p:sp>
-      <p:cxnSp>
-        <p:nvCxnSpPr>
-          <p:cNvPr id="28" name="Gerader Verbinder 27">
-            <a:extLst>
-              <a:ext uri="{FF2B5EF4-FFF2-40B4-BE49-F238E27FC236}">
-                <a16:creationId xmlns:a16="http://schemas.microsoft.com/office/drawing/2014/main" id="{D8B1459F-326E-9A00-8D75-7BE99926DE8D}"/>
-              </a:ext>
-            </a:extLst>
-          </p:cNvPr>
-          <p:cNvCxnSpPr>
-            <a:cxnSpLocks/>
-            <a:endCxn id="27" idx="2"/>
-          </p:cNvCxnSpPr>
-          <p:nvPr/>
-        </p:nvCxnSpPr>
-        <p:spPr bwMode="auto">
-          <a:xfrm rot="2700000">
-            <a:off x="4595127" y="4802952"/>
-            <a:ext cx="216024" cy="0"/>
-          </a:xfrm>
-          <a:prstGeom prst="line">
-            <a:avLst/>
-          </a:prstGeom>
-          <a:solidFill>
-            <a:schemeClr val="accent1"/>
-          </a:solidFill>
-          <a:ln w="19050" cap="flat" cmpd="sng" algn="ctr">
-            <a:solidFill>
-              <a:schemeClr val="tx1"/>
-            </a:solidFill>
-            <a:prstDash val="solid"/>
-            <a:round/>
-            <a:headEnd type="none" w="sm" len="sm"/>
-            <a:tailEnd type="none" w="sm" len="sm"/>
-          </a:ln>
-          <a:effectLst/>
-        </p:spPr>
-      </p:cxnSp>
-      <p:sp>
-        <p:nvSpPr>
-          <p:cNvPr id="30" name="Ellipse 29">
-            <a:extLst>
-              <a:ext uri="{FF2B5EF4-FFF2-40B4-BE49-F238E27FC236}">
-                <a16:creationId xmlns:a16="http://schemas.microsoft.com/office/drawing/2014/main" id="{10D2FCAE-82E3-17F9-B73C-ACA5C9BDCDFB}"/>
-              </a:ext>
-            </a:extLst>
-          </p:cNvPr>
-          <p:cNvSpPr/>
-          <p:nvPr/>
-        </p:nvSpPr>
-        <p:spPr bwMode="auto">
-          <a:xfrm rot="2700000">
-            <a:off x="5098124" y="5189117"/>
-            <a:ext cx="288032" cy="288032"/>
-          </a:xfrm>
-          <a:prstGeom prst="ellipse">
-            <a:avLst/>
-          </a:prstGeom>
-          <a:solidFill>
-            <a:srgbClr val="7030A0"/>
-          </a:solidFill>
-          <a:ln w="19050" cap="flat" cmpd="sng" algn="ctr">
-            <a:solidFill>
-              <a:schemeClr val="tx1"/>
-            </a:solidFill>
-            <a:prstDash val="solid"/>
-            <a:round/>
-            <a:headEnd type="none" w="sm" len="sm"/>
-            <a:tailEnd type="none" w="sm" len="sm"/>
-          </a:ln>
-          <a:effectLst/>
-        </p:spPr>
-        <p:txBody>
-          <a:bodyPr vert="horz" wrap="square" lIns="91440" tIns="45720" rIns="91440" bIns="45720" numCol="1" rtlCol="0" anchor="t" anchorCtr="0" compatLnSpc="1">
-            <a:prstTxWarp prst="textNoShape">
-              <a:avLst/>
-            </a:prstTxWarp>
-          </a:bodyPr>
-          <a:lstStyle/>
-          <a:p>
-            <a:pPr marL="0" marR="0" indent="0" algn="l" defTabSz="914400" rtl="0" eaLnBrk="0" fontAlgn="base" latinLnBrk="0" hangingPunct="0">
-              <a:lnSpc>
-                <a:spcPct val="100000"/>
-              </a:lnSpc>
-              <a:spcBef>
-                <a:spcPct val="0"/>
-              </a:spcBef>
-              <a:spcAft>
-                <a:spcPct val="0"/>
-              </a:spcAft>
-              <a:buClrTx/>
-              <a:buSzTx/>
-              <a:buFontTx/>
-              <a:buNone/>
-              <a:tabLst/>
-            </a:pPr>
-            <a:endParaRPr kumimoji="0" lang="de-DE" sz="2400" b="0" i="0" u="none" strike="noStrike" cap="none" normalizeH="0" baseline="0">
-              <a:ln>
-                <a:noFill/>
-              </a:ln>
-              <a:solidFill>
-                <a:schemeClr val="tx1"/>
-              </a:solidFill>
-              <a:effectLst/>
-              <a:latin typeface="Times New Roman" pitchFamily="18" charset="0"/>
-            </a:endParaRPr>
-          </a:p>
-        </p:txBody>
-      </p:sp>
-      <p:cxnSp>
-        <p:nvCxnSpPr>
-          <p:cNvPr id="31" name="Gerader Verbinder 30">
-            <a:extLst>
-              <a:ext uri="{FF2B5EF4-FFF2-40B4-BE49-F238E27FC236}">
-                <a16:creationId xmlns:a16="http://schemas.microsoft.com/office/drawing/2014/main" id="{5F2B3448-8BD7-07D5-2A70-D1ED30AC0397}"/>
-              </a:ext>
-            </a:extLst>
-          </p:cNvPr>
-          <p:cNvCxnSpPr>
-            <a:cxnSpLocks/>
-            <a:endCxn id="30" idx="2"/>
-          </p:cNvCxnSpPr>
-          <p:nvPr/>
-        </p:nvCxnSpPr>
-        <p:spPr bwMode="auto">
-          <a:xfrm rot="2700000">
-            <a:off x="4955917" y="5154922"/>
-            <a:ext cx="216024" cy="0"/>
-          </a:xfrm>
-          <a:prstGeom prst="line">
-            <a:avLst/>
-          </a:prstGeom>
-          <a:solidFill>
-            <a:schemeClr val="accent1"/>
-          </a:solidFill>
-          <a:ln w="19050" cap="flat" cmpd="sng" algn="ctr">
-            <a:solidFill>
-              <a:schemeClr val="tx1"/>
-            </a:solidFill>
-            <a:prstDash val="solid"/>
-            <a:round/>
-            <a:headEnd type="none" w="sm" len="sm"/>
-            <a:tailEnd type="none" w="sm" len="sm"/>
-          </a:ln>
-          <a:effectLst/>
-        </p:spPr>
-      </p:cxnSp>
-      <p:sp>
-        <p:nvSpPr>
-          <p:cNvPr id="33" name="Ellipse 32">
-            <a:extLst>
-              <a:ext uri="{FF2B5EF4-FFF2-40B4-BE49-F238E27FC236}">
-                <a16:creationId xmlns:a16="http://schemas.microsoft.com/office/drawing/2014/main" id="{36A18F51-D837-EC37-3076-1998B06ADC81}"/>
-              </a:ext>
-            </a:extLst>
-          </p:cNvPr>
-          <p:cNvSpPr/>
-          <p:nvPr/>
-        </p:nvSpPr>
-        <p:spPr bwMode="auto">
-          <a:xfrm rot="2700000">
-            <a:off x="5455203" y="5556999"/>
-            <a:ext cx="288032" cy="288032"/>
-          </a:xfrm>
-          <a:prstGeom prst="ellipse">
-            <a:avLst/>
-          </a:prstGeom>
-          <a:solidFill>
-            <a:srgbClr val="7030A0"/>
-          </a:solidFill>
-          <a:ln w="19050" cap="flat" cmpd="sng" algn="ctr">
-            <a:solidFill>
-              <a:schemeClr val="tx1"/>
-            </a:solidFill>
-            <a:prstDash val="solid"/>
-            <a:round/>
-            <a:headEnd type="none" w="sm" len="sm"/>
-            <a:tailEnd type="none" w="sm" len="sm"/>
-          </a:ln>
-          <a:effectLst/>
-        </p:spPr>
-        <p:txBody>
-          <a:bodyPr vert="horz" wrap="square" lIns="91440" tIns="45720" rIns="91440" bIns="45720" numCol="1" rtlCol="0" anchor="t" anchorCtr="0" compatLnSpc="1">
-            <a:prstTxWarp prst="textNoShape">
-              <a:avLst/>
-            </a:prstTxWarp>
-          </a:bodyPr>
-          <a:lstStyle/>
-          <a:p>
-            <a:pPr marL="0" marR="0" indent="0" algn="l" defTabSz="914400" rtl="0" eaLnBrk="0" fontAlgn="base" latinLnBrk="0" hangingPunct="0">
-              <a:lnSpc>
-                <a:spcPct val="100000"/>
-              </a:lnSpc>
-              <a:spcBef>
-                <a:spcPct val="0"/>
-              </a:spcBef>
-              <a:spcAft>
-                <a:spcPct val="0"/>
-              </a:spcAft>
-              <a:buClrTx/>
-              <a:buSzTx/>
-              <a:buFontTx/>
-              <a:buNone/>
-              <a:tabLst/>
-            </a:pPr>
-            <a:endParaRPr kumimoji="0" lang="de-DE" sz="2400" b="0" i="0" u="none" strike="noStrike" cap="none" normalizeH="0" baseline="0">
-              <a:ln>
-                <a:noFill/>
-              </a:ln>
-              <a:solidFill>
-                <a:schemeClr val="tx1"/>
-              </a:solidFill>
-              <a:effectLst/>
-              <a:latin typeface="Times New Roman" pitchFamily="18" charset="0"/>
-            </a:endParaRPr>
-          </a:p>
-        </p:txBody>
-      </p:sp>
-      <p:cxnSp>
-        <p:nvCxnSpPr>
-          <p:cNvPr id="34" name="Gerader Verbinder 33">
-            <a:extLst>
-              <a:ext uri="{FF2B5EF4-FFF2-40B4-BE49-F238E27FC236}">
-                <a16:creationId xmlns:a16="http://schemas.microsoft.com/office/drawing/2014/main" id="{6E95AD40-1AE6-E6BB-E783-C40580ED10EA}"/>
-              </a:ext>
-            </a:extLst>
-          </p:cNvPr>
-          <p:cNvCxnSpPr>
-            <a:cxnSpLocks/>
-            <a:endCxn id="33" idx="2"/>
-          </p:cNvCxnSpPr>
-          <p:nvPr/>
-        </p:nvCxnSpPr>
-        <p:spPr bwMode="auto">
-          <a:xfrm rot="2700000">
-            <a:off x="5312996" y="5522804"/>
-            <a:ext cx="216024" cy="0"/>
-          </a:xfrm>
-          <a:prstGeom prst="line">
-            <a:avLst/>
-          </a:prstGeom>
-          <a:solidFill>
-            <a:schemeClr val="accent1"/>
-          </a:solidFill>
-          <a:ln w="19050" cap="flat" cmpd="sng" algn="ctr">
-            <a:solidFill>
-              <a:schemeClr val="tx1"/>
-            </a:solidFill>
-            <a:prstDash val="solid"/>
-            <a:round/>
-            <a:headEnd type="none" w="sm" len="sm"/>
-            <a:tailEnd type="none" w="sm" len="sm"/>
-          </a:ln>
-          <a:effectLst/>
-        </p:spPr>
-      </p:cxnSp>
-      <p:sp>
-        <p:nvSpPr>
-          <p:cNvPr id="36" name="Textfeld 35">
-            <a:extLst>
-              <a:ext uri="{FF2B5EF4-FFF2-40B4-BE49-F238E27FC236}">
-                <a16:creationId xmlns:a16="http://schemas.microsoft.com/office/drawing/2014/main" id="{B3735663-1826-5083-BC04-81EFD72F822C}"/>
-              </a:ext>
-            </a:extLst>
-          </p:cNvPr>
-          <p:cNvSpPr txBox="1"/>
-          <p:nvPr/>
-        </p:nvSpPr>
-        <p:spPr bwMode="auto">
-          <a:xfrm>
-            <a:off x="6120172" y="4482847"/>
-            <a:ext cx="720080" cy="276999"/>
-          </a:xfrm>
-          <a:prstGeom prst="rect">
-            <a:avLst/>
-          </a:prstGeom>
-          <a:noFill/>
-          <a:ln w="9525">
-            <a:noFill/>
-            <a:miter lim="800000"/>
-            <a:headEnd/>
-            <a:tailEnd/>
-          </a:ln>
-        </p:spPr>
-        <p:txBody>
-          <a:bodyPr wrap="square" rtlCol="0" anchor="ctr">
-            <a:spAutoFit/>
-          </a:bodyPr>
-          <a:lstStyle/>
-          <a:p>
-            <a:pPr eaLnBrk="1" hangingPunct="1"/>
-            <a:r>
-              <a:rPr lang="de-DE" sz="1200" dirty="0" err="1">
-                <a:solidFill>
-                  <a:srgbClr val="0249FC"/>
-                </a:solidFill>
-                <a:latin typeface="Arial" charset="0"/>
-              </a:rPr>
-              <a:t>main</a:t>
-            </a:r>
-            <a:endParaRPr lang="de-DE" sz="1200" dirty="0">
-              <a:solidFill>
-                <a:srgbClr val="0249FC"/>
-              </a:solidFill>
-              <a:latin typeface="Arial" charset="0"/>
-            </a:endParaRPr>
-          </a:p>
-        </p:txBody>
-      </p:sp>
-      <p:sp>
-        <p:nvSpPr>
-          <p:cNvPr id="37" name="Textfeld 36">
-            <a:extLst>
-              <a:ext uri="{FF2B5EF4-FFF2-40B4-BE49-F238E27FC236}">
-                <a16:creationId xmlns:a16="http://schemas.microsoft.com/office/drawing/2014/main" id="{AFE0D8DA-85CA-0648-FE1A-68A82C57267E}"/>
-              </a:ext>
-            </a:extLst>
-          </p:cNvPr>
-          <p:cNvSpPr txBox="1"/>
-          <p:nvPr/>
-        </p:nvSpPr>
-        <p:spPr bwMode="auto">
-          <a:xfrm>
-            <a:off x="5724128" y="3404413"/>
-            <a:ext cx="792088" cy="276999"/>
-          </a:xfrm>
-          <a:prstGeom prst="rect">
-            <a:avLst/>
-          </a:prstGeom>
-          <a:noFill/>
-          <a:ln w="9525">
-            <a:noFill/>
-            <a:miter lim="800000"/>
-            <a:headEnd/>
-            <a:tailEnd/>
-          </a:ln>
-        </p:spPr>
-        <p:txBody>
-          <a:bodyPr wrap="square" rtlCol="0" anchor="ctr">
-            <a:spAutoFit/>
-          </a:bodyPr>
-          <a:lstStyle/>
-          <a:p>
-            <a:pPr eaLnBrk="1" hangingPunct="1"/>
-            <a:r>
-              <a:rPr lang="de-DE" sz="1200" dirty="0">
-                <a:solidFill>
-                  <a:srgbClr val="008C5A"/>
-                </a:solidFill>
-                <a:latin typeface="Arial" charset="0"/>
-              </a:rPr>
-              <a:t>feature1</a:t>
-            </a:r>
-          </a:p>
-        </p:txBody>
-      </p:sp>
-      <p:sp>
-        <p:nvSpPr>
-          <p:cNvPr id="38" name="Textfeld 37">
-            <a:extLst>
-              <a:ext uri="{FF2B5EF4-FFF2-40B4-BE49-F238E27FC236}">
-                <a16:creationId xmlns:a16="http://schemas.microsoft.com/office/drawing/2014/main" id="{38806947-E25F-4027-3BD1-F2C151C0C79D}"/>
-              </a:ext>
-            </a:extLst>
-          </p:cNvPr>
-          <p:cNvSpPr txBox="1"/>
-          <p:nvPr/>
-        </p:nvSpPr>
-        <p:spPr bwMode="auto">
-          <a:xfrm>
-            <a:off x="5760132" y="5576906"/>
-            <a:ext cx="792088" cy="276999"/>
-          </a:xfrm>
-          <a:prstGeom prst="rect">
-            <a:avLst/>
-          </a:prstGeom>
-          <a:noFill/>
-          <a:ln w="9525">
-            <a:noFill/>
-            <a:miter lim="800000"/>
-            <a:headEnd/>
-            <a:tailEnd/>
-          </a:ln>
-        </p:spPr>
-        <p:txBody>
-          <a:bodyPr wrap="square" rtlCol="0" anchor="ctr">
-            <a:spAutoFit/>
-          </a:bodyPr>
-          <a:lstStyle/>
-          <a:p>
-            <a:pPr eaLnBrk="1" hangingPunct="1"/>
-            <a:r>
-              <a:rPr lang="de-DE" sz="1200" dirty="0">
-                <a:solidFill>
-                  <a:srgbClr val="7030A0"/>
-                </a:solidFill>
-                <a:latin typeface="Arial" charset="0"/>
-              </a:rPr>
-              <a:t>feature2</a:t>
-            </a:r>
-          </a:p>
-        </p:txBody>
-      </p:sp>
-      <p:cxnSp>
-        <p:nvCxnSpPr>
-          <p:cNvPr id="40" name="Gerade Verbindung mit Pfeil 39">
-            <a:extLst>
-              <a:ext uri="{FF2B5EF4-FFF2-40B4-BE49-F238E27FC236}">
-                <a16:creationId xmlns:a16="http://schemas.microsoft.com/office/drawing/2014/main" id="{13FD3CDA-2657-1084-1AE4-2C5874D8322A}"/>
-              </a:ext>
-            </a:extLst>
-          </p:cNvPr>
-          <p:cNvCxnSpPr>
-            <a:cxnSpLocks/>
-          </p:cNvCxnSpPr>
-          <p:nvPr/>
-        </p:nvCxnSpPr>
-        <p:spPr bwMode="auto">
-          <a:xfrm>
-            <a:off x="5586865" y="3753277"/>
-            <a:ext cx="12354" cy="1738731"/>
-          </a:xfrm>
-          <a:prstGeom prst="straightConnector1">
-            <a:avLst/>
-          </a:prstGeom>
-          <a:solidFill>
-            <a:schemeClr val="accent1"/>
-          </a:solidFill>
-          <a:ln w="76200" cap="flat" cmpd="sng" algn="ctr">
-            <a:solidFill>
-              <a:srgbClr val="FFC000"/>
-            </a:solidFill>
-            <a:prstDash val="solid"/>
-            <a:round/>
-            <a:headEnd type="triangle"/>
-            <a:tailEnd type="triangle"/>
-          </a:ln>
-          <a:effectLst>
-            <a:glow rad="63500">
-              <a:schemeClr val="accent4">
-                <a:satMod val="175000"/>
-                <a:alpha val="40000"/>
-              </a:schemeClr>
-            </a:glow>
-          </a:effectLst>
-        </p:spPr>
-      </p:cxnSp>
-      <p:sp>
-        <p:nvSpPr>
-          <p:cNvPr id="42" name="Gewitterblitz 41">
-            <a:extLst>
-              <a:ext uri="{FF2B5EF4-FFF2-40B4-BE49-F238E27FC236}">
-                <a16:creationId xmlns:a16="http://schemas.microsoft.com/office/drawing/2014/main" id="{F3CC5856-E024-39FD-B0AE-569578796254}"/>
-              </a:ext>
-            </a:extLst>
-          </p:cNvPr>
-          <p:cNvSpPr/>
-          <p:nvPr/>
-        </p:nvSpPr>
-        <p:spPr bwMode="auto">
-          <a:xfrm rot="19809464" flipH="1">
-            <a:off x="5401968" y="4470905"/>
-            <a:ext cx="369792" cy="269575"/>
-          </a:xfrm>
-          <a:prstGeom prst="lightningBolt">
-            <a:avLst/>
-          </a:prstGeom>
-          <a:solidFill>
-            <a:srgbClr val="FFC000"/>
-          </a:solidFill>
-          <a:ln w="12700" cap="flat" cmpd="sng" algn="ctr">
-            <a:solidFill>
-              <a:schemeClr val="tx1"/>
-            </a:solidFill>
-            <a:prstDash val="solid"/>
-            <a:round/>
-            <a:headEnd type="none" w="sm" len="sm"/>
-            <a:tailEnd type="none" w="sm" len="sm"/>
-          </a:ln>
-          <a:effectLst>
-            <a:glow rad="63500">
-              <a:schemeClr val="accent4">
-                <a:satMod val="175000"/>
-                <a:alpha val="40000"/>
-              </a:schemeClr>
-            </a:glow>
-          </a:effectLst>
-        </p:spPr>
-        <p:txBody>
-          <a:bodyPr vert="horz" wrap="square" lIns="91440" tIns="45720" rIns="91440" bIns="45720" numCol="1" rtlCol="0" anchor="t" anchorCtr="0" compatLnSpc="1">
-            <a:prstTxWarp prst="textNoShape">
-              <a:avLst/>
-            </a:prstTxWarp>
-          </a:bodyPr>
-          <a:lstStyle/>
-          <a:p>
-            <a:pPr marL="0" marR="0" indent="0" algn="l" defTabSz="914400" rtl="0" eaLnBrk="0" fontAlgn="base" latinLnBrk="0" hangingPunct="0">
-              <a:lnSpc>
-                <a:spcPct val="100000"/>
-              </a:lnSpc>
-              <a:spcBef>
-                <a:spcPct val="0"/>
-              </a:spcBef>
-              <a:spcAft>
-                <a:spcPct val="0"/>
-              </a:spcAft>
-              <a:buClrTx/>
-              <a:buSzTx/>
-              <a:buFontTx/>
-              <a:buNone/>
-              <a:tabLst/>
-            </a:pPr>
-            <a:endParaRPr kumimoji="0" lang="de-DE" sz="2400" b="0" i="0" u="none" strike="noStrike" cap="none" normalizeH="0" baseline="0">
-              <a:ln>
-                <a:noFill/>
-              </a:ln>
-              <a:solidFill>
-                <a:schemeClr val="tx1"/>
-              </a:solidFill>
-              <a:effectLst/>
-              <a:latin typeface="Times New Roman" pitchFamily="18" charset="0"/>
-            </a:endParaRPr>
-          </a:p>
-        </p:txBody>
-      </p:sp>
     </p:spTree>
     <p:extLst>
       <p:ext uri="{BB962C8B-B14F-4D97-AF65-F5344CB8AC3E}">
-        <p14:creationId xmlns:p14="http://schemas.microsoft.com/office/powerpoint/2010/main" val="3955948481"/>
+        <p14:creationId xmlns:p14="http://schemas.microsoft.com/office/powerpoint/2010/main" val="1574715531"/>
       </p:ext>
     </p:extLst>
   </p:cSld>

--- a/slides/Tag-1_6-Git-Workflow-im-Team_Light.pptx
+++ b/slides/Tag-1_6-Git-Workflow-im-Team_Light.pptx
@@ -3513,6 +3513,42 @@
           </a:p>
         </p:txBody>
       </p:sp>
+      <p:pic>
+        <p:nvPicPr>
+          <p:cNvPr id="2" name="Grafik 1">
+            <a:extLst>
+              <a:ext uri="{FF2B5EF4-FFF2-40B4-BE49-F238E27FC236}">
+                <a16:creationId xmlns:a16="http://schemas.microsoft.com/office/drawing/2014/main" id="{B5741744-8C53-B985-C085-C84AC1860562}"/>
+              </a:ext>
+            </a:extLst>
+          </p:cNvPr>
+          <p:cNvPicPr>
+            <a:picLocks noChangeAspect="1"/>
+          </p:cNvPicPr>
+          <p:nvPr userDrawn="1"/>
+        </p:nvPicPr>
+        <p:blipFill>
+          <a:blip r:embed="rId5">
+            <a:extLst>
+              <a:ext uri="{28A0092B-C50C-407E-A947-70E740481C1C}">
+                <a14:useLocalDpi xmlns:a14="http://schemas.microsoft.com/office/drawing/2010/main" val="0"/>
+              </a:ext>
+            </a:extLst>
+          </a:blip>
+          <a:stretch>
+            <a:fillRect/>
+          </a:stretch>
+        </p:blipFill>
+        <p:spPr>
+          <a:xfrm>
+            <a:off x="3383868" y="4481736"/>
+            <a:ext cx="2376264" cy="2376264"/>
+          </a:xfrm>
+          <a:prstGeom prst="rect">
+            <a:avLst/>
+          </a:prstGeom>
+        </p:spPr>
+      </p:pic>
     </p:spTree>
   </p:cSld>
   <p:clrMap bg1="lt1" tx1="dk1" bg2="lt2" tx2="dk2" accent1="accent1" accent2="accent2" accent3="accent3" accent4="accent4" accent5="accent5" accent6="accent6" hlink="hlink" folHlink="folHlink"/>

--- a/slides/Tag-1_6-Git-Workflow-im-Team_Light.pptx
+++ b/slides/Tag-1_6-Git-Workflow-im-Team_Light.pptx
@@ -1955,7 +1955,7 @@
               <a:pPr algn="ctr">
                 <a:defRPr/>
               </a:pPr>
-              <a:t>10.06.2024</a:t>
+              <a:t>11.06.2024</a:t>
             </a:fld>
             <a:endParaRPr lang="de-DE" sz="1000" dirty="0">
               <a:solidFill>
@@ -2804,6 +2804,42 @@
           </a:p>
         </p:txBody>
       </p:sp>
+      <p:pic>
+        <p:nvPicPr>
+          <p:cNvPr id="3" name="Grafik 2">
+            <a:extLst>
+              <a:ext uri="{FF2B5EF4-FFF2-40B4-BE49-F238E27FC236}">
+                <a16:creationId xmlns:a16="http://schemas.microsoft.com/office/drawing/2014/main" id="{415E6290-0CD7-D8BA-B3D5-A89416BFD563}"/>
+              </a:ext>
+            </a:extLst>
+          </p:cNvPr>
+          <p:cNvPicPr>
+            <a:picLocks noChangeAspect="1"/>
+          </p:cNvPicPr>
+          <p:nvPr userDrawn="1"/>
+        </p:nvPicPr>
+        <p:blipFill>
+          <a:blip r:embed="rId7">
+            <a:extLst>
+              <a:ext uri="{28A0092B-C50C-407E-A947-70E740481C1C}">
+                <a14:useLocalDpi xmlns:a14="http://schemas.microsoft.com/office/drawing/2010/main" val="0"/>
+              </a:ext>
+            </a:extLst>
+          </a:blip>
+          <a:stretch>
+            <a:fillRect/>
+          </a:stretch>
+        </p:blipFill>
+        <p:spPr>
+          <a:xfrm>
+            <a:off x="8486775" y="-15729"/>
+            <a:ext cx="636272" cy="636272"/>
+          </a:xfrm>
+          <a:prstGeom prst="rect">
+            <a:avLst/>
+          </a:prstGeom>
+        </p:spPr>
+      </p:pic>
     </p:spTree>
   </p:cSld>
   <p:clrMap bg1="lt1" tx1="dk1" bg2="lt2" tx2="dk2" accent1="accent1" accent2="accent2" accent3="accent3" accent4="accent4" accent5="accent5" accent6="accent6" hlink="hlink" folHlink="folHlink"/>
@@ -4089,7 +4125,7 @@
               <a:pPr algn="ctr">
                 <a:defRPr/>
               </a:pPr>
-              <a:t>10.06.2024</a:t>
+              <a:t>11.06.2024</a:t>
             </a:fld>
             <a:endParaRPr lang="de-DE" sz="1000">
               <a:solidFill>
@@ -4938,6 +4974,42 @@
           </a:p>
         </p:txBody>
       </p:sp>
+      <p:pic>
+        <p:nvPicPr>
+          <p:cNvPr id="3" name="Grafik 2">
+            <a:extLst>
+              <a:ext uri="{FF2B5EF4-FFF2-40B4-BE49-F238E27FC236}">
+                <a16:creationId xmlns:a16="http://schemas.microsoft.com/office/drawing/2014/main" id="{1141F239-8941-1798-861F-46C147F6863E}"/>
+              </a:ext>
+            </a:extLst>
+          </p:cNvPr>
+          <p:cNvPicPr>
+            <a:picLocks noChangeAspect="1"/>
+          </p:cNvPicPr>
+          <p:nvPr userDrawn="1"/>
+        </p:nvPicPr>
+        <p:blipFill>
+          <a:blip r:embed="rId7">
+            <a:extLst>
+              <a:ext uri="{28A0092B-C50C-407E-A947-70E740481C1C}">
+                <a14:useLocalDpi xmlns:a14="http://schemas.microsoft.com/office/drawing/2010/main" val="0"/>
+              </a:ext>
+            </a:extLst>
+          </a:blip>
+          <a:stretch>
+            <a:fillRect/>
+          </a:stretch>
+        </p:blipFill>
+        <p:spPr>
+          <a:xfrm>
+            <a:off x="8486775" y="-15729"/>
+            <a:ext cx="636272" cy="636272"/>
+          </a:xfrm>
+          <a:prstGeom prst="rect">
+            <a:avLst/>
+          </a:prstGeom>
+        </p:spPr>
+      </p:pic>
     </p:spTree>
     <p:extLst>
       <p:ext uri="{BB962C8B-B14F-4D97-AF65-F5344CB8AC3E}">

--- a/slides/Tag-1_6-Git-Workflow-im-Team_Light.pptx
+++ b/slides/Tag-1_6-Git-Workflow-im-Team_Light.pptx
@@ -5852,7 +5852,7 @@
             </a:pPr>
             <a:r>
               <a:rPr lang="de-DE" altLang="de-DE" b="1" dirty="0"/>
-              <a:t>Zentraler </a:t>
+              <a:t>Zentralisierter </a:t>
             </a:r>
             <a:r>
               <a:rPr lang="de-DE" altLang="de-DE" b="1" dirty="0" err="1"/>
@@ -7332,7 +7332,7 @@
             </a:pPr>
             <a:r>
               <a:rPr lang="de-DE" altLang="de-DE" b="1" dirty="0"/>
-              <a:t>Zentraler </a:t>
+              <a:t>Zentralisierter </a:t>
             </a:r>
             <a:r>
               <a:rPr lang="de-DE" altLang="de-DE" b="1" dirty="0" err="1"/>
@@ -7487,7 +7487,7 @@
           <a:p>
             <a:r>
               <a:rPr lang="de-DE" cap="none" dirty="0"/>
-              <a:t>Arbeiten im zentralen Workflow</a:t>
+              <a:t>Arbeiten im zentralisierten Workflow</a:t>
             </a:r>
           </a:p>
         </p:txBody>
@@ -7612,7 +7612,7 @@
           <a:p>
             <a:r>
               <a:rPr lang="de-DE" cap="none" dirty="0"/>
-              <a:t>Arbeiten im zentralen Workflow</a:t>
+              <a:t>Arbeiten im zentralisierten Workflow</a:t>
             </a:r>
             <a:endParaRPr lang="de-DE" altLang="de-DE" dirty="0"/>
           </a:p>
@@ -8811,7 +8811,7 @@
           <a:p>
             <a:r>
               <a:rPr lang="de-DE" cap="none" dirty="0"/>
-              <a:t>Arbeiten im zentralen Workflow</a:t>
+              <a:t>Arbeiten im zentralisierten Workflow</a:t>
             </a:r>
             <a:endParaRPr lang="de-DE" altLang="de-DE" dirty="0"/>
           </a:p>
@@ -10879,7 +10879,7 @@
           <a:p>
             <a:r>
               <a:rPr lang="de-DE" cap="none" dirty="0"/>
-              <a:t>Arbeiten im zentralen Workflow</a:t>
+              <a:t>Arbeiten im zentralisierten Workflow</a:t>
             </a:r>
             <a:endParaRPr lang="de-DE" altLang="de-DE" dirty="0"/>
           </a:p>
@@ -13151,7 +13151,7 @@
           <a:p>
             <a:r>
               <a:rPr lang="de-DE" cap="none" dirty="0"/>
-              <a:t>Arbeiten im zentralen Workflow</a:t>
+              <a:t>Arbeiten im zentralisierten Workflow</a:t>
             </a:r>
             <a:endParaRPr lang="de-DE" altLang="de-DE" dirty="0"/>
           </a:p>
@@ -15639,7 +15639,7 @@
           <a:p>
             <a:r>
               <a:rPr lang="de-DE" cap="none" dirty="0"/>
-              <a:t>Arbeiten im zentralen Workflow</a:t>
+              <a:t>Arbeiten im zentralisierten Workflow</a:t>
             </a:r>
             <a:endParaRPr lang="de-DE" altLang="de-DE" dirty="0"/>
           </a:p>
@@ -18426,7 +18426,7 @@
           <a:p>
             <a:r>
               <a:rPr lang="de-DE" cap="none" dirty="0"/>
-              <a:t>Arbeiten im zentralen Workflow</a:t>
+              <a:t>Arbeiten im zentralisierten Workflow</a:t>
             </a:r>
             <a:endParaRPr lang="de-DE" altLang="de-DE" dirty="0"/>
           </a:p>
@@ -20990,10 +20990,19 @@
           <a:p>
             <a:pPr eaLnBrk="1" hangingPunct="1"/>
             <a:r>
+              <a:rPr lang="en-US" sz="1200" b="1" dirty="0">
+                <a:solidFill>
+                  <a:srgbClr val="FF0000"/>
+                </a:solidFill>
+                <a:latin typeface="Consolas" panose="020B0609020204030204" pitchFamily="49" charset="0"/>
+              </a:rPr>
+              <a:t>error: failed to push some refs </a:t>
+            </a:r>
+            <a:r>
               <a:rPr lang="en-US" sz="1200" dirty="0">
                 <a:latin typeface="Consolas" panose="020B0609020204030204" pitchFamily="49" charset="0"/>
               </a:rPr>
-              <a:t>error: failed to push some refs to </a:t>
+              <a:t>to </a:t>
             </a:r>
             <a:br>
               <a:rPr lang="en-US" sz="1200" dirty="0">
@@ -21201,7 +21210,7 @@
           <a:p>
             <a:r>
               <a:rPr lang="de-DE" cap="none" dirty="0"/>
-              <a:t>Arbeiten im zentralen Workflow</a:t>
+              <a:t>Arbeiten im zentralisierten Workflow</a:t>
             </a:r>
             <a:endParaRPr lang="de-DE" altLang="de-DE" dirty="0"/>
           </a:p>
@@ -24673,7 +24682,7 @@
           <a:p>
             <a:r>
               <a:rPr lang="de-DE" cap="none" dirty="0"/>
-              <a:t>Arbeiten im zentralen Workflow</a:t>
+              <a:t>Arbeiten im zentralisierten Workflow</a:t>
             </a:r>
             <a:endParaRPr lang="de-DE" altLang="de-DE" dirty="0"/>
           </a:p>
@@ -27674,7 +27683,7 @@
           <a:p>
             <a:r>
               <a:rPr lang="de-DE" cap="none" dirty="0"/>
-              <a:t>Arbeiten im zentralen Workflow</a:t>
+              <a:t>Arbeiten im zentralisierten Workflow</a:t>
             </a:r>
             <a:endParaRPr lang="de-DE" altLang="de-DE" dirty="0"/>
           </a:p>
@@ -30594,7 +30603,7 @@
           <a:p>
             <a:r>
               <a:rPr lang="de-DE" cap="none" dirty="0"/>
-              <a:t>Arbeiten im zentralen Workflow</a:t>
+              <a:t>Arbeiten im zentralisierten Workflow</a:t>
             </a:r>
             <a:endParaRPr lang="de-DE" altLang="de-DE" dirty="0"/>
           </a:p>
@@ -33698,7 +33707,7 @@
           <a:p>
             <a:r>
               <a:rPr lang="de-DE" cap="none" dirty="0"/>
-              <a:t>Arbeiten im zentralen Workflow</a:t>
+              <a:t>Arbeiten im zentralisierten Workflow</a:t>
             </a:r>
             <a:endParaRPr lang="de-DE" altLang="de-DE" dirty="0"/>
           </a:p>
@@ -37019,32 +37028,21 @@
           <a:p>
             <a:r>
               <a:rPr lang="de-DE" altLang="de-DE" dirty="0"/>
-              <a:t>Lokal existierende </a:t>
+              <a:t>Ausschließlich </a:t>
+            </a:r>
+            <a:r>
+              <a:rPr lang="de-DE" altLang="de-DE" dirty="0" err="1"/>
+              <a:t>Rebasing</a:t>
+            </a:r>
+            <a:r>
+              <a:rPr lang="de-DE" altLang="de-DE" dirty="0"/>
+              <a:t> lokal existierender </a:t>
             </a:r>
             <a:r>
               <a:rPr lang="de-DE" altLang="de-DE" dirty="0" err="1"/>
               <a:t>Commits</a:t>
             </a:r>
-            <a:r>
-              <a:rPr lang="de-DE" altLang="de-DE" dirty="0"/>
-              <a:t> </a:t>
-            </a:r>
-            <a:r>
-              <a:rPr lang="de-DE" altLang="de-DE" dirty="0" err="1"/>
-              <a:t>rebased</a:t>
-            </a:r>
-            <a:r>
-              <a:rPr lang="de-DE" altLang="de-DE" dirty="0"/>
-              <a:t> (Remote </a:t>
-            </a:r>
-            <a:r>
-              <a:rPr lang="de-DE" altLang="de-DE" dirty="0" err="1"/>
-              <a:t>Commits</a:t>
-            </a:r>
-            <a:r>
-              <a:rPr lang="de-DE" altLang="de-DE" dirty="0"/>
-              <a:t> nicht)</a:t>
-            </a:r>
+            <a:endParaRPr lang="de-DE" altLang="de-DE" dirty="0"/>
           </a:p>
           <a:p>
             <a:pPr lvl="1"/>
@@ -37110,7 +37108,7 @@
           <a:p>
             <a:r>
               <a:rPr lang="de-DE" cap="none" dirty="0"/>
-              <a:t>Arbeiten im zentralen Workflow</a:t>
+              <a:t>Arbeiten im zentralisierten Workflow</a:t>
             </a:r>
             <a:endParaRPr lang="de-DE" altLang="de-DE" dirty="0"/>
           </a:p>
@@ -37254,7 +37252,7 @@
           <a:p>
             <a:r>
               <a:rPr lang="de-DE" altLang="de-DE" dirty="0"/>
-              <a:t>Andere Workflows = </a:t>
+              <a:t>Zumeist komplexeres </a:t>
             </a:r>
             <a:r>
               <a:rPr lang="de-DE" altLang="de-DE" dirty="0" err="1"/>
@@ -37262,7 +37260,7 @@
             </a:r>
             <a:r>
               <a:rPr lang="de-DE" altLang="de-DE" dirty="0"/>
-              <a:t>-Modell komplexer</a:t>
+              <a:t>-Modell</a:t>
             </a:r>
           </a:p>
           <a:p>
@@ -37281,9 +37279,13 @@
               <a:rPr lang="de-DE" altLang="de-DE" dirty="0" err="1"/>
               <a:t>Branches</a:t>
             </a:r>
+            <a:endParaRPr lang="de-DE" altLang="de-DE" dirty="0"/>
+          </a:p>
+          <a:p>
+            <a:pPr lvl="1"/>
             <a:r>
               <a:rPr lang="de-DE" altLang="de-DE" dirty="0"/>
-              <a:t>, nach Abschluss </a:t>
+              <a:t>Nach Abschluss </a:t>
             </a:r>
             <a:r>
               <a:rPr lang="de-DE" altLang="de-DE" dirty="0" err="1"/>
@@ -37315,23 +37317,23 @@
           </a:p>
           <a:p>
             <a:r>
-              <a:rPr lang="de-DE" altLang="de-DE" dirty="0"/>
-              <a:t>Völlig unterschiedliche Workflows</a:t>
-            </a:r>
-          </a:p>
-          <a:p>
-            <a:pPr lvl="1"/>
-            <a:r>
               <a:rPr lang="de-DE" altLang="de-DE" dirty="0" err="1"/>
               <a:t>Forking</a:t>
             </a:r>
             <a:r>
               <a:rPr lang="de-DE" altLang="de-DE" dirty="0"/>
-              <a:t>-Workflow: Jeder Entwickler eigenes Remote-Repository</a:t>
-            </a:r>
-          </a:p>
-          <a:p>
-            <a:pPr lvl="2"/>
+              <a:t>-Workflow</a:t>
+            </a:r>
+          </a:p>
+          <a:p>
+            <a:pPr lvl="1"/>
+            <a:r>
+              <a:rPr lang="de-DE" altLang="de-DE" dirty="0"/>
+              <a:t>Jeder Entwickler nutzt eigenes Remote-Repository</a:t>
+            </a:r>
+          </a:p>
+          <a:p>
+            <a:pPr lvl="1"/>
             <a:r>
               <a:rPr lang="de-DE" altLang="de-DE" dirty="0"/>
               <a:t>Projekt-Repository </a:t>
@@ -37343,21 +37345,25 @@
             <a:endParaRPr lang="de-DE" altLang="de-DE" dirty="0"/>
           </a:p>
           <a:p>
-            <a:pPr lvl="2"/>
+            <a:pPr lvl="1"/>
             <a:r>
               <a:rPr lang="de-DE" altLang="de-DE" dirty="0"/>
               <a:t>Dort alleine arbeiten</a:t>
             </a:r>
           </a:p>
           <a:p>
-            <a:pPr lvl="2"/>
+            <a:pPr lvl="1"/>
+            <a:r>
+              <a:rPr lang="de-DE" altLang="de-DE" dirty="0"/>
+              <a:t>Pull </a:t>
+            </a:r>
             <a:r>
               <a:rPr lang="de-DE" altLang="de-DE" dirty="0" err="1"/>
-              <a:t>Merge-Requests</a:t>
+              <a:t>Requests</a:t>
             </a:r>
             <a:r>
               <a:rPr lang="de-DE" altLang="de-DE" dirty="0"/>
-              <a:t> für Änderungen ins ursprüngliche Repository</a:t>
+              <a:t> für Änderungen ins ursprüngliche Repository stellen</a:t>
             </a:r>
           </a:p>
           <a:p>
@@ -38027,7 +38033,7 @@
             </a:pPr>
             <a:r>
               <a:rPr lang="de-DE" altLang="de-DE" dirty="0"/>
-              <a:t>Zentraler </a:t>
+              <a:t>Zentralisierter </a:t>
             </a:r>
             <a:r>
               <a:rPr lang="de-DE" altLang="de-DE" dirty="0" err="1"/>
@@ -38356,14 +38362,7 @@
             </a:r>
             <a:r>
               <a:rPr lang="de-DE" altLang="de-DE" sz="1800" dirty="0"/>
-              <a:t> vielfältige Einsatzmöglichkeiten</a:t>
-            </a:r>
-          </a:p>
-          <a:p>
-            <a:pPr lvl="1"/>
-            <a:r>
-              <a:rPr lang="de-DE" altLang="de-DE" sz="1400" dirty="0"/>
-              <a:t>Durch verschiedene Konzepte und Features</a:t>
+              <a:t> bieten vielfältige Einsatzmöglichkeiten</a:t>
             </a:r>
           </a:p>
           <a:p>
@@ -38429,7 +38428,7 @@
           <a:p>
             <a:r>
               <a:rPr lang="de-DE" altLang="de-DE" sz="1800" dirty="0"/>
-              <a:t>Workflow darf keinen unnötigen Overhead erzeugen</a:t>
+              <a:t>Workflow sollte keinen unnötigen Overhead erzeugen</a:t>
             </a:r>
           </a:p>
           <a:p>
@@ -38545,7 +38544,7 @@
             </a:pPr>
             <a:r>
               <a:rPr lang="de-DE" altLang="de-DE" b="1" dirty="0"/>
-              <a:t>Zentraler </a:t>
+              <a:t>Zentralisierter </a:t>
             </a:r>
             <a:r>
               <a:rPr lang="de-DE" altLang="de-DE" b="1" dirty="0" err="1"/>
@@ -38559,21 +38558,25 @@
           <a:p>
             <a:r>
               <a:rPr lang="de-DE" altLang="de-DE" dirty="0"/>
-              <a:t>Zentraler </a:t>
-            </a:r>
-            <a:r>
-              <a:rPr lang="de-DE" altLang="de-DE" dirty="0" err="1"/>
-              <a:t>Git</a:t>
-            </a:r>
+              <a:t>Auch bekannt als </a:t>
+            </a:r>
+            <a:r>
+              <a:rPr lang="de-DE" altLang="de-DE" i="1" dirty="0"/>
+              <a:t>trunk-</a:t>
+            </a:r>
+            <a:r>
+              <a:rPr lang="de-DE" altLang="de-DE" i="1" dirty="0" err="1"/>
+              <a:t>based</a:t>
+            </a:r>
+            <a:r>
+              <a:rPr lang="de-DE" altLang="de-DE" i="1" dirty="0"/>
+              <a:t> Development</a:t>
+            </a:r>
+          </a:p>
+          <a:p>
             <a:r>
               <a:rPr lang="de-DE" altLang="de-DE" dirty="0"/>
-              <a:t>-Workflow = einfacher Workflow</a:t>
-            </a:r>
-          </a:p>
-          <a:p>
-            <a:r>
-              <a:rPr lang="de-DE" altLang="de-DE" dirty="0"/>
-              <a:t>Im zentralen Ansatz wird nur ein Branch benötigt</a:t>
+              <a:t>Nur ein Branch benötigt</a:t>
             </a:r>
           </a:p>
           <a:p>
@@ -38618,13 +38621,21 @@
             <a:pPr lvl="1"/>
             <a:r>
               <a:rPr lang="de-DE" altLang="de-DE" dirty="0"/>
-              <a:t>Keine Branch-Verwaltung </a:t>
+              <a:t>Keine Verwaltung weiterer </a:t>
+            </a:r>
+            <a:r>
+              <a:rPr lang="de-DE" altLang="de-DE" dirty="0" err="1"/>
+              <a:t>Branches</a:t>
+            </a:r>
+            <a:r>
+              <a:rPr lang="de-DE" altLang="de-DE" dirty="0"/>
+              <a:t> </a:t>
             </a:r>
             <a:r>
               <a:rPr lang="de-DE" altLang="de-DE" dirty="0">
                 <a:sym typeface="Wingdings" panose="05000000000000000000" pitchFamily="2" charset="2"/>
               </a:rPr>
-              <a:t> Weniger Overhead</a:t>
+              <a:t> weniger Overhead</a:t>
             </a:r>
             <a:endParaRPr lang="de-DE" altLang="de-DE" dirty="0"/>
           </a:p>
@@ -38645,18 +38656,6 @@
               <a:rPr lang="de-DE" altLang="de-DE" dirty="0"/>
               <a:t>Erleichtert Umstieg von CVCS (Subversion)</a:t>
             </a:r>
-          </a:p>
-          <a:p>
-            <a:r>
-              <a:rPr lang="de-DE" altLang="de-DE" dirty="0"/>
-              <a:t>Beliebt wegen Kompatibilität zu CI/CD</a:t>
-            </a:r>
-          </a:p>
-          <a:p>
-            <a:pPr marL="0" indent="0">
-              <a:buNone/>
-            </a:pPr>
-            <a:endParaRPr lang="de-DE" altLang="de-DE" dirty="0"/>
           </a:p>
           <a:p>
             <a:pPr marL="0" indent="0">
@@ -38764,7 +38763,7 @@
             </a:pPr>
             <a:r>
               <a:rPr lang="de-DE" altLang="de-DE" b="1" dirty="0"/>
-              <a:t>Zentraler </a:t>
+              <a:t>Zentralisierter </a:t>
             </a:r>
             <a:r>
               <a:rPr lang="de-DE" altLang="de-DE" b="1" dirty="0" err="1"/>
@@ -38792,7 +38791,7 @@
               <a:rPr lang="de-DE" altLang="de-DE" dirty="0">
                 <a:sym typeface="Wingdings" panose="05000000000000000000" pitchFamily="2" charset="2"/>
               </a:rPr>
-              <a:t> oft neue Änderungen (</a:t>
+              <a:t> Oft neue Änderungen (</a:t>
             </a:r>
             <a:r>
               <a:rPr lang="de-DE" altLang="de-DE" dirty="0" err="1">
@@ -38861,15 +38860,7 @@
           <a:p>
             <a:r>
               <a:rPr lang="de-DE" altLang="de-DE" dirty="0"/>
-              <a:t>Zentraler </a:t>
-            </a:r>
-            <a:r>
-              <a:rPr lang="de-DE" altLang="de-DE" dirty="0" err="1"/>
-              <a:t>Git</a:t>
-            </a:r>
-            <a:r>
-              <a:rPr lang="de-DE" altLang="de-DE" dirty="0"/>
-              <a:t>-Workflow legt Fokus auf Commit-Qualität </a:t>
+              <a:t>Fokus auf Commit-Qualität </a:t>
             </a:r>
           </a:p>
           <a:p>
